--- a/FiguresWiki/Examples.pptx
+++ b/FiguresWiki/Examples.pptx
@@ -11,6 +11,9 @@
     <p:sldId id="260" r:id="rId5"/>
     <p:sldId id="258" r:id="rId6"/>
     <p:sldId id="259" r:id="rId7"/>
+    <p:sldId id="263" r:id="rId8"/>
+    <p:sldId id="262" r:id="rId9"/>
+    <p:sldId id="264" r:id="rId10"/>
   </p:sldIdLst>
   <p:sldSz cx="9144000" cy="6858000" type="screen4x3"/>
   <p:notesSz cx="6858000" cy="9144000"/>
@@ -293,7 +296,7 @@
           <a:p>
             <a:fld id="{4AF8D1E4-79D5-419A-84F5-5184F8D0060F}" type="datetimeFigureOut">
               <a:rPr lang="en-US" smtClean="0"/>
-              <a:t>8/29/2016</a:t>
+              <a:t>8/30/2016</a:t>
             </a:fld>
             <a:endParaRPr lang="en-US"/>
           </a:p>
@@ -463,7 +466,7 @@
           <a:p>
             <a:fld id="{4AF8D1E4-79D5-419A-84F5-5184F8D0060F}" type="datetimeFigureOut">
               <a:rPr lang="en-US" smtClean="0"/>
-              <a:t>8/29/2016</a:t>
+              <a:t>8/30/2016</a:t>
             </a:fld>
             <a:endParaRPr lang="en-US"/>
           </a:p>
@@ -643,7 +646,7 @@
           <a:p>
             <a:fld id="{4AF8D1E4-79D5-419A-84F5-5184F8D0060F}" type="datetimeFigureOut">
               <a:rPr lang="en-US" smtClean="0"/>
-              <a:t>8/29/2016</a:t>
+              <a:t>8/30/2016</a:t>
             </a:fld>
             <a:endParaRPr lang="en-US"/>
           </a:p>
@@ -813,7 +816,7 @@
           <a:p>
             <a:fld id="{4AF8D1E4-79D5-419A-84F5-5184F8D0060F}" type="datetimeFigureOut">
               <a:rPr lang="en-US" smtClean="0"/>
-              <a:t>8/29/2016</a:t>
+              <a:t>8/30/2016</a:t>
             </a:fld>
             <a:endParaRPr lang="en-US"/>
           </a:p>
@@ -1059,7 +1062,7 @@
           <a:p>
             <a:fld id="{4AF8D1E4-79D5-419A-84F5-5184F8D0060F}" type="datetimeFigureOut">
               <a:rPr lang="en-US" smtClean="0"/>
-              <a:t>8/29/2016</a:t>
+              <a:t>8/30/2016</a:t>
             </a:fld>
             <a:endParaRPr lang="en-US"/>
           </a:p>
@@ -1347,7 +1350,7 @@
           <a:p>
             <a:fld id="{4AF8D1E4-79D5-419A-84F5-5184F8D0060F}" type="datetimeFigureOut">
               <a:rPr lang="en-US" smtClean="0"/>
-              <a:t>8/29/2016</a:t>
+              <a:t>8/30/2016</a:t>
             </a:fld>
             <a:endParaRPr lang="en-US"/>
           </a:p>
@@ -1769,7 +1772,7 @@
           <a:p>
             <a:fld id="{4AF8D1E4-79D5-419A-84F5-5184F8D0060F}" type="datetimeFigureOut">
               <a:rPr lang="en-US" smtClean="0"/>
-              <a:t>8/29/2016</a:t>
+              <a:t>8/30/2016</a:t>
             </a:fld>
             <a:endParaRPr lang="en-US"/>
           </a:p>
@@ -1887,7 +1890,7 @@
           <a:p>
             <a:fld id="{4AF8D1E4-79D5-419A-84F5-5184F8D0060F}" type="datetimeFigureOut">
               <a:rPr lang="en-US" smtClean="0"/>
-              <a:t>8/29/2016</a:t>
+              <a:t>8/30/2016</a:t>
             </a:fld>
             <a:endParaRPr lang="en-US"/>
           </a:p>
@@ -1982,7 +1985,7 @@
           <a:p>
             <a:fld id="{4AF8D1E4-79D5-419A-84F5-5184F8D0060F}" type="datetimeFigureOut">
               <a:rPr lang="en-US" smtClean="0"/>
-              <a:t>8/29/2016</a:t>
+              <a:t>8/30/2016</a:t>
             </a:fld>
             <a:endParaRPr lang="en-US"/>
           </a:p>
@@ -2259,7 +2262,7 @@
           <a:p>
             <a:fld id="{4AF8D1E4-79D5-419A-84F5-5184F8D0060F}" type="datetimeFigureOut">
               <a:rPr lang="en-US" smtClean="0"/>
-              <a:t>8/29/2016</a:t>
+              <a:t>8/30/2016</a:t>
             </a:fld>
             <a:endParaRPr lang="en-US"/>
           </a:p>
@@ -2512,7 +2515,7 @@
           <a:p>
             <a:fld id="{4AF8D1E4-79D5-419A-84F5-5184F8D0060F}" type="datetimeFigureOut">
               <a:rPr lang="en-US" smtClean="0"/>
-              <a:t>8/29/2016</a:t>
+              <a:t>8/30/2016</a:t>
             </a:fld>
             <a:endParaRPr lang="en-US"/>
           </a:p>
@@ -2725,7 +2728,7 @@
           <a:p>
             <a:fld id="{4AF8D1E4-79D5-419A-84F5-5184F8D0060F}" type="datetimeFigureOut">
               <a:rPr lang="en-US" smtClean="0"/>
-              <a:t>8/29/2016</a:t>
+              <a:t>8/30/2016</a:t>
             </a:fld>
             <a:endParaRPr lang="en-US"/>
           </a:p>
@@ -3174,6 +3177,13 @@
   <p:clrMapOvr>
     <a:masterClrMapping/>
   </p:clrMapOvr>
+  <p:timing>
+    <p:tnLst>
+      <p:par>
+        <p:cTn id="1" dur="indefinite" restart="never" nodeType="tmRoot"/>
+      </p:par>
+    </p:tnLst>
+  </p:timing>
 </p:sld>
 </file>
 
@@ -3332,6 +3342,13 @@
   <p:clrMapOvr>
     <a:masterClrMapping/>
   </p:clrMapOvr>
+  <p:timing>
+    <p:tnLst>
+      <p:par>
+        <p:cTn id="1" dur="indefinite" restart="never" nodeType="tmRoot"/>
+      </p:par>
+    </p:tnLst>
+  </p:timing>
 </p:sld>
 </file>
 
@@ -3806,6 +3823,13 @@
   <p:clrMapOvr>
     <a:masterClrMapping/>
   </p:clrMapOvr>
+  <p:timing>
+    <p:tnLst>
+      <p:par>
+        <p:cTn id="1" dur="indefinite" restart="never" nodeType="tmRoot"/>
+      </p:par>
+    </p:tnLst>
+  </p:timing>
 </p:sld>
 </file>
 
@@ -3900,6 +3924,13 @@
   <p:clrMapOvr>
     <a:masterClrMapping/>
   </p:clrMapOvr>
+  <p:timing>
+    <p:tnLst>
+      <p:par>
+        <p:cTn id="1" dur="indefinite" restart="never" nodeType="tmRoot"/>
+      </p:par>
+    </p:tnLst>
+  </p:timing>
 </p:sld>
 </file>
 
@@ -3994,6 +4025,13 @@
   <p:clrMapOvr>
     <a:masterClrMapping/>
   </p:clrMapOvr>
+  <p:timing>
+    <p:tnLst>
+      <p:par>
+        <p:cTn id="1" dur="indefinite" restart="never" nodeType="tmRoot"/>
+      </p:par>
+    </p:tnLst>
+  </p:timing>
 </p:sld>
 </file>
 
@@ -4088,6 +4126,380 @@
   <p:clrMapOvr>
     <a:masterClrMapping/>
   </p:clrMapOvr>
+  <p:timing>
+    <p:tnLst>
+      <p:par>
+        <p:cTn id="1" dur="indefinite" restart="never" nodeType="tmRoot"/>
+      </p:par>
+    </p:tnLst>
+  </p:timing>
+</p:sld>
+</file>
+
+<file path=ppt/slides/slide7.xml><?xml version="1.0" encoding="utf-8"?>
+<p:sld xmlns:a="http://schemas.openxmlformats.org/drawingml/2006/main" xmlns:r="http://schemas.openxmlformats.org/officeDocument/2006/relationships" xmlns:p="http://schemas.openxmlformats.org/presentationml/2006/main">
+  <p:cSld>
+    <p:spTree>
+      <p:nvGrpSpPr>
+        <p:cNvPr id="1" name=""/>
+        <p:cNvGrpSpPr/>
+        <p:nvPr/>
+      </p:nvGrpSpPr>
+      <p:grpSpPr>
+        <a:xfrm>
+          <a:off x="0" y="0"/>
+          <a:ext cx="0" cy="0"/>
+          <a:chOff x="0" y="0"/>
+          <a:chExt cx="0" cy="0"/>
+        </a:xfrm>
+      </p:grpSpPr>
+      <p:pic>
+        <p:nvPicPr>
+          <p:cNvPr id="2052" name="Picture 4"/>
+          <p:cNvPicPr>
+            <a:picLocks noChangeAspect="1" noChangeArrowheads="1"/>
+          </p:cNvPicPr>
+          <p:nvPr/>
+        </p:nvPicPr>
+        <p:blipFill>
+          <a:blip r:embed="rId2">
+            <a:extLst>
+              <a:ext uri="{28A0092B-C50C-407E-A947-70E740481C1C}">
+                <a14:useLocalDpi xmlns:a14="http://schemas.microsoft.com/office/drawing/2010/main" val="0"/>
+              </a:ext>
+            </a:extLst>
+          </a:blip>
+          <a:srcRect/>
+          <a:stretch>
+            <a:fillRect/>
+          </a:stretch>
+        </p:blipFill>
+        <p:spPr bwMode="auto">
+          <a:xfrm>
+            <a:off x="152400" y="1295400"/>
+            <a:ext cx="5766193" cy="3197225"/>
+          </a:xfrm>
+          <a:prstGeom prst="rect">
+            <a:avLst/>
+          </a:prstGeom>
+          <a:noFill/>
+          <a:ln>
+            <a:noFill/>
+          </a:ln>
+          <a:effectLst/>
+          <a:extLst>
+            <a:ext uri="{909E8E84-426E-40DD-AFC4-6F175D3DCCD1}">
+              <a14:hiddenFill xmlns:a14="http://schemas.microsoft.com/office/drawing/2010/main">
+                <a:solidFill>
+                  <a:schemeClr val="accent1"/>
+                </a:solidFill>
+              </a14:hiddenFill>
+            </a:ext>
+            <a:ext uri="{91240B29-F687-4F45-9708-019B960494DF}">
+              <a14:hiddenLine xmlns:a14="http://schemas.microsoft.com/office/drawing/2010/main" w="9525">
+                <a:solidFill>
+                  <a:schemeClr val="tx1"/>
+                </a:solidFill>
+                <a:miter lim="800000"/>
+                <a:headEnd/>
+                <a:tailEnd/>
+              </a14:hiddenLine>
+            </a:ext>
+            <a:ext uri="{AF507438-7753-43E0-B8FC-AC1667EBCBE1}">
+              <a14:hiddenEffects xmlns:a14="http://schemas.microsoft.com/office/drawing/2010/main">
+                <a:effectLst>
+                  <a:outerShdw dist="35921" dir="2700000" algn="ctr" rotWithShape="0">
+                    <a:schemeClr val="bg2"/>
+                  </a:outerShdw>
+                </a:effectLst>
+              </a14:hiddenEffects>
+            </a:ext>
+          </a:extLst>
+        </p:spPr>
+      </p:pic>
+      <p:pic>
+        <p:nvPicPr>
+          <p:cNvPr id="2053" name="Picture 5"/>
+          <p:cNvPicPr>
+            <a:picLocks noChangeAspect="1" noChangeArrowheads="1"/>
+          </p:cNvPicPr>
+          <p:nvPr/>
+        </p:nvPicPr>
+        <p:blipFill>
+          <a:blip r:embed="rId3">
+            <a:extLst>
+              <a:ext uri="{28A0092B-C50C-407E-A947-70E740481C1C}">
+                <a14:useLocalDpi xmlns:a14="http://schemas.microsoft.com/office/drawing/2010/main" val="0"/>
+              </a:ext>
+            </a:extLst>
+          </a:blip>
+          <a:srcRect/>
+          <a:stretch>
+            <a:fillRect/>
+          </a:stretch>
+        </p:blipFill>
+        <p:spPr bwMode="auto">
+          <a:xfrm>
+            <a:off x="5947262" y="1304453"/>
+            <a:ext cx="2965922" cy="3133725"/>
+          </a:xfrm>
+          <a:prstGeom prst="rect">
+            <a:avLst/>
+          </a:prstGeom>
+          <a:noFill/>
+          <a:ln>
+            <a:noFill/>
+          </a:ln>
+          <a:effectLst/>
+          <a:extLst>
+            <a:ext uri="{909E8E84-426E-40DD-AFC4-6F175D3DCCD1}">
+              <a14:hiddenFill xmlns:a14="http://schemas.microsoft.com/office/drawing/2010/main">
+                <a:solidFill>
+                  <a:schemeClr val="accent1"/>
+                </a:solidFill>
+              </a14:hiddenFill>
+            </a:ext>
+            <a:ext uri="{91240B29-F687-4F45-9708-019B960494DF}">
+              <a14:hiddenLine xmlns:a14="http://schemas.microsoft.com/office/drawing/2010/main" w="9525">
+                <a:solidFill>
+                  <a:schemeClr val="tx1"/>
+                </a:solidFill>
+                <a:miter lim="800000"/>
+                <a:headEnd/>
+                <a:tailEnd/>
+              </a14:hiddenLine>
+            </a:ext>
+            <a:ext uri="{AF507438-7753-43E0-B8FC-AC1667EBCBE1}">
+              <a14:hiddenEffects xmlns:a14="http://schemas.microsoft.com/office/drawing/2010/main">
+                <a:effectLst>
+                  <a:outerShdw dist="35921" dir="2700000" algn="ctr" rotWithShape="0">
+                    <a:schemeClr val="bg2"/>
+                  </a:outerShdw>
+                </a:effectLst>
+              </a14:hiddenEffects>
+            </a:ext>
+          </a:extLst>
+        </p:spPr>
+      </p:pic>
+    </p:spTree>
+    <p:extLst>
+      <p:ext uri="{BB962C8B-B14F-4D97-AF65-F5344CB8AC3E}">
+        <p14:creationId xmlns:p14="http://schemas.microsoft.com/office/powerpoint/2010/main" val="439190903"/>
+      </p:ext>
+    </p:extLst>
+  </p:cSld>
+  <p:clrMapOvr>
+    <a:masterClrMapping/>
+  </p:clrMapOvr>
+  <p:timing>
+    <p:tnLst>
+      <p:par>
+        <p:cTn id="1" dur="indefinite" restart="never" nodeType="tmRoot"/>
+      </p:par>
+    </p:tnLst>
+  </p:timing>
+</p:sld>
+</file>
+
+<file path=ppt/slides/slide8.xml><?xml version="1.0" encoding="utf-8"?>
+<p:sld xmlns:a="http://schemas.openxmlformats.org/drawingml/2006/main" xmlns:r="http://schemas.openxmlformats.org/officeDocument/2006/relationships" xmlns:p="http://schemas.openxmlformats.org/presentationml/2006/main">
+  <p:cSld>
+    <p:spTree>
+      <p:nvGrpSpPr>
+        <p:cNvPr id="1" name=""/>
+        <p:cNvGrpSpPr/>
+        <p:nvPr/>
+      </p:nvGrpSpPr>
+      <p:grpSpPr>
+        <a:xfrm>
+          <a:off x="0" y="0"/>
+          <a:ext cx="0" cy="0"/>
+          <a:chOff x="0" y="0"/>
+          <a:chExt cx="0" cy="0"/>
+        </a:xfrm>
+      </p:grpSpPr>
+      <p:pic>
+        <p:nvPicPr>
+          <p:cNvPr id="1027" name="Picture 3"/>
+          <p:cNvPicPr>
+            <a:picLocks noChangeAspect="1" noChangeArrowheads="1"/>
+          </p:cNvPicPr>
+          <p:nvPr/>
+        </p:nvPicPr>
+        <p:blipFill>
+          <a:blip r:embed="rId2">
+            <a:extLst>
+              <a:ext uri="{28A0092B-C50C-407E-A947-70E740481C1C}">
+                <a14:useLocalDpi xmlns:a14="http://schemas.microsoft.com/office/drawing/2010/main" val="0"/>
+              </a:ext>
+            </a:extLst>
+          </a:blip>
+          <a:srcRect/>
+          <a:stretch>
+            <a:fillRect/>
+          </a:stretch>
+        </p:blipFill>
+        <p:spPr bwMode="auto">
+          <a:xfrm>
+            <a:off x="914400" y="687388"/>
+            <a:ext cx="7315200" cy="5486400"/>
+          </a:xfrm>
+          <a:prstGeom prst="rect">
+            <a:avLst/>
+          </a:prstGeom>
+          <a:noFill/>
+          <a:ln>
+            <a:noFill/>
+          </a:ln>
+          <a:effectLst/>
+          <a:extLst>
+            <a:ext uri="{909E8E84-426E-40DD-AFC4-6F175D3DCCD1}">
+              <a14:hiddenFill xmlns:a14="http://schemas.microsoft.com/office/drawing/2010/main">
+                <a:solidFill>
+                  <a:schemeClr val="accent1"/>
+                </a:solidFill>
+              </a14:hiddenFill>
+            </a:ext>
+            <a:ext uri="{91240B29-F687-4F45-9708-019B960494DF}">
+              <a14:hiddenLine xmlns:a14="http://schemas.microsoft.com/office/drawing/2010/main" w="9525">
+                <a:solidFill>
+                  <a:schemeClr val="tx1"/>
+                </a:solidFill>
+                <a:miter lim="800000"/>
+                <a:headEnd/>
+                <a:tailEnd/>
+              </a14:hiddenLine>
+            </a:ext>
+            <a:ext uri="{AF507438-7753-43E0-B8FC-AC1667EBCBE1}">
+              <a14:hiddenEffects xmlns:a14="http://schemas.microsoft.com/office/drawing/2010/main">
+                <a:effectLst>
+                  <a:outerShdw dist="35921" dir="2700000" algn="ctr" rotWithShape="0">
+                    <a:schemeClr val="bg2"/>
+                  </a:outerShdw>
+                </a:effectLst>
+              </a14:hiddenEffects>
+            </a:ext>
+          </a:extLst>
+        </p:spPr>
+      </p:pic>
+    </p:spTree>
+    <p:extLst>
+      <p:ext uri="{BB962C8B-B14F-4D97-AF65-F5344CB8AC3E}">
+        <p14:creationId xmlns:p14="http://schemas.microsoft.com/office/powerpoint/2010/main" val="3582584635"/>
+      </p:ext>
+    </p:extLst>
+  </p:cSld>
+  <p:clrMapOvr>
+    <a:masterClrMapping/>
+  </p:clrMapOvr>
+  <p:timing>
+    <p:tnLst>
+      <p:par>
+        <p:cTn id="1" dur="indefinite" restart="never" nodeType="tmRoot"/>
+      </p:par>
+    </p:tnLst>
+  </p:timing>
+</p:sld>
+</file>
+
+<file path=ppt/slides/slide9.xml><?xml version="1.0" encoding="utf-8"?>
+<p:sld xmlns:a="http://schemas.openxmlformats.org/drawingml/2006/main" xmlns:r="http://schemas.openxmlformats.org/officeDocument/2006/relationships" xmlns:p="http://schemas.openxmlformats.org/presentationml/2006/main">
+  <p:cSld>
+    <p:spTree>
+      <p:nvGrpSpPr>
+        <p:cNvPr id="1" name=""/>
+        <p:cNvGrpSpPr/>
+        <p:nvPr/>
+      </p:nvGrpSpPr>
+      <p:grpSpPr>
+        <a:xfrm>
+          <a:off x="0" y="0"/>
+          <a:ext cx="0" cy="0"/>
+          <a:chOff x="0" y="0"/>
+          <a:chExt cx="0" cy="0"/>
+        </a:xfrm>
+      </p:grpSpPr>
+      <p:pic>
+        <p:nvPicPr>
+          <p:cNvPr id="3074" name="Picture 2"/>
+          <p:cNvPicPr>
+            <a:picLocks noChangeAspect="1" noChangeArrowheads="1"/>
+          </p:cNvPicPr>
+          <p:nvPr/>
+        </p:nvPicPr>
+        <p:blipFill>
+          <a:blip r:embed="rId2">
+            <a:extLst>
+              <a:ext uri="{28A0092B-C50C-407E-A947-70E740481C1C}">
+                <a14:useLocalDpi xmlns:a14="http://schemas.microsoft.com/office/drawing/2010/main" val="0"/>
+              </a:ext>
+            </a:extLst>
+          </a:blip>
+          <a:srcRect/>
+          <a:stretch>
+            <a:fillRect/>
+          </a:stretch>
+        </p:blipFill>
+        <p:spPr bwMode="auto">
+          <a:xfrm>
+            <a:off x="914400" y="687388"/>
+            <a:ext cx="7315200" cy="5486400"/>
+          </a:xfrm>
+          <a:prstGeom prst="rect">
+            <a:avLst/>
+          </a:prstGeom>
+          <a:noFill/>
+          <a:ln>
+            <a:noFill/>
+          </a:ln>
+          <a:effectLst/>
+          <a:extLst>
+            <a:ext uri="{909E8E84-426E-40DD-AFC4-6F175D3DCCD1}">
+              <a14:hiddenFill xmlns:a14="http://schemas.microsoft.com/office/drawing/2010/main">
+                <a:solidFill>
+                  <a:schemeClr val="accent1"/>
+                </a:solidFill>
+              </a14:hiddenFill>
+            </a:ext>
+            <a:ext uri="{91240B29-F687-4F45-9708-019B960494DF}">
+              <a14:hiddenLine xmlns:a14="http://schemas.microsoft.com/office/drawing/2010/main" w="9525">
+                <a:solidFill>
+                  <a:schemeClr val="tx1"/>
+                </a:solidFill>
+                <a:miter lim="800000"/>
+                <a:headEnd/>
+                <a:tailEnd/>
+              </a14:hiddenLine>
+            </a:ext>
+            <a:ext uri="{AF507438-7753-43E0-B8FC-AC1667EBCBE1}">
+              <a14:hiddenEffects xmlns:a14="http://schemas.microsoft.com/office/drawing/2010/main">
+                <a:effectLst>
+                  <a:outerShdw dist="35921" dir="2700000" algn="ctr" rotWithShape="0">
+                    <a:schemeClr val="bg2"/>
+                  </a:outerShdw>
+                </a:effectLst>
+              </a14:hiddenEffects>
+            </a:ext>
+          </a:extLst>
+        </p:spPr>
+      </p:pic>
+    </p:spTree>
+    <p:extLst>
+      <p:ext uri="{BB962C8B-B14F-4D97-AF65-F5344CB8AC3E}">
+        <p14:creationId xmlns:p14="http://schemas.microsoft.com/office/powerpoint/2010/main" val="1497983722"/>
+      </p:ext>
+    </p:extLst>
+  </p:cSld>
+  <p:clrMapOvr>
+    <a:masterClrMapping/>
+  </p:clrMapOvr>
+  <p:timing>
+    <p:tnLst>
+      <p:par>
+        <p:cTn id="1" dur="indefinite" restart="never" nodeType="tmRoot"/>
+      </p:par>
+    </p:tnLst>
+  </p:timing>
 </p:sld>
 </file>
 

--- a/FiguresWiki/Examples.pptx
+++ b/FiguresWiki/Examples.pptx
@@ -14,6 +14,7 @@
     <p:sldId id="263" r:id="rId8"/>
     <p:sldId id="262" r:id="rId9"/>
     <p:sldId id="264" r:id="rId10"/>
+    <p:sldId id="265" r:id="rId11"/>
   </p:sldIdLst>
   <p:sldSz cx="9144000" cy="6858000" type="screen4x3"/>
   <p:notesSz cx="6858000" cy="9144000"/>
@@ -298,7 +299,7 @@
               <a:rPr lang="en-US" smtClean="0"/>
               <a:t>8/30/2016</a:t>
             </a:fld>
-            <a:endParaRPr lang="en-US"/>
+            <a:endParaRPr lang="en-US" dirty="0"/>
           </a:p>
         </p:txBody>
       </p:sp>
@@ -317,7 +318,7 @@
           <a:bodyPr/>
           <a:lstStyle/>
           <a:p>
-            <a:endParaRPr lang="en-US"/>
+            <a:endParaRPr lang="en-US" dirty="0"/>
           </a:p>
         </p:txBody>
       </p:sp>
@@ -340,7 +341,7 @@
               <a:rPr lang="en-US" smtClean="0"/>
               <a:t>‹#›</a:t>
             </a:fld>
-            <a:endParaRPr lang="en-US"/>
+            <a:endParaRPr lang="en-US" dirty="0"/>
           </a:p>
         </p:txBody>
       </p:sp>
@@ -468,7 +469,7 @@
               <a:rPr lang="en-US" smtClean="0"/>
               <a:t>8/30/2016</a:t>
             </a:fld>
-            <a:endParaRPr lang="en-US"/>
+            <a:endParaRPr lang="en-US" dirty="0"/>
           </a:p>
         </p:txBody>
       </p:sp>
@@ -487,7 +488,7 @@
           <a:bodyPr/>
           <a:lstStyle/>
           <a:p>
-            <a:endParaRPr lang="en-US"/>
+            <a:endParaRPr lang="en-US" dirty="0"/>
           </a:p>
         </p:txBody>
       </p:sp>
@@ -510,7 +511,7 @@
               <a:rPr lang="en-US" smtClean="0"/>
               <a:t>‹#›</a:t>
             </a:fld>
-            <a:endParaRPr lang="en-US"/>
+            <a:endParaRPr lang="en-US" dirty="0"/>
           </a:p>
         </p:txBody>
       </p:sp>
@@ -648,7 +649,7 @@
               <a:rPr lang="en-US" smtClean="0"/>
               <a:t>8/30/2016</a:t>
             </a:fld>
-            <a:endParaRPr lang="en-US"/>
+            <a:endParaRPr lang="en-US" dirty="0"/>
           </a:p>
         </p:txBody>
       </p:sp>
@@ -667,7 +668,7 @@
           <a:bodyPr/>
           <a:lstStyle/>
           <a:p>
-            <a:endParaRPr lang="en-US"/>
+            <a:endParaRPr lang="en-US" dirty="0"/>
           </a:p>
         </p:txBody>
       </p:sp>
@@ -690,7 +691,7 @@
               <a:rPr lang="en-US" smtClean="0"/>
               <a:t>‹#›</a:t>
             </a:fld>
-            <a:endParaRPr lang="en-US"/>
+            <a:endParaRPr lang="en-US" dirty="0"/>
           </a:p>
         </p:txBody>
       </p:sp>
@@ -818,7 +819,7 @@
               <a:rPr lang="en-US" smtClean="0"/>
               <a:t>8/30/2016</a:t>
             </a:fld>
-            <a:endParaRPr lang="en-US"/>
+            <a:endParaRPr lang="en-US" dirty="0"/>
           </a:p>
         </p:txBody>
       </p:sp>
@@ -837,7 +838,7 @@
           <a:bodyPr/>
           <a:lstStyle/>
           <a:p>
-            <a:endParaRPr lang="en-US"/>
+            <a:endParaRPr lang="en-US" dirty="0"/>
           </a:p>
         </p:txBody>
       </p:sp>
@@ -860,7 +861,7 @@
               <a:rPr lang="en-US" smtClean="0"/>
               <a:t>‹#›</a:t>
             </a:fld>
-            <a:endParaRPr lang="en-US"/>
+            <a:endParaRPr lang="en-US" dirty="0"/>
           </a:p>
         </p:txBody>
       </p:sp>
@@ -1064,7 +1065,7 @@
               <a:rPr lang="en-US" smtClean="0"/>
               <a:t>8/30/2016</a:t>
             </a:fld>
-            <a:endParaRPr lang="en-US"/>
+            <a:endParaRPr lang="en-US" dirty="0"/>
           </a:p>
         </p:txBody>
       </p:sp>
@@ -1083,7 +1084,7 @@
           <a:bodyPr/>
           <a:lstStyle/>
           <a:p>
-            <a:endParaRPr lang="en-US"/>
+            <a:endParaRPr lang="en-US" dirty="0"/>
           </a:p>
         </p:txBody>
       </p:sp>
@@ -1106,7 +1107,7 @@
               <a:rPr lang="en-US" smtClean="0"/>
               <a:t>‹#›</a:t>
             </a:fld>
-            <a:endParaRPr lang="en-US"/>
+            <a:endParaRPr lang="en-US" dirty="0"/>
           </a:p>
         </p:txBody>
       </p:sp>
@@ -1352,7 +1353,7 @@
               <a:rPr lang="en-US" smtClean="0"/>
               <a:t>8/30/2016</a:t>
             </a:fld>
-            <a:endParaRPr lang="en-US"/>
+            <a:endParaRPr lang="en-US" dirty="0"/>
           </a:p>
         </p:txBody>
       </p:sp>
@@ -1371,7 +1372,7 @@
           <a:bodyPr/>
           <a:lstStyle/>
           <a:p>
-            <a:endParaRPr lang="en-US"/>
+            <a:endParaRPr lang="en-US" dirty="0"/>
           </a:p>
         </p:txBody>
       </p:sp>
@@ -1394,7 +1395,7 @@
               <a:rPr lang="en-US" smtClean="0"/>
               <a:t>‹#›</a:t>
             </a:fld>
-            <a:endParaRPr lang="en-US"/>
+            <a:endParaRPr lang="en-US" dirty="0"/>
           </a:p>
         </p:txBody>
       </p:sp>
@@ -1774,7 +1775,7 @@
               <a:rPr lang="en-US" smtClean="0"/>
               <a:t>8/30/2016</a:t>
             </a:fld>
-            <a:endParaRPr lang="en-US"/>
+            <a:endParaRPr lang="en-US" dirty="0"/>
           </a:p>
         </p:txBody>
       </p:sp>
@@ -1793,7 +1794,7 @@
           <a:bodyPr/>
           <a:lstStyle/>
           <a:p>
-            <a:endParaRPr lang="en-US"/>
+            <a:endParaRPr lang="en-US" dirty="0"/>
           </a:p>
         </p:txBody>
       </p:sp>
@@ -1816,7 +1817,7 @@
               <a:rPr lang="en-US" smtClean="0"/>
               <a:t>‹#›</a:t>
             </a:fld>
-            <a:endParaRPr lang="en-US"/>
+            <a:endParaRPr lang="en-US" dirty="0"/>
           </a:p>
         </p:txBody>
       </p:sp>
@@ -1892,7 +1893,7 @@
               <a:rPr lang="en-US" smtClean="0"/>
               <a:t>8/30/2016</a:t>
             </a:fld>
-            <a:endParaRPr lang="en-US"/>
+            <a:endParaRPr lang="en-US" dirty="0"/>
           </a:p>
         </p:txBody>
       </p:sp>
@@ -1911,7 +1912,7 @@
           <a:bodyPr/>
           <a:lstStyle/>
           <a:p>
-            <a:endParaRPr lang="en-US"/>
+            <a:endParaRPr lang="en-US" dirty="0"/>
           </a:p>
         </p:txBody>
       </p:sp>
@@ -1934,7 +1935,7 @@
               <a:rPr lang="en-US" smtClean="0"/>
               <a:t>‹#›</a:t>
             </a:fld>
-            <a:endParaRPr lang="en-US"/>
+            <a:endParaRPr lang="en-US" dirty="0"/>
           </a:p>
         </p:txBody>
       </p:sp>
@@ -1987,7 +1988,7 @@
               <a:rPr lang="en-US" smtClean="0"/>
               <a:t>8/30/2016</a:t>
             </a:fld>
-            <a:endParaRPr lang="en-US"/>
+            <a:endParaRPr lang="en-US" dirty="0"/>
           </a:p>
         </p:txBody>
       </p:sp>
@@ -2006,7 +2007,7 @@
           <a:bodyPr/>
           <a:lstStyle/>
           <a:p>
-            <a:endParaRPr lang="en-US"/>
+            <a:endParaRPr lang="en-US" dirty="0"/>
           </a:p>
         </p:txBody>
       </p:sp>
@@ -2029,7 +2030,7 @@
               <a:rPr lang="en-US" smtClean="0"/>
               <a:t>‹#›</a:t>
             </a:fld>
-            <a:endParaRPr lang="en-US"/>
+            <a:endParaRPr lang="en-US" dirty="0"/>
           </a:p>
         </p:txBody>
       </p:sp>
@@ -2264,7 +2265,7 @@
               <a:rPr lang="en-US" smtClean="0"/>
               <a:t>8/30/2016</a:t>
             </a:fld>
-            <a:endParaRPr lang="en-US"/>
+            <a:endParaRPr lang="en-US" dirty="0"/>
           </a:p>
         </p:txBody>
       </p:sp>
@@ -2283,7 +2284,7 @@
           <a:bodyPr/>
           <a:lstStyle/>
           <a:p>
-            <a:endParaRPr lang="en-US"/>
+            <a:endParaRPr lang="en-US" dirty="0"/>
           </a:p>
         </p:txBody>
       </p:sp>
@@ -2306,7 +2307,7 @@
               <a:rPr lang="en-US" smtClean="0"/>
               <a:t>‹#›</a:t>
             </a:fld>
-            <a:endParaRPr lang="en-US"/>
+            <a:endParaRPr lang="en-US" dirty="0"/>
           </a:p>
         </p:txBody>
       </p:sp>
@@ -2429,7 +2430,7 @@
             </a:lvl9pPr>
           </a:lstStyle>
           <a:p>
-            <a:endParaRPr lang="en-US"/>
+            <a:endParaRPr lang="en-US" dirty="0"/>
           </a:p>
         </p:txBody>
       </p:sp>
@@ -2517,7 +2518,7 @@
               <a:rPr lang="en-US" smtClean="0"/>
               <a:t>8/30/2016</a:t>
             </a:fld>
-            <a:endParaRPr lang="en-US"/>
+            <a:endParaRPr lang="en-US" dirty="0"/>
           </a:p>
         </p:txBody>
       </p:sp>
@@ -2536,7 +2537,7 @@
           <a:bodyPr/>
           <a:lstStyle/>
           <a:p>
-            <a:endParaRPr lang="en-US"/>
+            <a:endParaRPr lang="en-US" dirty="0"/>
           </a:p>
         </p:txBody>
       </p:sp>
@@ -2559,7 +2560,7 @@
               <a:rPr lang="en-US" smtClean="0"/>
               <a:t>‹#›</a:t>
             </a:fld>
-            <a:endParaRPr lang="en-US"/>
+            <a:endParaRPr lang="en-US" dirty="0"/>
           </a:p>
         </p:txBody>
       </p:sp>
@@ -2730,7 +2731,7 @@
               <a:rPr lang="en-US" smtClean="0"/>
               <a:t>8/30/2016</a:t>
             </a:fld>
-            <a:endParaRPr lang="en-US"/>
+            <a:endParaRPr lang="en-US" dirty="0"/>
           </a:p>
         </p:txBody>
       </p:sp>
@@ -2767,7 +2768,7 @@
             </a:lvl1pPr>
           </a:lstStyle>
           <a:p>
-            <a:endParaRPr lang="en-US"/>
+            <a:endParaRPr lang="en-US" dirty="0"/>
           </a:p>
         </p:txBody>
       </p:sp>
@@ -2808,7 +2809,7 @@
               <a:rPr lang="en-US" smtClean="0"/>
               <a:t>‹#›</a:t>
             </a:fld>
-            <a:endParaRPr lang="en-US"/>
+            <a:endParaRPr lang="en-US" dirty="0"/>
           </a:p>
         </p:txBody>
       </p:sp>
@@ -3187,6 +3188,471 @@
 </p:sld>
 </file>
 
+<file path=ppt/slides/slide10.xml><?xml version="1.0" encoding="utf-8"?>
+<p:sld xmlns:a="http://schemas.openxmlformats.org/drawingml/2006/main" xmlns:r="http://schemas.openxmlformats.org/officeDocument/2006/relationships" xmlns:p="http://schemas.openxmlformats.org/presentationml/2006/main">
+  <p:cSld>
+    <p:spTree>
+      <p:nvGrpSpPr>
+        <p:cNvPr id="1" name=""/>
+        <p:cNvGrpSpPr/>
+        <p:nvPr/>
+      </p:nvGrpSpPr>
+      <p:grpSpPr>
+        <a:xfrm>
+          <a:off x="0" y="0"/>
+          <a:ext cx="0" cy="0"/>
+          <a:chOff x="0" y="0"/>
+          <a:chExt cx="0" cy="0"/>
+        </a:xfrm>
+      </p:grpSpPr>
+      <p:pic>
+        <p:nvPicPr>
+          <p:cNvPr id="4102" name="Picture 6"/>
+          <p:cNvPicPr>
+            <a:picLocks noChangeAspect="1" noChangeArrowheads="1"/>
+          </p:cNvPicPr>
+          <p:nvPr/>
+        </p:nvPicPr>
+        <p:blipFill>
+          <a:blip r:embed="rId2" cstate="print">
+            <a:extLst>
+              <a:ext uri="{28A0092B-C50C-407E-A947-70E740481C1C}">
+                <a14:useLocalDpi xmlns:a14="http://schemas.microsoft.com/office/drawing/2010/main" val="0"/>
+              </a:ext>
+            </a:extLst>
+          </a:blip>
+          <a:srcRect/>
+          <a:stretch>
+            <a:fillRect/>
+          </a:stretch>
+        </p:blipFill>
+        <p:spPr bwMode="auto">
+          <a:xfrm>
+            <a:off x="2427846" y="2507478"/>
+            <a:ext cx="3048000" cy="2286000"/>
+          </a:xfrm>
+          <a:prstGeom prst="rect">
+            <a:avLst/>
+          </a:prstGeom>
+          <a:noFill/>
+          <a:ln>
+            <a:noFill/>
+          </a:ln>
+          <a:effectLst/>
+          <a:extLst>
+            <a:ext uri="{909E8E84-426E-40DD-AFC4-6F175D3DCCD1}">
+              <a14:hiddenFill xmlns:a14="http://schemas.microsoft.com/office/drawing/2010/main">
+                <a:solidFill>
+                  <a:schemeClr val="accent1"/>
+                </a:solidFill>
+              </a14:hiddenFill>
+            </a:ext>
+            <a:ext uri="{91240B29-F687-4F45-9708-019B960494DF}">
+              <a14:hiddenLine xmlns:a14="http://schemas.microsoft.com/office/drawing/2010/main" w="9525">
+                <a:solidFill>
+                  <a:schemeClr val="tx1"/>
+                </a:solidFill>
+                <a:miter lim="800000"/>
+                <a:headEnd/>
+                <a:tailEnd/>
+              </a14:hiddenLine>
+            </a:ext>
+            <a:ext uri="{AF507438-7753-43E0-B8FC-AC1667EBCBE1}">
+              <a14:hiddenEffects xmlns:a14="http://schemas.microsoft.com/office/drawing/2010/main">
+                <a:effectLst>
+                  <a:outerShdw dist="35921" dir="2700000" algn="ctr" rotWithShape="0">
+                    <a:schemeClr val="bg2"/>
+                  </a:outerShdw>
+                </a:effectLst>
+              </a14:hiddenEffects>
+            </a:ext>
+          </a:extLst>
+        </p:spPr>
+      </p:pic>
+      <p:pic>
+        <p:nvPicPr>
+          <p:cNvPr id="4101" name="Picture 5"/>
+          <p:cNvPicPr>
+            <a:picLocks noChangeAspect="1" noChangeArrowheads="1"/>
+          </p:cNvPicPr>
+          <p:nvPr/>
+        </p:nvPicPr>
+        <p:blipFill>
+          <a:blip r:embed="rId3" cstate="print">
+            <a:extLst>
+              <a:ext uri="{28A0092B-C50C-407E-A947-70E740481C1C}">
+                <a14:useLocalDpi xmlns:a14="http://schemas.microsoft.com/office/drawing/2010/main" val="0"/>
+              </a:ext>
+            </a:extLst>
+          </a:blip>
+          <a:srcRect/>
+          <a:stretch>
+            <a:fillRect/>
+          </a:stretch>
+        </p:blipFill>
+        <p:spPr bwMode="auto">
+          <a:xfrm>
+            <a:off x="-228600" y="2496994"/>
+            <a:ext cx="3048000" cy="2286000"/>
+          </a:xfrm>
+          <a:prstGeom prst="rect">
+            <a:avLst/>
+          </a:prstGeom>
+          <a:noFill/>
+          <a:ln>
+            <a:noFill/>
+          </a:ln>
+          <a:effectLst/>
+          <a:extLst>
+            <a:ext uri="{909E8E84-426E-40DD-AFC4-6F175D3DCCD1}">
+              <a14:hiddenFill xmlns:a14="http://schemas.microsoft.com/office/drawing/2010/main">
+                <a:solidFill>
+                  <a:schemeClr val="accent1"/>
+                </a:solidFill>
+              </a14:hiddenFill>
+            </a:ext>
+            <a:ext uri="{91240B29-F687-4F45-9708-019B960494DF}">
+              <a14:hiddenLine xmlns:a14="http://schemas.microsoft.com/office/drawing/2010/main" w="9525">
+                <a:solidFill>
+                  <a:schemeClr val="tx1"/>
+                </a:solidFill>
+                <a:miter lim="800000"/>
+                <a:headEnd/>
+                <a:tailEnd/>
+              </a14:hiddenLine>
+            </a:ext>
+            <a:ext uri="{AF507438-7753-43E0-B8FC-AC1667EBCBE1}">
+              <a14:hiddenEffects xmlns:a14="http://schemas.microsoft.com/office/drawing/2010/main">
+                <a:effectLst>
+                  <a:outerShdw dist="35921" dir="2700000" algn="ctr" rotWithShape="0">
+                    <a:schemeClr val="bg2"/>
+                  </a:outerShdw>
+                </a:effectLst>
+              </a14:hiddenEffects>
+            </a:ext>
+          </a:extLst>
+        </p:spPr>
+      </p:pic>
+      <p:pic>
+        <p:nvPicPr>
+          <p:cNvPr id="4100" name="Picture 4"/>
+          <p:cNvPicPr>
+            <a:picLocks noChangeAspect="1" noChangeArrowheads="1"/>
+          </p:cNvPicPr>
+          <p:nvPr/>
+        </p:nvPicPr>
+        <p:blipFill>
+          <a:blip r:embed="rId4" cstate="print">
+            <a:extLst>
+              <a:ext uri="{28A0092B-C50C-407E-A947-70E740481C1C}">
+                <a14:useLocalDpi xmlns:a14="http://schemas.microsoft.com/office/drawing/2010/main" val="0"/>
+              </a:ext>
+            </a:extLst>
+          </a:blip>
+          <a:srcRect/>
+          <a:stretch>
+            <a:fillRect/>
+          </a:stretch>
+        </p:blipFill>
+        <p:spPr bwMode="auto">
+          <a:xfrm>
+            <a:off x="2438400" y="56506"/>
+            <a:ext cx="3048000" cy="2286000"/>
+          </a:xfrm>
+          <a:prstGeom prst="rect">
+            <a:avLst/>
+          </a:prstGeom>
+          <a:noFill/>
+          <a:ln>
+            <a:noFill/>
+          </a:ln>
+          <a:effectLst/>
+          <a:extLst>
+            <a:ext uri="{909E8E84-426E-40DD-AFC4-6F175D3DCCD1}">
+              <a14:hiddenFill xmlns:a14="http://schemas.microsoft.com/office/drawing/2010/main">
+                <a:solidFill>
+                  <a:schemeClr val="accent1"/>
+                </a:solidFill>
+              </a14:hiddenFill>
+            </a:ext>
+            <a:ext uri="{91240B29-F687-4F45-9708-019B960494DF}">
+              <a14:hiddenLine xmlns:a14="http://schemas.microsoft.com/office/drawing/2010/main" w="9525">
+                <a:solidFill>
+                  <a:schemeClr val="tx1"/>
+                </a:solidFill>
+                <a:miter lim="800000"/>
+                <a:headEnd/>
+                <a:tailEnd/>
+              </a14:hiddenLine>
+            </a:ext>
+            <a:ext uri="{AF507438-7753-43E0-B8FC-AC1667EBCBE1}">
+              <a14:hiddenEffects xmlns:a14="http://schemas.microsoft.com/office/drawing/2010/main">
+                <a:effectLst>
+                  <a:outerShdw dist="35921" dir="2700000" algn="ctr" rotWithShape="0">
+                    <a:schemeClr val="bg2"/>
+                  </a:outerShdw>
+                </a:effectLst>
+              </a14:hiddenEffects>
+            </a:ext>
+          </a:extLst>
+        </p:spPr>
+      </p:pic>
+      <p:pic>
+        <p:nvPicPr>
+          <p:cNvPr id="4099" name="Picture 3"/>
+          <p:cNvPicPr>
+            <a:picLocks noChangeAspect="1" noChangeArrowheads="1"/>
+          </p:cNvPicPr>
+          <p:nvPr/>
+        </p:nvPicPr>
+        <p:blipFill>
+          <a:blip r:embed="rId5" cstate="print">
+            <a:extLst>
+              <a:ext uri="{28A0092B-C50C-407E-A947-70E740481C1C}">
+                <a14:useLocalDpi xmlns:a14="http://schemas.microsoft.com/office/drawing/2010/main" val="0"/>
+              </a:ext>
+            </a:extLst>
+          </a:blip>
+          <a:srcRect/>
+          <a:stretch>
+            <a:fillRect/>
+          </a:stretch>
+        </p:blipFill>
+        <p:spPr bwMode="auto">
+          <a:xfrm>
+            <a:off x="-228601" y="23388"/>
+            <a:ext cx="3048000" cy="2286000"/>
+          </a:xfrm>
+          <a:prstGeom prst="rect">
+            <a:avLst/>
+          </a:prstGeom>
+          <a:noFill/>
+          <a:ln>
+            <a:noFill/>
+          </a:ln>
+          <a:effectLst/>
+          <a:extLst>
+            <a:ext uri="{909E8E84-426E-40DD-AFC4-6F175D3DCCD1}">
+              <a14:hiddenFill xmlns:a14="http://schemas.microsoft.com/office/drawing/2010/main">
+                <a:solidFill>
+                  <a:schemeClr val="accent1"/>
+                </a:solidFill>
+              </a14:hiddenFill>
+            </a:ext>
+            <a:ext uri="{91240B29-F687-4F45-9708-019B960494DF}">
+              <a14:hiddenLine xmlns:a14="http://schemas.microsoft.com/office/drawing/2010/main" w="9525">
+                <a:solidFill>
+                  <a:schemeClr val="tx1"/>
+                </a:solidFill>
+                <a:miter lim="800000"/>
+                <a:headEnd/>
+                <a:tailEnd/>
+              </a14:hiddenLine>
+            </a:ext>
+            <a:ext uri="{AF507438-7753-43E0-B8FC-AC1667EBCBE1}">
+              <a14:hiddenEffects xmlns:a14="http://schemas.microsoft.com/office/drawing/2010/main">
+                <a:effectLst>
+                  <a:outerShdw dist="35921" dir="2700000" algn="ctr" rotWithShape="0">
+                    <a:schemeClr val="bg2"/>
+                  </a:outerShdw>
+                </a:effectLst>
+              </a14:hiddenEffects>
+            </a:ext>
+          </a:extLst>
+        </p:spPr>
+      </p:pic>
+      <p:sp>
+        <p:nvSpPr>
+          <p:cNvPr id="4" name="TextBox 3"/>
+          <p:cNvSpPr txBox="1"/>
+          <p:nvPr/>
+        </p:nvSpPr>
+        <p:spPr>
+          <a:xfrm>
+            <a:off x="-14658" y="2157840"/>
+            <a:ext cx="2656368" cy="369332"/>
+          </a:xfrm>
+          <a:prstGeom prst="rect">
+            <a:avLst/>
+          </a:prstGeom>
+          <a:noFill/>
+        </p:spPr>
+        <p:txBody>
+          <a:bodyPr wrap="none" rtlCol="0">
+            <a:spAutoFit/>
+          </a:bodyPr>
+          <a:lstStyle/>
+          <a:p>
+            <a:r>
+              <a:rPr lang="en-US" dirty="0" smtClean="0"/>
+              <a:t>default: </a:t>
+            </a:r>
+            <a:r>
+              <a:rPr lang="en-US" dirty="0" err="1" smtClean="0"/>
+              <a:t>ep</a:t>
+            </a:r>
+            <a:r>
+              <a:rPr lang="en-US" dirty="0" smtClean="0"/>
+              <a:t> = 0.01, </a:t>
+            </a:r>
+            <a:r>
+              <a:rPr lang="en-US" dirty="0" err="1" smtClean="0"/>
+              <a:t>rp</a:t>
+            </a:r>
+            <a:r>
+              <a:rPr lang="en-US" dirty="0" smtClean="0"/>
+              <a:t> = 0.1</a:t>
+            </a:r>
+            <a:endParaRPr lang="en-US" dirty="0"/>
+          </a:p>
+        </p:txBody>
+      </p:sp>
+      <p:sp>
+        <p:nvSpPr>
+          <p:cNvPr id="8" name="TextBox 7"/>
+          <p:cNvSpPr txBox="1"/>
+          <p:nvPr/>
+        </p:nvSpPr>
+        <p:spPr>
+          <a:xfrm>
+            <a:off x="3023681" y="2157840"/>
+            <a:ext cx="1585690" cy="369332"/>
+          </a:xfrm>
+          <a:prstGeom prst="rect">
+            <a:avLst/>
+          </a:prstGeom>
+          <a:noFill/>
+        </p:spPr>
+        <p:txBody>
+          <a:bodyPr wrap="none" rtlCol="0">
+            <a:spAutoFit/>
+          </a:bodyPr>
+          <a:lstStyle/>
+          <a:p>
+            <a:r>
+              <a:rPr lang="en-US" dirty="0" err="1" smtClean="0"/>
+              <a:t>ep</a:t>
+            </a:r>
+            <a:r>
+              <a:rPr lang="en-US" dirty="0" smtClean="0"/>
+              <a:t> = 0.1, </a:t>
+            </a:r>
+            <a:r>
+              <a:rPr lang="en-US" dirty="0" err="1" smtClean="0"/>
+              <a:t>rp</a:t>
+            </a:r>
+            <a:r>
+              <a:rPr lang="en-US" dirty="0" smtClean="0"/>
+              <a:t> = 1</a:t>
+            </a:r>
+            <a:endParaRPr lang="en-US" dirty="0"/>
+          </a:p>
+        </p:txBody>
+      </p:sp>
+      <p:sp>
+        <p:nvSpPr>
+          <p:cNvPr id="9" name="TextBox 8"/>
+          <p:cNvSpPr txBox="1"/>
+          <p:nvPr/>
+        </p:nvSpPr>
+        <p:spPr>
+          <a:xfrm>
+            <a:off x="228600" y="4578634"/>
+            <a:ext cx="2111475" cy="369332"/>
+          </a:xfrm>
+          <a:prstGeom prst="rect">
+            <a:avLst/>
+          </a:prstGeom>
+          <a:noFill/>
+        </p:spPr>
+        <p:txBody>
+          <a:bodyPr wrap="none" rtlCol="0">
+            <a:spAutoFit/>
+          </a:bodyPr>
+          <a:lstStyle/>
+          <a:p>
+            <a:r>
+              <a:rPr lang="en-US" dirty="0" err="1" smtClean="0"/>
+              <a:t>ep</a:t>
+            </a:r>
+            <a:r>
+              <a:rPr lang="en-US" dirty="0" smtClean="0"/>
+              <a:t> = 0.001, </a:t>
+            </a:r>
+            <a:r>
+              <a:rPr lang="en-US" dirty="0" err="1" smtClean="0"/>
+              <a:t>rp</a:t>
+            </a:r>
+            <a:r>
+              <a:rPr lang="en-US" dirty="0" smtClean="0"/>
+              <a:t> = 0.01</a:t>
+            </a:r>
+            <a:endParaRPr lang="en-US" dirty="0"/>
+          </a:p>
+        </p:txBody>
+      </p:sp>
+      <p:sp>
+        <p:nvSpPr>
+          <p:cNvPr id="12" name="TextBox 11"/>
+          <p:cNvSpPr txBox="1"/>
+          <p:nvPr/>
+        </p:nvSpPr>
+        <p:spPr>
+          <a:xfrm>
+            <a:off x="2770867" y="4598328"/>
+            <a:ext cx="2345514" cy="369332"/>
+          </a:xfrm>
+          <a:prstGeom prst="rect">
+            <a:avLst/>
+          </a:prstGeom>
+          <a:noFill/>
+        </p:spPr>
+        <p:txBody>
+          <a:bodyPr wrap="none" rtlCol="0">
+            <a:spAutoFit/>
+          </a:bodyPr>
+          <a:lstStyle/>
+          <a:p>
+            <a:r>
+              <a:rPr lang="en-US" dirty="0" err="1" smtClean="0"/>
+              <a:t>ep</a:t>
+            </a:r>
+            <a:r>
+              <a:rPr lang="en-US" dirty="0" smtClean="0"/>
+              <a:t> = 0.0001, </a:t>
+            </a:r>
+            <a:r>
+              <a:rPr lang="en-US" dirty="0" err="1" smtClean="0"/>
+              <a:t>rp</a:t>
+            </a:r>
+            <a:r>
+              <a:rPr lang="en-US" dirty="0" smtClean="0"/>
+              <a:t> = 0.001</a:t>
+            </a:r>
+            <a:endParaRPr lang="en-US" dirty="0"/>
+          </a:p>
+        </p:txBody>
+      </p:sp>
+    </p:spTree>
+    <p:extLst>
+      <p:ext uri="{BB962C8B-B14F-4D97-AF65-F5344CB8AC3E}">
+        <p14:creationId xmlns:p14="http://schemas.microsoft.com/office/powerpoint/2010/main" val="1679922548"/>
+      </p:ext>
+    </p:extLst>
+  </p:cSld>
+  <p:clrMapOvr>
+    <a:masterClrMapping/>
+  </p:clrMapOvr>
+  <p:timing>
+    <p:tnLst>
+      <p:par>
+        <p:cTn id="1" dur="indefinite" restart="never" nodeType="tmRoot"/>
+      </p:par>
+    </p:tnLst>
+  </p:timing>
+</p:sld>
+</file>
+
 <file path=ppt/slides/slide2.xml><?xml version="1.0" encoding="utf-8"?>
 <p:sld xmlns:a="http://schemas.openxmlformats.org/drawingml/2006/main" xmlns:r="http://schemas.openxmlformats.org/officeDocument/2006/relationships" xmlns:p="http://schemas.openxmlformats.org/presentationml/2006/main">
   <p:cSld>

--- a/FiguresWiki/Examples.pptx
+++ b/FiguresWiki/Examples.pptx
@@ -15,6 +15,9 @@
     <p:sldId id="262" r:id="rId9"/>
     <p:sldId id="264" r:id="rId10"/>
     <p:sldId id="265" r:id="rId11"/>
+    <p:sldId id="266" r:id="rId12"/>
+    <p:sldId id="267" r:id="rId13"/>
+    <p:sldId id="268" r:id="rId14"/>
   </p:sldIdLst>
   <p:sldSz cx="9144000" cy="6858000" type="screen4x3"/>
   <p:notesSz cx="6858000" cy="9144000"/>
@@ -3653,6 +3656,596 @@
 </p:sld>
 </file>
 
+<file path=ppt/slides/slide11.xml><?xml version="1.0" encoding="utf-8"?>
+<p:sld xmlns:a="http://schemas.openxmlformats.org/drawingml/2006/main" xmlns:r="http://schemas.openxmlformats.org/officeDocument/2006/relationships" xmlns:p="http://schemas.openxmlformats.org/presentationml/2006/main">
+  <p:cSld>
+    <p:spTree>
+      <p:nvGrpSpPr>
+        <p:cNvPr id="1" name=""/>
+        <p:cNvGrpSpPr/>
+        <p:nvPr/>
+      </p:nvGrpSpPr>
+      <p:grpSpPr>
+        <a:xfrm>
+          <a:off x="0" y="0"/>
+          <a:ext cx="0" cy="0"/>
+          <a:chOff x="0" y="0"/>
+          <a:chExt cx="0" cy="0"/>
+        </a:xfrm>
+      </p:grpSpPr>
+      <p:pic>
+        <p:nvPicPr>
+          <p:cNvPr id="5122" name="Picture 2"/>
+          <p:cNvPicPr>
+            <a:picLocks noChangeAspect="1" noChangeArrowheads="1"/>
+          </p:cNvPicPr>
+          <p:nvPr/>
+        </p:nvPicPr>
+        <p:blipFill>
+          <a:blip r:embed="rId2">
+            <a:extLst>
+              <a:ext uri="{28A0092B-C50C-407E-A947-70E740481C1C}">
+                <a14:useLocalDpi xmlns:a14="http://schemas.microsoft.com/office/drawing/2010/main" val="0"/>
+              </a:ext>
+            </a:extLst>
+          </a:blip>
+          <a:srcRect/>
+          <a:stretch>
+            <a:fillRect/>
+          </a:stretch>
+        </p:blipFill>
+        <p:spPr bwMode="auto">
+          <a:xfrm>
+            <a:off x="381000" y="381000"/>
+            <a:ext cx="4489450" cy="4711700"/>
+          </a:xfrm>
+          <a:prstGeom prst="rect">
+            <a:avLst/>
+          </a:prstGeom>
+          <a:noFill/>
+          <a:ln>
+            <a:noFill/>
+          </a:ln>
+          <a:effectLst/>
+          <a:extLst>
+            <a:ext uri="{909E8E84-426E-40DD-AFC4-6F175D3DCCD1}">
+              <a14:hiddenFill xmlns:a14="http://schemas.microsoft.com/office/drawing/2010/main">
+                <a:solidFill>
+                  <a:schemeClr val="accent1"/>
+                </a:solidFill>
+              </a14:hiddenFill>
+            </a:ext>
+            <a:ext uri="{91240B29-F687-4F45-9708-019B960494DF}">
+              <a14:hiddenLine xmlns:a14="http://schemas.microsoft.com/office/drawing/2010/main" w="9525">
+                <a:solidFill>
+                  <a:schemeClr val="tx1"/>
+                </a:solidFill>
+                <a:miter lim="800000"/>
+                <a:headEnd/>
+                <a:tailEnd/>
+              </a14:hiddenLine>
+            </a:ext>
+            <a:ext uri="{AF507438-7753-43E0-B8FC-AC1667EBCBE1}">
+              <a14:hiddenEffects xmlns:a14="http://schemas.microsoft.com/office/drawing/2010/main">
+                <a:effectLst>
+                  <a:outerShdw dist="35921" dir="2700000" algn="ctr" rotWithShape="0">
+                    <a:schemeClr val="bg2"/>
+                  </a:outerShdw>
+                </a:effectLst>
+              </a14:hiddenEffects>
+            </a:ext>
+          </a:extLst>
+        </p:spPr>
+      </p:pic>
+      <p:sp>
+        <p:nvSpPr>
+          <p:cNvPr id="4" name="Rectangle 3"/>
+          <p:cNvSpPr/>
+          <p:nvPr/>
+        </p:nvSpPr>
+        <p:spPr>
+          <a:xfrm>
+            <a:off x="1752600" y="3352800"/>
+            <a:ext cx="1143000" cy="1066800"/>
+          </a:xfrm>
+          <a:prstGeom prst="rect">
+            <a:avLst/>
+          </a:prstGeom>
+          <a:noFill/>
+          <a:ln>
+            <a:solidFill>
+              <a:schemeClr val="tx1"/>
+            </a:solidFill>
+            <a:prstDash val="dash"/>
+          </a:ln>
+        </p:spPr>
+        <p:style>
+          <a:lnRef idx="2">
+            <a:schemeClr val="accent1">
+              <a:shade val="50000"/>
+            </a:schemeClr>
+          </a:lnRef>
+          <a:fillRef idx="1">
+            <a:schemeClr val="accent1"/>
+          </a:fillRef>
+          <a:effectRef idx="0">
+            <a:schemeClr val="accent1"/>
+          </a:effectRef>
+          <a:fontRef idx="minor">
+            <a:schemeClr val="lt1"/>
+          </a:fontRef>
+        </p:style>
+        <p:txBody>
+          <a:bodyPr rtlCol="0" anchor="ctr"/>
+          <a:lstStyle/>
+          <a:p>
+            <a:pPr algn="ctr"/>
+            <a:endParaRPr lang="en-US"/>
+          </a:p>
+        </p:txBody>
+      </p:sp>
+      <p:pic>
+        <p:nvPicPr>
+          <p:cNvPr id="5125" name="Picture 5"/>
+          <p:cNvPicPr>
+            <a:picLocks noChangeAspect="1" noChangeArrowheads="1"/>
+          </p:cNvPicPr>
+          <p:nvPr/>
+        </p:nvPicPr>
+        <p:blipFill>
+          <a:blip r:embed="rId3">
+            <a:extLst>
+              <a:ext uri="{28A0092B-C50C-407E-A947-70E740481C1C}">
+                <a14:useLocalDpi xmlns:a14="http://schemas.microsoft.com/office/drawing/2010/main" val="0"/>
+              </a:ext>
+            </a:extLst>
+          </a:blip>
+          <a:srcRect/>
+          <a:stretch>
+            <a:fillRect/>
+          </a:stretch>
+        </p:blipFill>
+        <p:spPr bwMode="auto">
+          <a:xfrm>
+            <a:off x="4038600" y="2497033"/>
+            <a:ext cx="4038600" cy="3845134"/>
+          </a:xfrm>
+          <a:prstGeom prst="rect">
+            <a:avLst/>
+          </a:prstGeom>
+          <a:noFill/>
+          <a:ln w="9525">
+            <a:solidFill>
+              <a:schemeClr val="tx1"/>
+            </a:solidFill>
+            <a:miter lim="800000"/>
+            <a:headEnd/>
+            <a:tailEnd/>
+          </a:ln>
+          <a:effectLst/>
+          <a:extLst>
+            <a:ext uri="{909E8E84-426E-40DD-AFC4-6F175D3DCCD1}">
+              <a14:hiddenFill xmlns:a14="http://schemas.microsoft.com/office/drawing/2010/main">
+                <a:solidFill>
+                  <a:schemeClr val="accent1"/>
+                </a:solidFill>
+              </a14:hiddenFill>
+            </a:ext>
+            <a:ext uri="{AF507438-7753-43E0-B8FC-AC1667EBCBE1}">
+              <a14:hiddenEffects xmlns:a14="http://schemas.microsoft.com/office/drawing/2010/main">
+                <a:effectLst>
+                  <a:outerShdw dist="35921" dir="2700000" algn="ctr" rotWithShape="0">
+                    <a:schemeClr val="bg2"/>
+                  </a:outerShdw>
+                </a:effectLst>
+              </a14:hiddenEffects>
+            </a:ext>
+          </a:extLst>
+        </p:spPr>
+      </p:pic>
+      <p:cxnSp>
+        <p:nvCxnSpPr>
+          <p:cNvPr id="6" name="Straight Connector 5"/>
+          <p:cNvCxnSpPr/>
+          <p:nvPr/>
+        </p:nvCxnSpPr>
+        <p:spPr>
+          <a:xfrm flipV="1">
+            <a:off x="2895600" y="2497034"/>
+            <a:ext cx="1143000" cy="855766"/>
+          </a:xfrm>
+          <a:prstGeom prst="line">
+            <a:avLst/>
+          </a:prstGeom>
+          <a:ln>
+            <a:solidFill>
+              <a:schemeClr val="tx1"/>
+            </a:solidFill>
+          </a:ln>
+        </p:spPr>
+        <p:style>
+          <a:lnRef idx="1">
+            <a:schemeClr val="accent1"/>
+          </a:lnRef>
+          <a:fillRef idx="0">
+            <a:schemeClr val="accent1"/>
+          </a:fillRef>
+          <a:effectRef idx="0">
+            <a:schemeClr val="accent1"/>
+          </a:effectRef>
+          <a:fontRef idx="minor">
+            <a:schemeClr val="tx1"/>
+          </a:fontRef>
+        </p:style>
+      </p:cxnSp>
+      <p:cxnSp>
+        <p:nvCxnSpPr>
+          <p:cNvPr id="8" name="Straight Connector 7"/>
+          <p:cNvCxnSpPr/>
+          <p:nvPr/>
+        </p:nvCxnSpPr>
+        <p:spPr>
+          <a:xfrm>
+            <a:off x="2895600" y="4419600"/>
+            <a:ext cx="1143000" cy="1922567"/>
+          </a:xfrm>
+          <a:prstGeom prst="line">
+            <a:avLst/>
+          </a:prstGeom>
+          <a:ln>
+            <a:solidFill>
+              <a:schemeClr val="tx1"/>
+            </a:solidFill>
+          </a:ln>
+        </p:spPr>
+        <p:style>
+          <a:lnRef idx="1">
+            <a:schemeClr val="accent1"/>
+          </a:lnRef>
+          <a:fillRef idx="0">
+            <a:schemeClr val="accent1"/>
+          </a:fillRef>
+          <a:effectRef idx="0">
+            <a:schemeClr val="accent1"/>
+          </a:effectRef>
+          <a:fontRef idx="minor">
+            <a:schemeClr val="tx1"/>
+          </a:fontRef>
+        </p:style>
+      </p:cxnSp>
+    </p:spTree>
+    <p:extLst>
+      <p:ext uri="{BB962C8B-B14F-4D97-AF65-F5344CB8AC3E}">
+        <p14:creationId xmlns:p14="http://schemas.microsoft.com/office/powerpoint/2010/main" val="1101131192"/>
+      </p:ext>
+    </p:extLst>
+  </p:cSld>
+  <p:clrMapOvr>
+    <a:masterClrMapping/>
+  </p:clrMapOvr>
+  <p:timing>
+    <p:tnLst>
+      <p:par>
+        <p:cTn id="1" dur="indefinite" restart="never" nodeType="tmRoot"/>
+      </p:par>
+    </p:tnLst>
+  </p:timing>
+</p:sld>
+</file>
+
+<file path=ppt/slides/slide12.xml><?xml version="1.0" encoding="utf-8"?>
+<p:sld xmlns:a="http://schemas.openxmlformats.org/drawingml/2006/main" xmlns:r="http://schemas.openxmlformats.org/officeDocument/2006/relationships" xmlns:p="http://schemas.openxmlformats.org/presentationml/2006/main">
+  <p:cSld>
+    <p:spTree>
+      <p:nvGrpSpPr>
+        <p:cNvPr id="1" name=""/>
+        <p:cNvGrpSpPr/>
+        <p:nvPr/>
+      </p:nvGrpSpPr>
+      <p:grpSpPr>
+        <a:xfrm>
+          <a:off x="0" y="0"/>
+          <a:ext cx="0" cy="0"/>
+          <a:chOff x="0" y="0"/>
+          <a:chExt cx="0" cy="0"/>
+        </a:xfrm>
+      </p:grpSpPr>
+      <p:pic>
+        <p:nvPicPr>
+          <p:cNvPr id="6146" name="Picture 2"/>
+          <p:cNvPicPr>
+            <a:picLocks noChangeAspect="1" noChangeArrowheads="1"/>
+          </p:cNvPicPr>
+          <p:nvPr/>
+        </p:nvPicPr>
+        <p:blipFill>
+          <a:blip r:embed="rId2">
+            <a:extLst>
+              <a:ext uri="{28A0092B-C50C-407E-A947-70E740481C1C}">
+                <a14:useLocalDpi xmlns:a14="http://schemas.microsoft.com/office/drawing/2010/main" val="0"/>
+              </a:ext>
+            </a:extLst>
+          </a:blip>
+          <a:srcRect/>
+          <a:stretch>
+            <a:fillRect/>
+          </a:stretch>
+        </p:blipFill>
+        <p:spPr bwMode="auto">
+          <a:xfrm>
+            <a:off x="914400" y="687388"/>
+            <a:ext cx="7315200" cy="5486400"/>
+          </a:xfrm>
+          <a:prstGeom prst="rect">
+            <a:avLst/>
+          </a:prstGeom>
+          <a:noFill/>
+          <a:ln>
+            <a:noFill/>
+          </a:ln>
+          <a:effectLst/>
+          <a:extLst>
+            <a:ext uri="{909E8E84-426E-40DD-AFC4-6F175D3DCCD1}">
+              <a14:hiddenFill xmlns:a14="http://schemas.microsoft.com/office/drawing/2010/main">
+                <a:solidFill>
+                  <a:schemeClr val="accent1"/>
+                </a:solidFill>
+              </a14:hiddenFill>
+            </a:ext>
+            <a:ext uri="{91240B29-F687-4F45-9708-019B960494DF}">
+              <a14:hiddenLine xmlns:a14="http://schemas.microsoft.com/office/drawing/2010/main" w="9525">
+                <a:solidFill>
+                  <a:schemeClr val="tx1"/>
+                </a:solidFill>
+                <a:miter lim="800000"/>
+                <a:headEnd/>
+                <a:tailEnd/>
+              </a14:hiddenLine>
+            </a:ext>
+            <a:ext uri="{AF507438-7753-43E0-B8FC-AC1667EBCBE1}">
+              <a14:hiddenEffects xmlns:a14="http://schemas.microsoft.com/office/drawing/2010/main">
+                <a:effectLst>
+                  <a:outerShdw dist="35921" dir="2700000" algn="ctr" rotWithShape="0">
+                    <a:schemeClr val="bg2"/>
+                  </a:outerShdw>
+                </a:effectLst>
+              </a14:hiddenEffects>
+            </a:ext>
+          </a:extLst>
+        </p:spPr>
+      </p:pic>
+    </p:spTree>
+    <p:extLst>
+      <p:ext uri="{BB962C8B-B14F-4D97-AF65-F5344CB8AC3E}">
+        <p14:creationId xmlns:p14="http://schemas.microsoft.com/office/powerpoint/2010/main" val="3286223273"/>
+      </p:ext>
+    </p:extLst>
+  </p:cSld>
+  <p:clrMapOvr>
+    <a:masterClrMapping/>
+  </p:clrMapOvr>
+  <p:timing>
+    <p:tnLst>
+      <p:par>
+        <p:cTn id="1" dur="indefinite" restart="never" nodeType="tmRoot"/>
+      </p:par>
+    </p:tnLst>
+  </p:timing>
+</p:sld>
+</file>
+
+<file path=ppt/slides/slide13.xml><?xml version="1.0" encoding="utf-8"?>
+<p:sld xmlns:a="http://schemas.openxmlformats.org/drawingml/2006/main" xmlns:r="http://schemas.openxmlformats.org/officeDocument/2006/relationships" xmlns:p="http://schemas.openxmlformats.org/presentationml/2006/main">
+  <p:cSld>
+    <p:spTree>
+      <p:nvGrpSpPr>
+        <p:cNvPr id="1" name=""/>
+        <p:cNvGrpSpPr/>
+        <p:nvPr/>
+      </p:nvGrpSpPr>
+      <p:grpSpPr>
+        <a:xfrm>
+          <a:off x="0" y="0"/>
+          <a:ext cx="0" cy="0"/>
+          <a:chOff x="0" y="0"/>
+          <a:chExt cx="0" cy="0"/>
+        </a:xfrm>
+      </p:grpSpPr>
+      <p:pic>
+        <p:nvPicPr>
+          <p:cNvPr id="7170" name="Picture 2"/>
+          <p:cNvPicPr>
+            <a:picLocks noChangeAspect="1" noChangeArrowheads="1"/>
+          </p:cNvPicPr>
+          <p:nvPr/>
+        </p:nvPicPr>
+        <p:blipFill>
+          <a:blip r:embed="rId2">
+            <a:extLst>
+              <a:ext uri="{28A0092B-C50C-407E-A947-70E740481C1C}">
+                <a14:useLocalDpi xmlns:a14="http://schemas.microsoft.com/office/drawing/2010/main" val="0"/>
+              </a:ext>
+            </a:extLst>
+          </a:blip>
+          <a:srcRect/>
+          <a:stretch>
+            <a:fillRect/>
+          </a:stretch>
+        </p:blipFill>
+        <p:spPr bwMode="auto">
+          <a:xfrm>
+            <a:off x="4724400" y="949494"/>
+            <a:ext cx="4267200" cy="3519340"/>
+          </a:xfrm>
+          <a:prstGeom prst="rect">
+            <a:avLst/>
+          </a:prstGeom>
+          <a:noFill/>
+          <a:ln>
+            <a:noFill/>
+          </a:ln>
+          <a:effectLst/>
+          <a:extLst>
+            <a:ext uri="{909E8E84-426E-40DD-AFC4-6F175D3DCCD1}">
+              <a14:hiddenFill xmlns:a14="http://schemas.microsoft.com/office/drawing/2010/main">
+                <a:solidFill>
+                  <a:schemeClr val="accent1"/>
+                </a:solidFill>
+              </a14:hiddenFill>
+            </a:ext>
+            <a:ext uri="{91240B29-F687-4F45-9708-019B960494DF}">
+              <a14:hiddenLine xmlns:a14="http://schemas.microsoft.com/office/drawing/2010/main" w="9525">
+                <a:solidFill>
+                  <a:schemeClr val="tx1"/>
+                </a:solidFill>
+                <a:miter lim="800000"/>
+                <a:headEnd/>
+                <a:tailEnd/>
+              </a14:hiddenLine>
+            </a:ext>
+            <a:ext uri="{AF507438-7753-43E0-B8FC-AC1667EBCBE1}">
+              <a14:hiddenEffects xmlns:a14="http://schemas.microsoft.com/office/drawing/2010/main">
+                <a:effectLst>
+                  <a:outerShdw dist="35921" dir="2700000" algn="ctr" rotWithShape="0">
+                    <a:schemeClr val="bg2"/>
+                  </a:outerShdw>
+                </a:effectLst>
+              </a14:hiddenEffects>
+            </a:ext>
+          </a:extLst>
+        </p:spPr>
+      </p:pic>
+      <p:pic>
+        <p:nvPicPr>
+          <p:cNvPr id="7171" name="Picture 3"/>
+          <p:cNvPicPr>
+            <a:picLocks noChangeAspect="1" noChangeArrowheads="1"/>
+          </p:cNvPicPr>
+          <p:nvPr/>
+        </p:nvPicPr>
+        <p:blipFill>
+          <a:blip r:embed="rId3">
+            <a:extLst>
+              <a:ext uri="{28A0092B-C50C-407E-A947-70E740481C1C}">
+                <a14:useLocalDpi xmlns:a14="http://schemas.microsoft.com/office/drawing/2010/main" val="0"/>
+              </a:ext>
+            </a:extLst>
+          </a:blip>
+          <a:srcRect/>
+          <a:stretch>
+            <a:fillRect/>
+          </a:stretch>
+        </p:blipFill>
+        <p:spPr bwMode="auto">
+          <a:xfrm>
+            <a:off x="76200" y="978163"/>
+            <a:ext cx="4521832" cy="3490671"/>
+          </a:xfrm>
+          <a:prstGeom prst="rect">
+            <a:avLst/>
+          </a:prstGeom>
+          <a:noFill/>
+          <a:ln>
+            <a:noFill/>
+          </a:ln>
+          <a:effectLst/>
+          <a:extLst>
+            <a:ext uri="{909E8E84-426E-40DD-AFC4-6F175D3DCCD1}">
+              <a14:hiddenFill xmlns:a14="http://schemas.microsoft.com/office/drawing/2010/main">
+                <a:solidFill>
+                  <a:schemeClr val="accent1"/>
+                </a:solidFill>
+              </a14:hiddenFill>
+            </a:ext>
+            <a:ext uri="{91240B29-F687-4F45-9708-019B960494DF}">
+              <a14:hiddenLine xmlns:a14="http://schemas.microsoft.com/office/drawing/2010/main" w="9525">
+                <a:solidFill>
+                  <a:schemeClr val="tx1"/>
+                </a:solidFill>
+                <a:miter lim="800000"/>
+                <a:headEnd/>
+                <a:tailEnd/>
+              </a14:hiddenLine>
+            </a:ext>
+            <a:ext uri="{AF507438-7753-43E0-B8FC-AC1667EBCBE1}">
+              <a14:hiddenEffects xmlns:a14="http://schemas.microsoft.com/office/drawing/2010/main">
+                <a:effectLst>
+                  <a:outerShdw dist="35921" dir="2700000" algn="ctr" rotWithShape="0">
+                    <a:schemeClr val="bg2"/>
+                  </a:outerShdw>
+                </a:effectLst>
+              </a14:hiddenEffects>
+            </a:ext>
+          </a:extLst>
+        </p:spPr>
+      </p:pic>
+      <p:sp>
+        <p:nvSpPr>
+          <p:cNvPr id="7" name="Rectangle 6"/>
+          <p:cNvSpPr/>
+          <p:nvPr/>
+        </p:nvSpPr>
+        <p:spPr>
+          <a:xfrm>
+            <a:off x="542453" y="2743200"/>
+            <a:ext cx="1143000" cy="1066800"/>
+          </a:xfrm>
+          <a:prstGeom prst="rect">
+            <a:avLst/>
+          </a:prstGeom>
+          <a:noFill/>
+          <a:ln>
+            <a:solidFill>
+              <a:schemeClr val="tx1"/>
+            </a:solidFill>
+            <a:prstDash val="dash"/>
+          </a:ln>
+        </p:spPr>
+        <p:style>
+          <a:lnRef idx="2">
+            <a:schemeClr val="accent1">
+              <a:shade val="50000"/>
+            </a:schemeClr>
+          </a:lnRef>
+          <a:fillRef idx="1">
+            <a:schemeClr val="accent1"/>
+          </a:fillRef>
+          <a:effectRef idx="0">
+            <a:schemeClr val="accent1"/>
+          </a:effectRef>
+          <a:fontRef idx="minor">
+            <a:schemeClr val="lt1"/>
+          </a:fontRef>
+        </p:style>
+        <p:txBody>
+          <a:bodyPr rtlCol="0" anchor="ctr"/>
+          <a:lstStyle/>
+          <a:p>
+            <a:pPr algn="ctr"/>
+            <a:endParaRPr lang="en-US"/>
+          </a:p>
+        </p:txBody>
+      </p:sp>
+    </p:spTree>
+    <p:extLst>
+      <p:ext uri="{BB962C8B-B14F-4D97-AF65-F5344CB8AC3E}">
+        <p14:creationId xmlns:p14="http://schemas.microsoft.com/office/powerpoint/2010/main" val="2077556583"/>
+      </p:ext>
+    </p:extLst>
+  </p:cSld>
+  <p:clrMapOvr>
+    <a:masterClrMapping/>
+  </p:clrMapOvr>
+  <p:timing>
+    <p:tnLst>
+      <p:par>
+        <p:cTn id="1" dur="indefinite" restart="never" nodeType="tmRoot"/>
+      </p:par>
+    </p:tnLst>
+  </p:timing>
+</p:sld>
+</file>
+
 <file path=ppt/slides/slide2.xml><?xml version="1.0" encoding="utf-8"?>
 <p:sld xmlns:a="http://schemas.openxmlformats.org/drawingml/2006/main" xmlns:r="http://schemas.openxmlformats.org/officeDocument/2006/relationships" xmlns:p="http://schemas.openxmlformats.org/presentationml/2006/main">
   <p:cSld>

--- a/FiguresWiki/Examples.pptx
+++ b/FiguresWiki/Examples.pptx
@@ -18,6 +18,8 @@
     <p:sldId id="266" r:id="rId12"/>
     <p:sldId id="267" r:id="rId13"/>
     <p:sldId id="268" r:id="rId14"/>
+    <p:sldId id="269" r:id="rId15"/>
+    <p:sldId id="270" r:id="rId16"/>
   </p:sldIdLst>
   <p:sldSz cx="9144000" cy="6858000" type="screen4x3"/>
   <p:notesSz cx="6858000" cy="9144000"/>
@@ -4246,6 +4248,378 @@
 </p:sld>
 </file>
 
+<file path=ppt/slides/slide14.xml><?xml version="1.0" encoding="utf-8"?>
+<p:sld xmlns:a="http://schemas.openxmlformats.org/drawingml/2006/main" xmlns:r="http://schemas.openxmlformats.org/officeDocument/2006/relationships" xmlns:p="http://schemas.openxmlformats.org/presentationml/2006/main">
+  <p:cSld>
+    <p:spTree>
+      <p:nvGrpSpPr>
+        <p:cNvPr id="1" name=""/>
+        <p:cNvGrpSpPr/>
+        <p:nvPr/>
+      </p:nvGrpSpPr>
+      <p:grpSpPr>
+        <a:xfrm>
+          <a:off x="0" y="0"/>
+          <a:ext cx="0" cy="0"/>
+          <a:chOff x="0" y="0"/>
+          <a:chExt cx="0" cy="0"/>
+        </a:xfrm>
+      </p:grpSpPr>
+      <p:pic>
+        <p:nvPicPr>
+          <p:cNvPr id="8194" name="Picture 2"/>
+          <p:cNvPicPr>
+            <a:picLocks noChangeAspect="1" noChangeArrowheads="1"/>
+          </p:cNvPicPr>
+          <p:nvPr/>
+        </p:nvPicPr>
+        <p:blipFill>
+          <a:blip r:embed="rId2">
+            <a:extLst>
+              <a:ext uri="{28A0092B-C50C-407E-A947-70E740481C1C}">
+                <a14:useLocalDpi xmlns:a14="http://schemas.microsoft.com/office/drawing/2010/main" val="0"/>
+              </a:ext>
+            </a:extLst>
+          </a:blip>
+          <a:srcRect/>
+          <a:stretch>
+            <a:fillRect/>
+          </a:stretch>
+        </p:blipFill>
+        <p:spPr bwMode="auto">
+          <a:xfrm>
+            <a:off x="-1509" y="914400"/>
+            <a:ext cx="5183717" cy="3887788"/>
+          </a:xfrm>
+          <a:prstGeom prst="rect">
+            <a:avLst/>
+          </a:prstGeom>
+          <a:noFill/>
+          <a:ln>
+            <a:noFill/>
+          </a:ln>
+          <a:effectLst/>
+          <a:extLst>
+            <a:ext uri="{909E8E84-426E-40DD-AFC4-6F175D3DCCD1}">
+              <a14:hiddenFill xmlns:a14="http://schemas.microsoft.com/office/drawing/2010/main">
+                <a:solidFill>
+                  <a:schemeClr val="accent1"/>
+                </a:solidFill>
+              </a14:hiddenFill>
+            </a:ext>
+            <a:ext uri="{91240B29-F687-4F45-9708-019B960494DF}">
+              <a14:hiddenLine xmlns:a14="http://schemas.microsoft.com/office/drawing/2010/main" w="9525">
+                <a:solidFill>
+                  <a:schemeClr val="tx1"/>
+                </a:solidFill>
+                <a:miter lim="800000"/>
+                <a:headEnd/>
+                <a:tailEnd/>
+              </a14:hiddenLine>
+            </a:ext>
+            <a:ext uri="{AF507438-7753-43E0-B8FC-AC1667EBCBE1}">
+              <a14:hiddenEffects xmlns:a14="http://schemas.microsoft.com/office/drawing/2010/main">
+                <a:effectLst>
+                  <a:outerShdw dist="35921" dir="2700000" algn="ctr" rotWithShape="0">
+                    <a:schemeClr val="bg2"/>
+                  </a:outerShdw>
+                </a:effectLst>
+              </a14:hiddenEffects>
+            </a:ext>
+          </a:extLst>
+        </p:spPr>
+      </p:pic>
+      <p:pic>
+        <p:nvPicPr>
+          <p:cNvPr id="8195" name="Picture 3"/>
+          <p:cNvPicPr>
+            <a:picLocks noChangeAspect="1" noChangeArrowheads="1"/>
+          </p:cNvPicPr>
+          <p:nvPr/>
+        </p:nvPicPr>
+        <p:blipFill>
+          <a:blip r:embed="rId3">
+            <a:extLst>
+              <a:ext uri="{28A0092B-C50C-407E-A947-70E740481C1C}">
+                <a14:useLocalDpi xmlns:a14="http://schemas.microsoft.com/office/drawing/2010/main" val="0"/>
+              </a:ext>
+            </a:extLst>
+          </a:blip>
+          <a:srcRect/>
+          <a:stretch>
+            <a:fillRect/>
+          </a:stretch>
+        </p:blipFill>
+        <p:spPr bwMode="auto">
+          <a:xfrm>
+            <a:off x="4888871" y="1371600"/>
+            <a:ext cx="2707646" cy="2637528"/>
+          </a:xfrm>
+          <a:prstGeom prst="rect">
+            <a:avLst/>
+          </a:prstGeom>
+          <a:noFill/>
+          <a:ln>
+            <a:noFill/>
+          </a:ln>
+          <a:effectLst/>
+          <a:extLst>
+            <a:ext uri="{909E8E84-426E-40DD-AFC4-6F175D3DCCD1}">
+              <a14:hiddenFill xmlns:a14="http://schemas.microsoft.com/office/drawing/2010/main">
+                <a:solidFill>
+                  <a:schemeClr val="accent1"/>
+                </a:solidFill>
+              </a14:hiddenFill>
+            </a:ext>
+            <a:ext uri="{91240B29-F687-4F45-9708-019B960494DF}">
+              <a14:hiddenLine xmlns:a14="http://schemas.microsoft.com/office/drawing/2010/main" w="9525">
+                <a:solidFill>
+                  <a:schemeClr val="tx1"/>
+                </a:solidFill>
+                <a:miter lim="800000"/>
+                <a:headEnd/>
+                <a:tailEnd/>
+              </a14:hiddenLine>
+            </a:ext>
+            <a:ext uri="{AF507438-7753-43E0-B8FC-AC1667EBCBE1}">
+              <a14:hiddenEffects xmlns:a14="http://schemas.microsoft.com/office/drawing/2010/main">
+                <a:effectLst>
+                  <a:outerShdw dist="35921" dir="2700000" algn="ctr" rotWithShape="0">
+                    <a:schemeClr val="bg2"/>
+                  </a:outerShdw>
+                </a:effectLst>
+              </a14:hiddenEffects>
+            </a:ext>
+          </a:extLst>
+        </p:spPr>
+      </p:pic>
+    </p:spTree>
+    <p:extLst>
+      <p:ext uri="{BB962C8B-B14F-4D97-AF65-F5344CB8AC3E}">
+        <p14:creationId xmlns:p14="http://schemas.microsoft.com/office/powerpoint/2010/main" val="3718445551"/>
+      </p:ext>
+    </p:extLst>
+  </p:cSld>
+  <p:clrMapOvr>
+    <a:masterClrMapping/>
+  </p:clrMapOvr>
+  <p:timing>
+    <p:tnLst>
+      <p:par>
+        <p:cTn id="1" dur="indefinite" restart="never" nodeType="tmRoot"/>
+      </p:par>
+    </p:tnLst>
+  </p:timing>
+</p:sld>
+</file>
+
+<file path=ppt/slides/slide15.xml><?xml version="1.0" encoding="utf-8"?>
+<p:sld xmlns:a="http://schemas.openxmlformats.org/drawingml/2006/main" xmlns:r="http://schemas.openxmlformats.org/officeDocument/2006/relationships" xmlns:p="http://schemas.openxmlformats.org/presentationml/2006/main">
+  <p:cSld>
+    <p:spTree>
+      <p:nvGrpSpPr>
+        <p:cNvPr id="1" name=""/>
+        <p:cNvGrpSpPr/>
+        <p:nvPr/>
+      </p:nvGrpSpPr>
+      <p:grpSpPr>
+        <a:xfrm>
+          <a:off x="0" y="0"/>
+          <a:ext cx="0" cy="0"/>
+          <a:chOff x="0" y="0"/>
+          <a:chExt cx="0" cy="0"/>
+        </a:xfrm>
+      </p:grpSpPr>
+      <p:pic>
+        <p:nvPicPr>
+          <p:cNvPr id="9218" name="Picture 2"/>
+          <p:cNvPicPr>
+            <a:picLocks noChangeAspect="1" noChangeArrowheads="1"/>
+          </p:cNvPicPr>
+          <p:nvPr/>
+        </p:nvPicPr>
+        <p:blipFill>
+          <a:blip r:embed="rId2">
+            <a:extLst>
+              <a:ext uri="{28A0092B-C50C-407E-A947-70E740481C1C}">
+                <a14:useLocalDpi xmlns:a14="http://schemas.microsoft.com/office/drawing/2010/main" val="0"/>
+              </a:ext>
+            </a:extLst>
+          </a:blip>
+          <a:srcRect/>
+          <a:stretch>
+            <a:fillRect/>
+          </a:stretch>
+        </p:blipFill>
+        <p:spPr bwMode="auto">
+          <a:xfrm>
+            <a:off x="4724400" y="1600200"/>
+            <a:ext cx="3902534" cy="3168650"/>
+          </a:xfrm>
+          <a:prstGeom prst="rect">
+            <a:avLst/>
+          </a:prstGeom>
+          <a:noFill/>
+          <a:ln w="9525">
+            <a:solidFill>
+              <a:schemeClr val="tx1"/>
+            </a:solidFill>
+            <a:miter lim="800000"/>
+            <a:headEnd/>
+            <a:tailEnd/>
+          </a:ln>
+          <a:effectLst/>
+          <a:extLst>
+            <a:ext uri="{909E8E84-426E-40DD-AFC4-6F175D3DCCD1}">
+              <a14:hiddenFill xmlns:a14="http://schemas.microsoft.com/office/drawing/2010/main">
+                <a:solidFill>
+                  <a:schemeClr val="accent1"/>
+                </a:solidFill>
+              </a14:hiddenFill>
+            </a:ext>
+            <a:ext uri="{AF507438-7753-43E0-B8FC-AC1667EBCBE1}">
+              <a14:hiddenEffects xmlns:a14="http://schemas.microsoft.com/office/drawing/2010/main">
+                <a:effectLst>
+                  <a:outerShdw dist="35921" dir="2700000" algn="ctr" rotWithShape="0">
+                    <a:schemeClr val="bg2"/>
+                  </a:outerShdw>
+                </a:effectLst>
+              </a14:hiddenEffects>
+            </a:ext>
+          </a:extLst>
+        </p:spPr>
+      </p:pic>
+      <p:pic>
+        <p:nvPicPr>
+          <p:cNvPr id="9219" name="Picture 3"/>
+          <p:cNvPicPr>
+            <a:picLocks noChangeAspect="1" noChangeArrowheads="1"/>
+          </p:cNvPicPr>
+          <p:nvPr/>
+        </p:nvPicPr>
+        <p:blipFill>
+          <a:blip r:embed="rId3">
+            <a:extLst>
+              <a:ext uri="{28A0092B-C50C-407E-A947-70E740481C1C}">
+                <a14:useLocalDpi xmlns:a14="http://schemas.microsoft.com/office/drawing/2010/main" val="0"/>
+              </a:ext>
+            </a:extLst>
+          </a:blip>
+          <a:srcRect/>
+          <a:stretch>
+            <a:fillRect/>
+          </a:stretch>
+        </p:blipFill>
+        <p:spPr bwMode="auto">
+          <a:xfrm>
+            <a:off x="304800" y="1600200"/>
+            <a:ext cx="4125286" cy="3286125"/>
+          </a:xfrm>
+          <a:prstGeom prst="rect">
+            <a:avLst/>
+          </a:prstGeom>
+          <a:noFill/>
+          <a:ln>
+            <a:noFill/>
+          </a:ln>
+          <a:effectLst/>
+          <a:extLst>
+            <a:ext uri="{909E8E84-426E-40DD-AFC4-6F175D3DCCD1}">
+              <a14:hiddenFill xmlns:a14="http://schemas.microsoft.com/office/drawing/2010/main">
+                <a:solidFill>
+                  <a:schemeClr val="accent1"/>
+                </a:solidFill>
+              </a14:hiddenFill>
+            </a:ext>
+            <a:ext uri="{91240B29-F687-4F45-9708-019B960494DF}">
+              <a14:hiddenLine xmlns:a14="http://schemas.microsoft.com/office/drawing/2010/main" w="9525">
+                <a:solidFill>
+                  <a:schemeClr val="tx1"/>
+                </a:solidFill>
+                <a:miter lim="800000"/>
+                <a:headEnd/>
+                <a:tailEnd/>
+              </a14:hiddenLine>
+            </a:ext>
+            <a:ext uri="{AF507438-7753-43E0-B8FC-AC1667EBCBE1}">
+              <a14:hiddenEffects xmlns:a14="http://schemas.microsoft.com/office/drawing/2010/main">
+                <a:effectLst>
+                  <a:outerShdw dist="35921" dir="2700000" algn="ctr" rotWithShape="0">
+                    <a:schemeClr val="bg2"/>
+                  </a:outerShdw>
+                </a:effectLst>
+              </a14:hiddenEffects>
+            </a:ext>
+          </a:extLst>
+        </p:spPr>
+      </p:pic>
+      <p:sp>
+        <p:nvSpPr>
+          <p:cNvPr id="6" name="Rectangle 5"/>
+          <p:cNvSpPr/>
+          <p:nvPr/>
+        </p:nvSpPr>
+        <p:spPr>
+          <a:xfrm>
+            <a:off x="1447800" y="3505200"/>
+            <a:ext cx="1143000" cy="1066800"/>
+          </a:xfrm>
+          <a:prstGeom prst="rect">
+            <a:avLst/>
+          </a:prstGeom>
+          <a:noFill/>
+          <a:ln>
+            <a:solidFill>
+              <a:schemeClr val="tx1"/>
+            </a:solidFill>
+            <a:prstDash val="dash"/>
+          </a:ln>
+        </p:spPr>
+        <p:style>
+          <a:lnRef idx="2">
+            <a:schemeClr val="accent1">
+              <a:shade val="50000"/>
+            </a:schemeClr>
+          </a:lnRef>
+          <a:fillRef idx="1">
+            <a:schemeClr val="accent1"/>
+          </a:fillRef>
+          <a:effectRef idx="0">
+            <a:schemeClr val="accent1"/>
+          </a:effectRef>
+          <a:fontRef idx="minor">
+            <a:schemeClr val="lt1"/>
+          </a:fontRef>
+        </p:style>
+        <p:txBody>
+          <a:bodyPr rtlCol="0" anchor="ctr"/>
+          <a:lstStyle/>
+          <a:p>
+            <a:pPr algn="ctr"/>
+            <a:endParaRPr lang="en-US"/>
+          </a:p>
+        </p:txBody>
+      </p:sp>
+    </p:spTree>
+    <p:extLst>
+      <p:ext uri="{BB962C8B-B14F-4D97-AF65-F5344CB8AC3E}">
+        <p14:creationId xmlns:p14="http://schemas.microsoft.com/office/powerpoint/2010/main" val="1337374101"/>
+      </p:ext>
+    </p:extLst>
+  </p:cSld>
+  <p:clrMapOvr>
+    <a:masterClrMapping/>
+  </p:clrMapOvr>
+  <p:timing>
+    <p:tnLst>
+      <p:par>
+        <p:cTn id="1" dur="indefinite" restart="never" nodeType="tmRoot"/>
+      </p:par>
+    </p:tnLst>
+  </p:timing>
+</p:sld>
+</file>
+
 <file path=ppt/slides/slide2.xml><?xml version="1.0" encoding="utf-8"?>
 <p:sld xmlns:a="http://schemas.openxmlformats.org/drawingml/2006/main" xmlns:r="http://schemas.openxmlformats.org/officeDocument/2006/relationships" xmlns:p="http://schemas.openxmlformats.org/presentationml/2006/main">
   <p:cSld>

--- a/FiguresWiki/Examples.pptx
+++ b/FiguresWiki/Examples.pptx
@@ -118,6 +118,22 @@
       </a:defRPr>
     </a:lvl9pPr>
   </p:defaultTextStyle>
+  <p:extLst>
+    <p:ext uri="{EFAFB233-063F-42B5-8137-9DF3F51BA10A}">
+      <p15:sldGuideLst xmlns:p15="http://schemas.microsoft.com/office/powerpoint/2012/main">
+        <p15:guide id="1" orient="horz" pos="2160">
+          <p15:clr>
+            <a:srgbClr val="A4A3A4"/>
+          </p15:clr>
+        </p15:guide>
+        <p15:guide id="2" pos="2880">
+          <p15:clr>
+            <a:srgbClr val="A4A3A4"/>
+          </p15:clr>
+        </p15:guide>
+      </p15:sldGuideLst>
+    </p:ext>
+  </p:extLst>
 </p:presentation>
 </file>
 
@@ -302,7 +318,7 @@
           <a:p>
             <a:fld id="{4AF8D1E4-79D5-419A-84F5-5184F8D0060F}" type="datetimeFigureOut">
               <a:rPr lang="en-US" smtClean="0"/>
-              <a:t>8/30/2016</a:t>
+              <a:t>11/3/2017</a:t>
             </a:fld>
             <a:endParaRPr lang="en-US" dirty="0"/>
           </a:p>
@@ -344,7 +360,7 @@
           <a:p>
             <a:fld id="{238E0C49-4B2B-4031-8341-CBD5FC7BA20B}" type="slidenum">
               <a:rPr lang="en-US" smtClean="0"/>
-              <a:t>‹#›</a:t>
+              <a:t>‹N°›</a:t>
             </a:fld>
             <a:endParaRPr lang="en-US" dirty="0"/>
           </a:p>
@@ -472,7 +488,7 @@
           <a:p>
             <a:fld id="{4AF8D1E4-79D5-419A-84F5-5184F8D0060F}" type="datetimeFigureOut">
               <a:rPr lang="en-US" smtClean="0"/>
-              <a:t>8/30/2016</a:t>
+              <a:t>11/3/2017</a:t>
             </a:fld>
             <a:endParaRPr lang="en-US" dirty="0"/>
           </a:p>
@@ -514,7 +530,7 @@
           <a:p>
             <a:fld id="{238E0C49-4B2B-4031-8341-CBD5FC7BA20B}" type="slidenum">
               <a:rPr lang="en-US" smtClean="0"/>
-              <a:t>‹#›</a:t>
+              <a:t>‹N°›</a:t>
             </a:fld>
             <a:endParaRPr lang="en-US" dirty="0"/>
           </a:p>
@@ -652,7 +668,7 @@
           <a:p>
             <a:fld id="{4AF8D1E4-79D5-419A-84F5-5184F8D0060F}" type="datetimeFigureOut">
               <a:rPr lang="en-US" smtClean="0"/>
-              <a:t>8/30/2016</a:t>
+              <a:t>11/3/2017</a:t>
             </a:fld>
             <a:endParaRPr lang="en-US" dirty="0"/>
           </a:p>
@@ -694,7 +710,7 @@
           <a:p>
             <a:fld id="{238E0C49-4B2B-4031-8341-CBD5FC7BA20B}" type="slidenum">
               <a:rPr lang="en-US" smtClean="0"/>
-              <a:t>‹#›</a:t>
+              <a:t>‹N°›</a:t>
             </a:fld>
             <a:endParaRPr lang="en-US" dirty="0"/>
           </a:p>
@@ -822,7 +838,7 @@
           <a:p>
             <a:fld id="{4AF8D1E4-79D5-419A-84F5-5184F8D0060F}" type="datetimeFigureOut">
               <a:rPr lang="en-US" smtClean="0"/>
-              <a:t>8/30/2016</a:t>
+              <a:t>11/3/2017</a:t>
             </a:fld>
             <a:endParaRPr lang="en-US" dirty="0"/>
           </a:p>
@@ -864,7 +880,7 @@
           <a:p>
             <a:fld id="{238E0C49-4B2B-4031-8341-CBD5FC7BA20B}" type="slidenum">
               <a:rPr lang="en-US" smtClean="0"/>
-              <a:t>‹#›</a:t>
+              <a:t>‹N°›</a:t>
             </a:fld>
             <a:endParaRPr lang="en-US" dirty="0"/>
           </a:p>
@@ -1068,7 +1084,7 @@
           <a:p>
             <a:fld id="{4AF8D1E4-79D5-419A-84F5-5184F8D0060F}" type="datetimeFigureOut">
               <a:rPr lang="en-US" smtClean="0"/>
-              <a:t>8/30/2016</a:t>
+              <a:t>11/3/2017</a:t>
             </a:fld>
             <a:endParaRPr lang="en-US" dirty="0"/>
           </a:p>
@@ -1110,7 +1126,7 @@
           <a:p>
             <a:fld id="{238E0C49-4B2B-4031-8341-CBD5FC7BA20B}" type="slidenum">
               <a:rPr lang="en-US" smtClean="0"/>
-              <a:t>‹#›</a:t>
+              <a:t>‹N°›</a:t>
             </a:fld>
             <a:endParaRPr lang="en-US" dirty="0"/>
           </a:p>
@@ -1356,7 +1372,7 @@
           <a:p>
             <a:fld id="{4AF8D1E4-79D5-419A-84F5-5184F8D0060F}" type="datetimeFigureOut">
               <a:rPr lang="en-US" smtClean="0"/>
-              <a:t>8/30/2016</a:t>
+              <a:t>11/3/2017</a:t>
             </a:fld>
             <a:endParaRPr lang="en-US" dirty="0"/>
           </a:p>
@@ -1398,7 +1414,7 @@
           <a:p>
             <a:fld id="{238E0C49-4B2B-4031-8341-CBD5FC7BA20B}" type="slidenum">
               <a:rPr lang="en-US" smtClean="0"/>
-              <a:t>‹#›</a:t>
+              <a:t>‹N°›</a:t>
             </a:fld>
             <a:endParaRPr lang="en-US" dirty="0"/>
           </a:p>
@@ -1778,7 +1794,7 @@
           <a:p>
             <a:fld id="{4AF8D1E4-79D5-419A-84F5-5184F8D0060F}" type="datetimeFigureOut">
               <a:rPr lang="en-US" smtClean="0"/>
-              <a:t>8/30/2016</a:t>
+              <a:t>11/3/2017</a:t>
             </a:fld>
             <a:endParaRPr lang="en-US" dirty="0"/>
           </a:p>
@@ -1820,7 +1836,7 @@
           <a:p>
             <a:fld id="{238E0C49-4B2B-4031-8341-CBD5FC7BA20B}" type="slidenum">
               <a:rPr lang="en-US" smtClean="0"/>
-              <a:t>‹#›</a:t>
+              <a:t>‹N°›</a:t>
             </a:fld>
             <a:endParaRPr lang="en-US" dirty="0"/>
           </a:p>
@@ -1896,7 +1912,7 @@
           <a:p>
             <a:fld id="{4AF8D1E4-79D5-419A-84F5-5184F8D0060F}" type="datetimeFigureOut">
               <a:rPr lang="en-US" smtClean="0"/>
-              <a:t>8/30/2016</a:t>
+              <a:t>11/3/2017</a:t>
             </a:fld>
             <a:endParaRPr lang="en-US" dirty="0"/>
           </a:p>
@@ -1938,7 +1954,7 @@
           <a:p>
             <a:fld id="{238E0C49-4B2B-4031-8341-CBD5FC7BA20B}" type="slidenum">
               <a:rPr lang="en-US" smtClean="0"/>
-              <a:t>‹#›</a:t>
+              <a:t>‹N°›</a:t>
             </a:fld>
             <a:endParaRPr lang="en-US" dirty="0"/>
           </a:p>
@@ -1991,7 +2007,7 @@
           <a:p>
             <a:fld id="{4AF8D1E4-79D5-419A-84F5-5184F8D0060F}" type="datetimeFigureOut">
               <a:rPr lang="en-US" smtClean="0"/>
-              <a:t>8/30/2016</a:t>
+              <a:t>11/3/2017</a:t>
             </a:fld>
             <a:endParaRPr lang="en-US" dirty="0"/>
           </a:p>
@@ -2033,7 +2049,7 @@
           <a:p>
             <a:fld id="{238E0C49-4B2B-4031-8341-CBD5FC7BA20B}" type="slidenum">
               <a:rPr lang="en-US" smtClean="0"/>
-              <a:t>‹#›</a:t>
+              <a:t>‹N°›</a:t>
             </a:fld>
             <a:endParaRPr lang="en-US" dirty="0"/>
           </a:p>
@@ -2268,7 +2284,7 @@
           <a:p>
             <a:fld id="{4AF8D1E4-79D5-419A-84F5-5184F8D0060F}" type="datetimeFigureOut">
               <a:rPr lang="en-US" smtClean="0"/>
-              <a:t>8/30/2016</a:t>
+              <a:t>11/3/2017</a:t>
             </a:fld>
             <a:endParaRPr lang="en-US" dirty="0"/>
           </a:p>
@@ -2310,7 +2326,7 @@
           <a:p>
             <a:fld id="{238E0C49-4B2B-4031-8341-CBD5FC7BA20B}" type="slidenum">
               <a:rPr lang="en-US" smtClean="0"/>
-              <a:t>‹#›</a:t>
+              <a:t>‹N°›</a:t>
             </a:fld>
             <a:endParaRPr lang="en-US" dirty="0"/>
           </a:p>
@@ -2521,7 +2537,7 @@
           <a:p>
             <a:fld id="{4AF8D1E4-79D5-419A-84F5-5184F8D0060F}" type="datetimeFigureOut">
               <a:rPr lang="en-US" smtClean="0"/>
-              <a:t>8/30/2016</a:t>
+              <a:t>11/3/2017</a:t>
             </a:fld>
             <a:endParaRPr lang="en-US" dirty="0"/>
           </a:p>
@@ -2563,7 +2579,7 @@
           <a:p>
             <a:fld id="{238E0C49-4B2B-4031-8341-CBD5FC7BA20B}" type="slidenum">
               <a:rPr lang="en-US" smtClean="0"/>
-              <a:t>‹#›</a:t>
+              <a:t>‹N°›</a:t>
             </a:fld>
             <a:endParaRPr lang="en-US" dirty="0"/>
           </a:p>
@@ -2734,7 +2750,7 @@
           <a:p>
             <a:fld id="{4AF8D1E4-79D5-419A-84F5-5184F8D0060F}" type="datetimeFigureOut">
               <a:rPr lang="en-US" smtClean="0"/>
-              <a:t>8/30/2016</a:t>
+              <a:t>11/3/2017</a:t>
             </a:fld>
             <a:endParaRPr lang="en-US" dirty="0"/>
           </a:p>
@@ -2812,7 +2828,7 @@
           <a:p>
             <a:fld id="{238E0C49-4B2B-4031-8341-CBD5FC7BA20B}" type="slidenum">
               <a:rPr lang="en-US" smtClean="0"/>
-              <a:t>‹#›</a:t>
+              <a:t>‹N°›</a:t>
             </a:fld>
             <a:endParaRPr lang="en-US" dirty="0"/>
           </a:p>
@@ -4802,448 +4818,260 @@
           <a:chExt cx="0" cy="0"/>
         </a:xfrm>
       </p:grpSpPr>
+      <p:sp>
+        <p:nvSpPr>
+          <p:cNvPr id="4" name="TextBox 3"/>
+          <p:cNvSpPr txBox="1"/>
+          <p:nvPr/>
+        </p:nvSpPr>
+        <p:spPr>
+          <a:xfrm>
+            <a:off x="814406" y="2219087"/>
+            <a:ext cx="630301" cy="369332"/>
+          </a:xfrm>
+          <a:prstGeom prst="rect">
+            <a:avLst/>
+          </a:prstGeom>
+          <a:noFill/>
+        </p:spPr>
+        <p:txBody>
+          <a:bodyPr wrap="none" rtlCol="0">
+            <a:spAutoFit/>
+          </a:bodyPr>
+          <a:lstStyle/>
+          <a:p>
+            <a:r>
+              <a:rPr lang="en-US" dirty="0" smtClean="0"/>
+              <a:t>1</a:t>
+            </a:r>
+            <a:r>
+              <a:rPr lang="en-US" dirty="0" smtClean="0"/>
+              <a:t>||6</a:t>
+            </a:r>
+            <a:endParaRPr lang="en-US" dirty="0"/>
+          </a:p>
+        </p:txBody>
+      </p:sp>
+      <p:sp>
+        <p:nvSpPr>
+          <p:cNvPr id="15" name="TextBox 14"/>
+          <p:cNvSpPr txBox="1"/>
+          <p:nvPr/>
+        </p:nvSpPr>
+        <p:spPr>
+          <a:xfrm>
+            <a:off x="2719789" y="2219087"/>
+            <a:ext cx="630301" cy="369332"/>
+          </a:xfrm>
+          <a:prstGeom prst="rect">
+            <a:avLst/>
+          </a:prstGeom>
+          <a:noFill/>
+        </p:spPr>
+        <p:txBody>
+          <a:bodyPr wrap="none" rtlCol="0">
+            <a:spAutoFit/>
+          </a:bodyPr>
+          <a:lstStyle/>
+          <a:p>
+            <a:r>
+              <a:rPr lang="en-US" dirty="0"/>
+              <a:t>2</a:t>
+            </a:r>
+            <a:r>
+              <a:rPr lang="en-US" dirty="0" smtClean="0"/>
+              <a:t>||8</a:t>
+            </a:r>
+            <a:endParaRPr lang="en-US" dirty="0"/>
+          </a:p>
+        </p:txBody>
+      </p:sp>
+      <p:sp>
+        <p:nvSpPr>
+          <p:cNvPr id="16" name="TextBox 15"/>
+          <p:cNvSpPr txBox="1"/>
+          <p:nvPr/>
+        </p:nvSpPr>
+        <p:spPr>
+          <a:xfrm>
+            <a:off x="646081" y="4495800"/>
+            <a:ext cx="970137" cy="369332"/>
+          </a:xfrm>
+          <a:prstGeom prst="rect">
+            <a:avLst/>
+          </a:prstGeom>
+          <a:noFill/>
+        </p:spPr>
+        <p:txBody>
+          <a:bodyPr wrap="none" rtlCol="0">
+            <a:spAutoFit/>
+          </a:bodyPr>
+          <a:lstStyle/>
+          <a:p>
+            <a:r>
+              <a:rPr lang="en-US" dirty="0" smtClean="0"/>
+              <a:t>1|1||</a:t>
+            </a:r>
+            <a:r>
+              <a:rPr lang="en-US" dirty="0" smtClean="0"/>
+              <a:t>11</a:t>
+            </a:r>
+            <a:endParaRPr lang="en-US" dirty="0"/>
+          </a:p>
+        </p:txBody>
+      </p:sp>
+      <p:sp>
+        <p:nvSpPr>
+          <p:cNvPr id="17" name="TextBox 16"/>
+          <p:cNvSpPr txBox="1"/>
+          <p:nvPr/>
+        </p:nvSpPr>
+        <p:spPr>
+          <a:xfrm>
+            <a:off x="2458863" y="4495800"/>
+            <a:ext cx="970137" cy="369332"/>
+          </a:xfrm>
+          <a:prstGeom prst="rect">
+            <a:avLst/>
+          </a:prstGeom>
+          <a:noFill/>
+        </p:spPr>
+        <p:txBody>
+          <a:bodyPr wrap="none" rtlCol="0">
+            <a:spAutoFit/>
+          </a:bodyPr>
+          <a:lstStyle/>
+          <a:p>
+            <a:r>
+              <a:rPr lang="en-US" dirty="0" smtClean="0"/>
+              <a:t>1|2||</a:t>
+            </a:r>
+            <a:r>
+              <a:rPr lang="en-US" dirty="0" smtClean="0"/>
+              <a:t>16</a:t>
+            </a:r>
+            <a:endParaRPr lang="en-US" dirty="0"/>
+          </a:p>
+        </p:txBody>
+      </p:sp>
       <p:pic>
         <p:nvPicPr>
-          <p:cNvPr id="2054" name="Picture 6"/>
+          <p:cNvPr id="2" name="Image 1"/>
           <p:cNvPicPr>
-            <a:picLocks noChangeAspect="1" noChangeArrowheads="1"/>
+            <a:picLocks noChangeAspect="1"/>
           </p:cNvPicPr>
           <p:nvPr/>
         </p:nvPicPr>
         <p:blipFill>
-          <a:blip r:embed="rId2" cstate="print">
-            <a:extLst>
-              <a:ext uri="{28A0092B-C50C-407E-A947-70E740481C1C}">
-                <a14:useLocalDpi xmlns:a14="http://schemas.microsoft.com/office/drawing/2010/main" val="0"/>
-              </a:ext>
-            </a:extLst>
-          </a:blip>
-          <a:srcRect/>
+          <a:blip r:embed="rId2"/>
           <a:stretch>
             <a:fillRect/>
           </a:stretch>
         </p:blipFill>
-        <p:spPr bwMode="auto">
-          <a:xfrm>
-            <a:off x="270444" y="314087"/>
-            <a:ext cx="1809878" cy="1905000"/>
+        <p:spPr>
+          <a:xfrm>
+            <a:off x="4021392" y="304800"/>
+            <a:ext cx="4878108" cy="4233358"/>
           </a:xfrm>
           <a:prstGeom prst="rect">
             <a:avLst/>
           </a:prstGeom>
-          <a:noFill/>
-          <a:ln>
-            <a:noFill/>
-          </a:ln>
-          <a:effectLst/>
-          <a:extLst>
-            <a:ext uri="{909E8E84-426E-40DD-AFC4-6F175D3DCCD1}">
-              <a14:hiddenFill xmlns:a14="http://schemas.microsoft.com/office/drawing/2010/main">
-                <a:solidFill>
-                  <a:schemeClr val="accent1"/>
-                </a:solidFill>
-              </a14:hiddenFill>
-            </a:ext>
-            <a:ext uri="{91240B29-F687-4F45-9708-019B960494DF}">
-              <a14:hiddenLine xmlns:a14="http://schemas.microsoft.com/office/drawing/2010/main" w="9525">
-                <a:solidFill>
-                  <a:schemeClr val="tx1"/>
-                </a:solidFill>
-                <a:miter lim="800000"/>
-                <a:headEnd/>
-                <a:tailEnd/>
-              </a14:hiddenLine>
-            </a:ext>
-            <a:ext uri="{AF507438-7753-43E0-B8FC-AC1667EBCBE1}">
-              <a14:hiddenEffects xmlns:a14="http://schemas.microsoft.com/office/drawing/2010/main">
-                <a:effectLst>
-                  <a:outerShdw dist="35921" dir="2700000" algn="ctr" rotWithShape="0">
-                    <a:schemeClr val="bg2"/>
-                  </a:outerShdw>
-                </a:effectLst>
-              </a14:hiddenEffects>
-            </a:ext>
-          </a:extLst>
         </p:spPr>
       </p:pic>
       <p:pic>
         <p:nvPicPr>
-          <p:cNvPr id="2055" name="Picture 7"/>
+          <p:cNvPr id="3" name="Image 2"/>
           <p:cNvPicPr>
-            <a:picLocks noChangeAspect="1" noChangeArrowheads="1"/>
+            <a:picLocks noChangeAspect="1"/>
           </p:cNvPicPr>
           <p:nvPr/>
         </p:nvPicPr>
         <p:blipFill>
-          <a:blip r:embed="rId3" cstate="print">
-            <a:extLst>
-              <a:ext uri="{28A0092B-C50C-407E-A947-70E740481C1C}">
-                <a14:useLocalDpi xmlns:a14="http://schemas.microsoft.com/office/drawing/2010/main" val="0"/>
-              </a:ext>
-            </a:extLst>
-          </a:blip>
-          <a:srcRect/>
+          <a:blip r:embed="rId3"/>
           <a:stretch>
             <a:fillRect/>
           </a:stretch>
         </p:blipFill>
-        <p:spPr bwMode="auto">
-          <a:xfrm>
-            <a:off x="2118859" y="288449"/>
-            <a:ext cx="1832162" cy="1930638"/>
+        <p:spPr>
+          <a:xfrm>
+            <a:off x="76200" y="457200"/>
+            <a:ext cx="1935958" cy="1721192"/>
           </a:xfrm>
           <a:prstGeom prst="rect">
             <a:avLst/>
           </a:prstGeom>
-          <a:noFill/>
-          <a:ln>
-            <a:noFill/>
-          </a:ln>
-          <a:effectLst/>
-          <a:extLst>
-            <a:ext uri="{909E8E84-426E-40DD-AFC4-6F175D3DCCD1}">
-              <a14:hiddenFill xmlns:a14="http://schemas.microsoft.com/office/drawing/2010/main">
-                <a:solidFill>
-                  <a:schemeClr val="accent1"/>
-                </a:solidFill>
-              </a14:hiddenFill>
-            </a:ext>
-            <a:ext uri="{91240B29-F687-4F45-9708-019B960494DF}">
-              <a14:hiddenLine xmlns:a14="http://schemas.microsoft.com/office/drawing/2010/main" w="9525">
-                <a:solidFill>
-                  <a:schemeClr val="tx1"/>
-                </a:solidFill>
-                <a:miter lim="800000"/>
-                <a:headEnd/>
-                <a:tailEnd/>
-              </a14:hiddenLine>
-            </a:ext>
-            <a:ext uri="{AF507438-7753-43E0-B8FC-AC1667EBCBE1}">
-              <a14:hiddenEffects xmlns:a14="http://schemas.microsoft.com/office/drawing/2010/main">
-                <a:effectLst>
-                  <a:outerShdw dist="35921" dir="2700000" algn="ctr" rotWithShape="0">
-                    <a:schemeClr val="bg2"/>
-                  </a:outerShdw>
-                </a:effectLst>
-              </a14:hiddenEffects>
-            </a:ext>
-          </a:extLst>
         </p:spPr>
       </p:pic>
       <p:pic>
         <p:nvPicPr>
-          <p:cNvPr id="2056" name="Picture 8"/>
+          <p:cNvPr id="5" name="Image 4"/>
           <p:cNvPicPr>
-            <a:picLocks noChangeAspect="1" noChangeArrowheads="1"/>
+            <a:picLocks noChangeAspect="1"/>
           </p:cNvPicPr>
           <p:nvPr/>
         </p:nvPicPr>
         <p:blipFill>
-          <a:blip r:embed="rId4" cstate="print">
-            <a:extLst>
-              <a:ext uri="{28A0092B-C50C-407E-A947-70E740481C1C}">
-                <a14:useLocalDpi xmlns:a14="http://schemas.microsoft.com/office/drawing/2010/main" val="0"/>
-              </a:ext>
-            </a:extLst>
-          </a:blip>
-          <a:srcRect/>
+          <a:blip r:embed="rId4"/>
           <a:stretch>
             <a:fillRect/>
           </a:stretch>
         </p:blipFill>
-        <p:spPr bwMode="auto">
-          <a:xfrm>
-            <a:off x="293422" y="2623124"/>
-            <a:ext cx="1840179" cy="1930638"/>
+        <p:spPr>
+          <a:xfrm>
+            <a:off x="2058330" y="459658"/>
+            <a:ext cx="1774365" cy="1718734"/>
           </a:xfrm>
           <a:prstGeom prst="rect">
             <a:avLst/>
           </a:prstGeom>
-          <a:noFill/>
-          <a:ln>
-            <a:noFill/>
-          </a:ln>
-          <a:effectLst/>
-          <a:extLst>
-            <a:ext uri="{909E8E84-426E-40DD-AFC4-6F175D3DCCD1}">
-              <a14:hiddenFill xmlns:a14="http://schemas.microsoft.com/office/drawing/2010/main">
-                <a:solidFill>
-                  <a:schemeClr val="accent1"/>
-                </a:solidFill>
-              </a14:hiddenFill>
-            </a:ext>
-            <a:ext uri="{91240B29-F687-4F45-9708-019B960494DF}">
-              <a14:hiddenLine xmlns:a14="http://schemas.microsoft.com/office/drawing/2010/main" w="9525">
-                <a:solidFill>
-                  <a:schemeClr val="tx1"/>
-                </a:solidFill>
-                <a:miter lim="800000"/>
-                <a:headEnd/>
-                <a:tailEnd/>
-              </a14:hiddenLine>
-            </a:ext>
-            <a:ext uri="{AF507438-7753-43E0-B8FC-AC1667EBCBE1}">
-              <a14:hiddenEffects xmlns:a14="http://schemas.microsoft.com/office/drawing/2010/main">
-                <a:effectLst>
-                  <a:outerShdw dist="35921" dir="2700000" algn="ctr" rotWithShape="0">
-                    <a:schemeClr val="bg2"/>
-                  </a:outerShdw>
-                </a:effectLst>
-              </a14:hiddenEffects>
-            </a:ext>
-          </a:extLst>
         </p:spPr>
       </p:pic>
       <p:pic>
         <p:nvPicPr>
-          <p:cNvPr id="2057" name="Picture 9"/>
+          <p:cNvPr id="6" name="Image 5"/>
           <p:cNvPicPr>
-            <a:picLocks noChangeAspect="1" noChangeArrowheads="1"/>
+            <a:picLocks noChangeAspect="1"/>
           </p:cNvPicPr>
           <p:nvPr/>
         </p:nvPicPr>
         <p:blipFill>
-          <a:blip r:embed="rId5" cstate="print">
-            <a:extLst>
-              <a:ext uri="{28A0092B-C50C-407E-A947-70E740481C1C}">
-                <a14:useLocalDpi xmlns:a14="http://schemas.microsoft.com/office/drawing/2010/main" val="0"/>
-              </a:ext>
-            </a:extLst>
-          </a:blip>
-          <a:srcRect/>
+          <a:blip r:embed="rId5"/>
           <a:stretch>
             <a:fillRect/>
           </a:stretch>
         </p:blipFill>
-        <p:spPr bwMode="auto">
-          <a:xfrm>
-            <a:off x="2133600" y="2641362"/>
-            <a:ext cx="1817421" cy="1912400"/>
+        <p:spPr>
+          <a:xfrm>
+            <a:off x="98784" y="2667000"/>
+            <a:ext cx="1913374" cy="1803048"/>
           </a:xfrm>
           <a:prstGeom prst="rect">
             <a:avLst/>
           </a:prstGeom>
-          <a:noFill/>
-          <a:ln>
-            <a:noFill/>
-          </a:ln>
-          <a:effectLst/>
-          <a:extLst>
-            <a:ext uri="{909E8E84-426E-40DD-AFC4-6F175D3DCCD1}">
-              <a14:hiddenFill xmlns:a14="http://schemas.microsoft.com/office/drawing/2010/main">
-                <a:solidFill>
-                  <a:schemeClr val="accent1"/>
-                </a:solidFill>
-              </a14:hiddenFill>
-            </a:ext>
-            <a:ext uri="{91240B29-F687-4F45-9708-019B960494DF}">
-              <a14:hiddenLine xmlns:a14="http://schemas.microsoft.com/office/drawing/2010/main" w="9525">
-                <a:solidFill>
-                  <a:schemeClr val="tx1"/>
-                </a:solidFill>
-                <a:miter lim="800000"/>
-                <a:headEnd/>
-                <a:tailEnd/>
-              </a14:hiddenLine>
-            </a:ext>
-            <a:ext uri="{AF507438-7753-43E0-B8FC-AC1667EBCBE1}">
-              <a14:hiddenEffects xmlns:a14="http://schemas.microsoft.com/office/drawing/2010/main">
-                <a:effectLst>
-                  <a:outerShdw dist="35921" dir="2700000" algn="ctr" rotWithShape="0">
-                    <a:schemeClr val="bg2"/>
-                  </a:outerShdw>
-                </a:effectLst>
-              </a14:hiddenEffects>
-            </a:ext>
-          </a:extLst>
         </p:spPr>
       </p:pic>
-      <p:sp>
-        <p:nvSpPr>
-          <p:cNvPr id="4" name="TextBox 3"/>
-          <p:cNvSpPr txBox="1"/>
-          <p:nvPr/>
-        </p:nvSpPr>
-        <p:spPr>
-          <a:xfrm>
-            <a:off x="814406" y="2219087"/>
-            <a:ext cx="630301" cy="369332"/>
-          </a:xfrm>
-          <a:prstGeom prst="rect">
-            <a:avLst/>
-          </a:prstGeom>
-          <a:noFill/>
-        </p:spPr>
-        <p:txBody>
-          <a:bodyPr wrap="none" rtlCol="0">
-            <a:spAutoFit/>
-          </a:bodyPr>
-          <a:lstStyle/>
-          <a:p>
-            <a:r>
-              <a:rPr lang="en-US" dirty="0" smtClean="0"/>
-              <a:t>1||4</a:t>
-            </a:r>
-            <a:endParaRPr lang="en-US" dirty="0"/>
-          </a:p>
-        </p:txBody>
-      </p:sp>
-      <p:sp>
-        <p:nvSpPr>
-          <p:cNvPr id="15" name="TextBox 14"/>
-          <p:cNvSpPr txBox="1"/>
-          <p:nvPr/>
-        </p:nvSpPr>
-        <p:spPr>
-          <a:xfrm>
-            <a:off x="2719789" y="2219087"/>
-            <a:ext cx="630301" cy="369332"/>
-          </a:xfrm>
-          <a:prstGeom prst="rect">
-            <a:avLst/>
-          </a:prstGeom>
-          <a:noFill/>
-        </p:spPr>
-        <p:txBody>
-          <a:bodyPr wrap="none" rtlCol="0">
-            <a:spAutoFit/>
-          </a:bodyPr>
-          <a:lstStyle/>
-          <a:p>
-            <a:r>
-              <a:rPr lang="en-US" dirty="0"/>
-              <a:t>2</a:t>
-            </a:r>
-            <a:r>
-              <a:rPr lang="en-US" dirty="0" smtClean="0"/>
-              <a:t>||8</a:t>
-            </a:r>
-            <a:endParaRPr lang="en-US" dirty="0"/>
-          </a:p>
-        </p:txBody>
-      </p:sp>
-      <p:sp>
-        <p:nvSpPr>
-          <p:cNvPr id="16" name="TextBox 15"/>
-          <p:cNvSpPr txBox="1"/>
-          <p:nvPr/>
-        </p:nvSpPr>
-        <p:spPr>
-          <a:xfrm>
-            <a:off x="744459" y="4553762"/>
-            <a:ext cx="970137" cy="369332"/>
-          </a:xfrm>
-          <a:prstGeom prst="rect">
-            <a:avLst/>
-          </a:prstGeom>
-          <a:noFill/>
-        </p:spPr>
-        <p:txBody>
-          <a:bodyPr wrap="none" rtlCol="0">
-            <a:spAutoFit/>
-          </a:bodyPr>
-          <a:lstStyle/>
-          <a:p>
-            <a:r>
-              <a:rPr lang="en-US" dirty="0" smtClean="0"/>
-              <a:t>1|1||10</a:t>
-            </a:r>
-            <a:endParaRPr lang="en-US" dirty="0"/>
-          </a:p>
-        </p:txBody>
-      </p:sp>
-      <p:sp>
-        <p:nvSpPr>
-          <p:cNvPr id="17" name="TextBox 16"/>
-          <p:cNvSpPr txBox="1"/>
-          <p:nvPr/>
-        </p:nvSpPr>
-        <p:spPr>
-          <a:xfrm>
-            <a:off x="2557241" y="4553762"/>
-            <a:ext cx="970137" cy="369332"/>
-          </a:xfrm>
-          <a:prstGeom prst="rect">
-            <a:avLst/>
-          </a:prstGeom>
-          <a:noFill/>
-        </p:spPr>
-        <p:txBody>
-          <a:bodyPr wrap="none" rtlCol="0">
-            <a:spAutoFit/>
-          </a:bodyPr>
-          <a:lstStyle/>
-          <a:p>
-            <a:r>
-              <a:rPr lang="en-US" dirty="0" smtClean="0"/>
-              <a:t>1|2||19</a:t>
-            </a:r>
-            <a:endParaRPr lang="en-US" dirty="0"/>
-          </a:p>
-        </p:txBody>
-      </p:sp>
       <p:pic>
         <p:nvPicPr>
-          <p:cNvPr id="2058" name="Picture 10"/>
+          <p:cNvPr id="7" name="Image 6"/>
           <p:cNvPicPr>
-            <a:picLocks noChangeAspect="1" noChangeArrowheads="1"/>
+            <a:picLocks noChangeAspect="1"/>
           </p:cNvPicPr>
           <p:nvPr/>
         </p:nvPicPr>
         <p:blipFill>
-          <a:blip r:embed="rId6">
-            <a:extLst>
-              <a:ext uri="{28A0092B-C50C-407E-A947-70E740481C1C}">
-                <a14:useLocalDpi xmlns:a14="http://schemas.microsoft.com/office/drawing/2010/main" val="0"/>
-              </a:ext>
-            </a:extLst>
-          </a:blip>
-          <a:srcRect/>
+          <a:blip r:embed="rId6"/>
           <a:stretch>
             <a:fillRect/>
           </a:stretch>
         </p:blipFill>
-        <p:spPr bwMode="auto">
-          <a:xfrm>
-            <a:off x="4038600" y="281244"/>
-            <a:ext cx="3939367" cy="4272518"/>
+        <p:spPr>
+          <a:xfrm>
+            <a:off x="2058330" y="2685264"/>
+            <a:ext cx="1827870" cy="1803001"/>
           </a:xfrm>
           <a:prstGeom prst="rect">
             <a:avLst/>
           </a:prstGeom>
-          <a:noFill/>
-          <a:ln>
-            <a:noFill/>
-          </a:ln>
-          <a:effectLst/>
-          <a:extLst>
-            <a:ext uri="{909E8E84-426E-40DD-AFC4-6F175D3DCCD1}">
-              <a14:hiddenFill xmlns:a14="http://schemas.microsoft.com/office/drawing/2010/main">
-                <a:solidFill>
-                  <a:schemeClr val="accent1"/>
-                </a:solidFill>
-              </a14:hiddenFill>
-            </a:ext>
-            <a:ext uri="{91240B29-F687-4F45-9708-019B960494DF}">
-              <a14:hiddenLine xmlns:a14="http://schemas.microsoft.com/office/drawing/2010/main" w="9525">
-                <a:solidFill>
-                  <a:schemeClr val="tx1"/>
-                </a:solidFill>
-                <a:miter lim="800000"/>
-                <a:headEnd/>
-                <a:tailEnd/>
-              </a14:hiddenLine>
-            </a:ext>
-            <a:ext uri="{AF507438-7753-43E0-B8FC-AC1667EBCBE1}">
-              <a14:hiddenEffects xmlns:a14="http://schemas.microsoft.com/office/drawing/2010/main">
-                <a:effectLst>
-                  <a:outerShdw dist="35921" dir="2700000" algn="ctr" rotWithShape="0">
-                    <a:schemeClr val="bg2"/>
-                  </a:outerShdw>
-                </a:effectLst>
-              </a14:hiddenEffects>
-            </a:ext>
-          </a:extLst>
         </p:spPr>
       </p:pic>
     </p:spTree>

--- a/FiguresWiki/Examples.pptx
+++ b/FiguresWiki/Examples.pptx
@@ -20,6 +20,7 @@
     <p:sldId id="268" r:id="rId14"/>
     <p:sldId id="269" r:id="rId15"/>
     <p:sldId id="270" r:id="rId16"/>
+    <p:sldId id="271" r:id="rId17"/>
   </p:sldIdLst>
   <p:sldSz cx="9144000" cy="6858000" type="screen4x3"/>
   <p:notesSz cx="6858000" cy="9144000"/>
@@ -318,7 +319,7 @@
           <a:p>
             <a:fld id="{4AF8D1E4-79D5-419A-84F5-5184F8D0060F}" type="datetimeFigureOut">
               <a:rPr lang="en-US" smtClean="0"/>
-              <a:t>11/3/2017</a:t>
+              <a:t>11/4/2017</a:t>
             </a:fld>
             <a:endParaRPr lang="en-US" dirty="0"/>
           </a:p>
@@ -488,7 +489,7 @@
           <a:p>
             <a:fld id="{4AF8D1E4-79D5-419A-84F5-5184F8D0060F}" type="datetimeFigureOut">
               <a:rPr lang="en-US" smtClean="0"/>
-              <a:t>11/3/2017</a:t>
+              <a:t>11/4/2017</a:t>
             </a:fld>
             <a:endParaRPr lang="en-US" dirty="0"/>
           </a:p>
@@ -668,7 +669,7 @@
           <a:p>
             <a:fld id="{4AF8D1E4-79D5-419A-84F5-5184F8D0060F}" type="datetimeFigureOut">
               <a:rPr lang="en-US" smtClean="0"/>
-              <a:t>11/3/2017</a:t>
+              <a:t>11/4/2017</a:t>
             </a:fld>
             <a:endParaRPr lang="en-US" dirty="0"/>
           </a:p>
@@ -838,7 +839,7 @@
           <a:p>
             <a:fld id="{4AF8D1E4-79D5-419A-84F5-5184F8D0060F}" type="datetimeFigureOut">
               <a:rPr lang="en-US" smtClean="0"/>
-              <a:t>11/3/2017</a:t>
+              <a:t>11/4/2017</a:t>
             </a:fld>
             <a:endParaRPr lang="en-US" dirty="0"/>
           </a:p>
@@ -1084,7 +1085,7 @@
           <a:p>
             <a:fld id="{4AF8D1E4-79D5-419A-84F5-5184F8D0060F}" type="datetimeFigureOut">
               <a:rPr lang="en-US" smtClean="0"/>
-              <a:t>11/3/2017</a:t>
+              <a:t>11/4/2017</a:t>
             </a:fld>
             <a:endParaRPr lang="en-US" dirty="0"/>
           </a:p>
@@ -1372,7 +1373,7 @@
           <a:p>
             <a:fld id="{4AF8D1E4-79D5-419A-84F5-5184F8D0060F}" type="datetimeFigureOut">
               <a:rPr lang="en-US" smtClean="0"/>
-              <a:t>11/3/2017</a:t>
+              <a:t>11/4/2017</a:t>
             </a:fld>
             <a:endParaRPr lang="en-US" dirty="0"/>
           </a:p>
@@ -1794,7 +1795,7 @@
           <a:p>
             <a:fld id="{4AF8D1E4-79D5-419A-84F5-5184F8D0060F}" type="datetimeFigureOut">
               <a:rPr lang="en-US" smtClean="0"/>
-              <a:t>11/3/2017</a:t>
+              <a:t>11/4/2017</a:t>
             </a:fld>
             <a:endParaRPr lang="en-US" dirty="0"/>
           </a:p>
@@ -1912,7 +1913,7 @@
           <a:p>
             <a:fld id="{4AF8D1E4-79D5-419A-84F5-5184F8D0060F}" type="datetimeFigureOut">
               <a:rPr lang="en-US" smtClean="0"/>
-              <a:t>11/3/2017</a:t>
+              <a:t>11/4/2017</a:t>
             </a:fld>
             <a:endParaRPr lang="en-US" dirty="0"/>
           </a:p>
@@ -2007,7 +2008,7 @@
           <a:p>
             <a:fld id="{4AF8D1E4-79D5-419A-84F5-5184F8D0060F}" type="datetimeFigureOut">
               <a:rPr lang="en-US" smtClean="0"/>
-              <a:t>11/3/2017</a:t>
+              <a:t>11/4/2017</a:t>
             </a:fld>
             <a:endParaRPr lang="en-US" dirty="0"/>
           </a:p>
@@ -2284,7 +2285,7 @@
           <a:p>
             <a:fld id="{4AF8D1E4-79D5-419A-84F5-5184F8D0060F}" type="datetimeFigureOut">
               <a:rPr lang="en-US" smtClean="0"/>
-              <a:t>11/3/2017</a:t>
+              <a:t>11/4/2017</a:t>
             </a:fld>
             <a:endParaRPr lang="en-US" dirty="0"/>
           </a:p>
@@ -2537,7 +2538,7 @@
           <a:p>
             <a:fld id="{4AF8D1E4-79D5-419A-84F5-5184F8D0060F}" type="datetimeFigureOut">
               <a:rPr lang="en-US" smtClean="0"/>
-              <a:t>11/3/2017</a:t>
+              <a:t>11/4/2017</a:t>
             </a:fld>
             <a:endParaRPr lang="en-US" dirty="0"/>
           </a:p>
@@ -2750,7 +2751,7 @@
           <a:p>
             <a:fld id="{4AF8D1E4-79D5-419A-84F5-5184F8D0060F}" type="datetimeFigureOut">
               <a:rPr lang="en-US" smtClean="0"/>
-              <a:t>11/3/2017</a:t>
+              <a:t>11/4/2017</a:t>
             </a:fld>
             <a:endParaRPr lang="en-US" dirty="0"/>
           </a:p>
@@ -4636,6 +4637,139 @@
 </p:sld>
 </file>
 
+<file path=ppt/slides/slide16.xml><?xml version="1.0" encoding="utf-8"?>
+<p:sld xmlns:a="http://schemas.openxmlformats.org/drawingml/2006/main" xmlns:r="http://schemas.openxmlformats.org/officeDocument/2006/relationships" xmlns:p="http://schemas.openxmlformats.org/presentationml/2006/main">
+  <p:cSld>
+    <p:spTree>
+      <p:nvGrpSpPr>
+        <p:cNvPr id="1" name=""/>
+        <p:cNvGrpSpPr/>
+        <p:nvPr/>
+      </p:nvGrpSpPr>
+      <p:grpSpPr>
+        <a:xfrm>
+          <a:off x="0" y="0"/>
+          <a:ext cx="0" cy="0"/>
+          <a:chOff x="0" y="0"/>
+          <a:chExt cx="0" cy="0"/>
+        </a:xfrm>
+      </p:grpSpPr>
+      <p:pic>
+        <p:nvPicPr>
+          <p:cNvPr id="5" name="Image 4"/>
+          <p:cNvPicPr>
+            <a:picLocks noChangeAspect="1"/>
+          </p:cNvPicPr>
+          <p:nvPr/>
+        </p:nvPicPr>
+        <p:blipFill>
+          <a:blip r:embed="rId2"/>
+          <a:stretch>
+            <a:fillRect/>
+          </a:stretch>
+        </p:blipFill>
+        <p:spPr>
+          <a:xfrm>
+            <a:off x="441052" y="324464"/>
+            <a:ext cx="3550844" cy="2895600"/>
+          </a:xfrm>
+          <a:prstGeom prst="rect">
+            <a:avLst/>
+          </a:prstGeom>
+        </p:spPr>
+      </p:pic>
+      <p:pic>
+        <p:nvPicPr>
+          <p:cNvPr id="3" name="Image 2"/>
+          <p:cNvPicPr>
+            <a:picLocks noChangeAspect="1"/>
+          </p:cNvPicPr>
+          <p:nvPr/>
+        </p:nvPicPr>
+        <p:blipFill>
+          <a:blip r:embed="rId3"/>
+          <a:stretch>
+            <a:fillRect/>
+          </a:stretch>
+        </p:blipFill>
+        <p:spPr>
+          <a:xfrm>
+            <a:off x="3896032" y="324464"/>
+            <a:ext cx="3577576" cy="2848898"/>
+          </a:xfrm>
+          <a:prstGeom prst="rect">
+            <a:avLst/>
+          </a:prstGeom>
+        </p:spPr>
+      </p:pic>
+      <p:pic>
+        <p:nvPicPr>
+          <p:cNvPr id="4" name="Image 3"/>
+          <p:cNvPicPr>
+            <a:picLocks noChangeAspect="1"/>
+          </p:cNvPicPr>
+          <p:nvPr/>
+        </p:nvPicPr>
+        <p:blipFill>
+          <a:blip r:embed="rId4"/>
+          <a:stretch>
+            <a:fillRect/>
+          </a:stretch>
+        </p:blipFill>
+        <p:spPr>
+          <a:xfrm>
+            <a:off x="3988346" y="3173360"/>
+            <a:ext cx="3535756" cy="2922112"/>
+          </a:xfrm>
+          <a:prstGeom prst="rect">
+            <a:avLst/>
+          </a:prstGeom>
+        </p:spPr>
+      </p:pic>
+      <p:pic>
+        <p:nvPicPr>
+          <p:cNvPr id="7" name="Image 6"/>
+          <p:cNvPicPr>
+            <a:picLocks noChangeAspect="1"/>
+          </p:cNvPicPr>
+          <p:nvPr/>
+        </p:nvPicPr>
+        <p:blipFill>
+          <a:blip r:embed="rId5"/>
+          <a:stretch>
+            <a:fillRect/>
+          </a:stretch>
+        </p:blipFill>
+        <p:spPr>
+          <a:xfrm>
+            <a:off x="462222" y="3200400"/>
+            <a:ext cx="3529674" cy="2925144"/>
+          </a:xfrm>
+          <a:prstGeom prst="rect">
+            <a:avLst/>
+          </a:prstGeom>
+        </p:spPr>
+      </p:pic>
+    </p:spTree>
+    <p:extLst>
+      <p:ext uri="{BB962C8B-B14F-4D97-AF65-F5344CB8AC3E}">
+        <p14:creationId xmlns:p14="http://schemas.microsoft.com/office/powerpoint/2010/main" val="1129510667"/>
+      </p:ext>
+    </p:extLst>
+  </p:cSld>
+  <p:clrMapOvr>
+    <a:masterClrMapping/>
+  </p:clrMapOvr>
+  <p:timing>
+    <p:tnLst>
+      <p:par>
+        <p:cTn id="1" dur="indefinite" restart="never" nodeType="tmRoot"/>
+      </p:par>
+    </p:tnLst>
+  </p:timing>
+</p:sld>
+</file>
+
 <file path=ppt/slides/slide2.xml><?xml version="1.0" encoding="utf-8"?>
 <p:sld xmlns:a="http://schemas.openxmlformats.org/drawingml/2006/main" xmlns:r="http://schemas.openxmlformats.org/officeDocument/2006/relationships" xmlns:p="http://schemas.openxmlformats.org/presentationml/2006/main">
   <p:cSld>
@@ -4842,11 +4976,7 @@
           <a:p>
             <a:r>
               <a:rPr lang="en-US" dirty="0" smtClean="0"/>
-              <a:t>1</a:t>
-            </a:r>
-            <a:r>
-              <a:rPr lang="en-US" dirty="0" smtClean="0"/>
-              <a:t>||6</a:t>
+              <a:t>1||6</a:t>
             </a:r>
             <a:endParaRPr lang="en-US" dirty="0"/>
           </a:p>
@@ -4910,11 +5040,7 @@
           <a:p>
             <a:r>
               <a:rPr lang="en-US" dirty="0" smtClean="0"/>
-              <a:t>1|1||</a:t>
-            </a:r>
-            <a:r>
-              <a:rPr lang="en-US" dirty="0" smtClean="0"/>
-              <a:t>11</a:t>
+              <a:t>1|1||11</a:t>
             </a:r>
             <a:endParaRPr lang="en-US" dirty="0"/>
           </a:p>
@@ -4944,11 +5070,7 @@
           <a:p>
             <a:r>
               <a:rPr lang="en-US" dirty="0" smtClean="0"/>
-              <a:t>1|2||</a:t>
-            </a:r>
-            <a:r>
-              <a:rPr lang="en-US" dirty="0" smtClean="0"/>
-              <a:t>16</a:t>
+              <a:t>1|2||16</a:t>
             </a:r>
             <a:endParaRPr lang="en-US" dirty="0"/>
           </a:p>

--- a/FiguresWiki/Examples.pptx
+++ b/FiguresWiki/Examples.pptx
@@ -16,11 +16,16 @@
     <p:sldId id="264" r:id="rId10"/>
     <p:sldId id="265" r:id="rId11"/>
     <p:sldId id="266" r:id="rId12"/>
-    <p:sldId id="267" r:id="rId13"/>
-    <p:sldId id="268" r:id="rId14"/>
-    <p:sldId id="269" r:id="rId15"/>
-    <p:sldId id="270" r:id="rId16"/>
-    <p:sldId id="271" r:id="rId17"/>
+    <p:sldId id="276" r:id="rId13"/>
+    <p:sldId id="267" r:id="rId14"/>
+    <p:sldId id="268" r:id="rId15"/>
+    <p:sldId id="269" r:id="rId16"/>
+    <p:sldId id="274" r:id="rId17"/>
+    <p:sldId id="275" r:id="rId18"/>
+    <p:sldId id="270" r:id="rId19"/>
+    <p:sldId id="272" r:id="rId20"/>
+    <p:sldId id="273" r:id="rId21"/>
+    <p:sldId id="271" r:id="rId22"/>
   </p:sldIdLst>
   <p:sldSz cx="9144000" cy="6858000" type="screen4x3"/>
   <p:notesSz cx="6858000" cy="9144000"/>
@@ -319,7 +324,7 @@
           <a:p>
             <a:fld id="{4AF8D1E4-79D5-419A-84F5-5184F8D0060F}" type="datetimeFigureOut">
               <a:rPr lang="en-US" smtClean="0"/>
-              <a:t>11/4/2017</a:t>
+              <a:t>11/6/2017</a:t>
             </a:fld>
             <a:endParaRPr lang="en-US" dirty="0"/>
           </a:p>
@@ -489,7 +494,7 @@
           <a:p>
             <a:fld id="{4AF8D1E4-79D5-419A-84F5-5184F8D0060F}" type="datetimeFigureOut">
               <a:rPr lang="en-US" smtClean="0"/>
-              <a:t>11/4/2017</a:t>
+              <a:t>11/6/2017</a:t>
             </a:fld>
             <a:endParaRPr lang="en-US" dirty="0"/>
           </a:p>
@@ -669,7 +674,7 @@
           <a:p>
             <a:fld id="{4AF8D1E4-79D5-419A-84F5-5184F8D0060F}" type="datetimeFigureOut">
               <a:rPr lang="en-US" smtClean="0"/>
-              <a:t>11/4/2017</a:t>
+              <a:t>11/6/2017</a:t>
             </a:fld>
             <a:endParaRPr lang="en-US" dirty="0"/>
           </a:p>
@@ -839,7 +844,7 @@
           <a:p>
             <a:fld id="{4AF8D1E4-79D5-419A-84F5-5184F8D0060F}" type="datetimeFigureOut">
               <a:rPr lang="en-US" smtClean="0"/>
-              <a:t>11/4/2017</a:t>
+              <a:t>11/6/2017</a:t>
             </a:fld>
             <a:endParaRPr lang="en-US" dirty="0"/>
           </a:p>
@@ -1085,7 +1090,7 @@
           <a:p>
             <a:fld id="{4AF8D1E4-79D5-419A-84F5-5184F8D0060F}" type="datetimeFigureOut">
               <a:rPr lang="en-US" smtClean="0"/>
-              <a:t>11/4/2017</a:t>
+              <a:t>11/6/2017</a:t>
             </a:fld>
             <a:endParaRPr lang="en-US" dirty="0"/>
           </a:p>
@@ -1373,7 +1378,7 @@
           <a:p>
             <a:fld id="{4AF8D1E4-79D5-419A-84F5-5184F8D0060F}" type="datetimeFigureOut">
               <a:rPr lang="en-US" smtClean="0"/>
-              <a:t>11/4/2017</a:t>
+              <a:t>11/6/2017</a:t>
             </a:fld>
             <a:endParaRPr lang="en-US" dirty="0"/>
           </a:p>
@@ -1795,7 +1800,7 @@
           <a:p>
             <a:fld id="{4AF8D1E4-79D5-419A-84F5-5184F8D0060F}" type="datetimeFigureOut">
               <a:rPr lang="en-US" smtClean="0"/>
-              <a:t>11/4/2017</a:t>
+              <a:t>11/6/2017</a:t>
             </a:fld>
             <a:endParaRPr lang="en-US" dirty="0"/>
           </a:p>
@@ -1913,7 +1918,7 @@
           <a:p>
             <a:fld id="{4AF8D1E4-79D5-419A-84F5-5184F8D0060F}" type="datetimeFigureOut">
               <a:rPr lang="en-US" smtClean="0"/>
-              <a:t>11/4/2017</a:t>
+              <a:t>11/6/2017</a:t>
             </a:fld>
             <a:endParaRPr lang="en-US" dirty="0"/>
           </a:p>
@@ -2008,7 +2013,7 @@
           <a:p>
             <a:fld id="{4AF8D1E4-79D5-419A-84F5-5184F8D0060F}" type="datetimeFigureOut">
               <a:rPr lang="en-US" smtClean="0"/>
-              <a:t>11/4/2017</a:t>
+              <a:t>11/6/2017</a:t>
             </a:fld>
             <a:endParaRPr lang="en-US" dirty="0"/>
           </a:p>
@@ -2285,7 +2290,7 @@
           <a:p>
             <a:fld id="{4AF8D1E4-79D5-419A-84F5-5184F8D0060F}" type="datetimeFigureOut">
               <a:rPr lang="en-US" smtClean="0"/>
-              <a:t>11/4/2017</a:t>
+              <a:t>11/6/2017</a:t>
             </a:fld>
             <a:endParaRPr lang="en-US" dirty="0"/>
           </a:p>
@@ -2538,7 +2543,7 @@
           <a:p>
             <a:fld id="{4AF8D1E4-79D5-419A-84F5-5184F8D0060F}" type="datetimeFigureOut">
               <a:rPr lang="en-US" smtClean="0"/>
-              <a:t>11/4/2017</a:t>
+              <a:t>11/6/2017</a:t>
             </a:fld>
             <a:endParaRPr lang="en-US" dirty="0"/>
           </a:p>
@@ -2751,7 +2756,7 @@
           <a:p>
             <a:fld id="{4AF8D1E4-79D5-419A-84F5-5184F8D0060F}" type="datetimeFigureOut">
               <a:rPr lang="en-US" smtClean="0"/>
-              <a:t>11/4/2017</a:t>
+              <a:t>11/6/2017</a:t>
             </a:fld>
             <a:endParaRPr lang="en-US" dirty="0"/>
           </a:p>
@@ -3971,6 +3976,143 @@
       </p:grpSpPr>
       <p:pic>
         <p:nvPicPr>
+          <p:cNvPr id="4" name="Image 3"/>
+          <p:cNvPicPr>
+            <a:picLocks noChangeAspect="1"/>
+          </p:cNvPicPr>
+          <p:nvPr/>
+        </p:nvPicPr>
+        <p:blipFill rotWithShape="1">
+          <a:blip r:embed="rId2"/>
+          <a:srcRect b="1360"/>
+          <a:stretch/>
+        </p:blipFill>
+        <p:spPr>
+          <a:xfrm>
+            <a:off x="152401" y="838200"/>
+            <a:ext cx="4724400" cy="4108030"/>
+          </a:xfrm>
+          <a:prstGeom prst="rect">
+            <a:avLst/>
+          </a:prstGeom>
+        </p:spPr>
+      </p:pic>
+      <p:sp>
+        <p:nvSpPr>
+          <p:cNvPr id="5" name="Rectangle 4"/>
+          <p:cNvSpPr/>
+          <p:nvPr/>
+        </p:nvSpPr>
+        <p:spPr>
+          <a:xfrm>
+            <a:off x="1752600" y="3124200"/>
+            <a:ext cx="1143000" cy="1066800"/>
+          </a:xfrm>
+          <a:prstGeom prst="rect">
+            <a:avLst/>
+          </a:prstGeom>
+          <a:noFill/>
+          <a:ln>
+            <a:solidFill>
+              <a:schemeClr val="tx1"/>
+            </a:solidFill>
+            <a:prstDash val="dash"/>
+          </a:ln>
+        </p:spPr>
+        <p:style>
+          <a:lnRef idx="2">
+            <a:schemeClr val="accent1">
+              <a:shade val="50000"/>
+            </a:schemeClr>
+          </a:lnRef>
+          <a:fillRef idx="1">
+            <a:schemeClr val="accent1"/>
+          </a:fillRef>
+          <a:effectRef idx="0">
+            <a:schemeClr val="accent1"/>
+          </a:effectRef>
+          <a:fontRef idx="minor">
+            <a:schemeClr val="lt1"/>
+          </a:fontRef>
+        </p:style>
+        <p:txBody>
+          <a:bodyPr rtlCol="0" anchor="ctr"/>
+          <a:lstStyle/>
+          <a:p>
+            <a:pPr algn="ctr"/>
+            <a:endParaRPr lang="en-US"/>
+          </a:p>
+        </p:txBody>
+      </p:sp>
+      <p:pic>
+        <p:nvPicPr>
+          <p:cNvPr id="6" name="Image 5"/>
+          <p:cNvPicPr>
+            <a:picLocks noChangeAspect="1"/>
+          </p:cNvPicPr>
+          <p:nvPr/>
+        </p:nvPicPr>
+        <p:blipFill>
+          <a:blip r:embed="rId3"/>
+          <a:stretch>
+            <a:fillRect/>
+          </a:stretch>
+        </p:blipFill>
+        <p:spPr>
+          <a:xfrm>
+            <a:off x="5181600" y="1725402"/>
+            <a:ext cx="3339924" cy="2333625"/>
+          </a:xfrm>
+          <a:prstGeom prst="rect">
+            <a:avLst/>
+          </a:prstGeom>
+          <a:ln w="38100">
+            <a:solidFill>
+              <a:schemeClr val="tx1"/>
+            </a:solidFill>
+            <a:prstDash val="dash"/>
+          </a:ln>
+        </p:spPr>
+      </p:pic>
+    </p:spTree>
+    <p:extLst>
+      <p:ext uri="{BB962C8B-B14F-4D97-AF65-F5344CB8AC3E}">
+        <p14:creationId xmlns:p14="http://schemas.microsoft.com/office/powerpoint/2010/main" val="291644856"/>
+      </p:ext>
+    </p:extLst>
+  </p:cSld>
+  <p:clrMapOvr>
+    <a:masterClrMapping/>
+  </p:clrMapOvr>
+  <p:timing>
+    <p:tnLst>
+      <p:par>
+        <p:cTn id="1" dur="indefinite" restart="never" nodeType="tmRoot"/>
+      </p:par>
+    </p:tnLst>
+  </p:timing>
+</p:sld>
+</file>
+
+<file path=ppt/slides/slide13.xml><?xml version="1.0" encoding="utf-8"?>
+<p:sld xmlns:a="http://schemas.openxmlformats.org/drawingml/2006/main" xmlns:r="http://schemas.openxmlformats.org/officeDocument/2006/relationships" xmlns:p="http://schemas.openxmlformats.org/presentationml/2006/main">
+  <p:cSld>
+    <p:spTree>
+      <p:nvGrpSpPr>
+        <p:cNvPr id="1" name=""/>
+        <p:cNvGrpSpPr/>
+        <p:nvPr/>
+      </p:nvGrpSpPr>
+      <p:grpSpPr>
+        <a:xfrm>
+          <a:off x="0" y="0"/>
+          <a:ext cx="0" cy="0"/>
+          <a:chOff x="0" y="0"/>
+          <a:chExt cx="0" cy="0"/>
+        </a:xfrm>
+      </p:grpSpPr>
+      <p:pic>
+        <p:nvPicPr>
           <p:cNvPr id="6146" name="Picture 2"/>
           <p:cNvPicPr>
             <a:picLocks noChangeAspect="1" noChangeArrowheads="1"/>
@@ -4053,7 +4195,7 @@
 </p:sld>
 </file>
 
-<file path=ppt/slides/slide13.xml><?xml version="1.0" encoding="utf-8"?>
+<file path=ppt/slides/slide14.xml><?xml version="1.0" encoding="utf-8"?>
 <p:sld xmlns:a="http://schemas.openxmlformats.org/drawingml/2006/main" xmlns:r="http://schemas.openxmlformats.org/officeDocument/2006/relationships" xmlns:p="http://schemas.openxmlformats.org/presentationml/2006/main">
   <p:cSld>
     <p:spTree>
@@ -4265,7 +4407,7 @@
 </p:sld>
 </file>
 
-<file path=ppt/slides/slide14.xml><?xml version="1.0" encoding="utf-8"?>
+<file path=ppt/slides/slide15.xml><?xml version="1.0" encoding="utf-8"?>
 <p:sld xmlns:a="http://schemas.openxmlformats.org/drawingml/2006/main" xmlns:r="http://schemas.openxmlformats.org/officeDocument/2006/relationships" xmlns:p="http://schemas.openxmlformats.org/presentationml/2006/main">
   <p:cSld>
     <p:spTree>
@@ -4414,213 +4556,6 @@
     <p:extLst>
       <p:ext uri="{BB962C8B-B14F-4D97-AF65-F5344CB8AC3E}">
         <p14:creationId xmlns:p14="http://schemas.microsoft.com/office/powerpoint/2010/main" val="3718445551"/>
-      </p:ext>
-    </p:extLst>
-  </p:cSld>
-  <p:clrMapOvr>
-    <a:masterClrMapping/>
-  </p:clrMapOvr>
-  <p:timing>
-    <p:tnLst>
-      <p:par>
-        <p:cTn id="1" dur="indefinite" restart="never" nodeType="tmRoot"/>
-      </p:par>
-    </p:tnLst>
-  </p:timing>
-</p:sld>
-</file>
-
-<file path=ppt/slides/slide15.xml><?xml version="1.0" encoding="utf-8"?>
-<p:sld xmlns:a="http://schemas.openxmlformats.org/drawingml/2006/main" xmlns:r="http://schemas.openxmlformats.org/officeDocument/2006/relationships" xmlns:p="http://schemas.openxmlformats.org/presentationml/2006/main">
-  <p:cSld>
-    <p:spTree>
-      <p:nvGrpSpPr>
-        <p:cNvPr id="1" name=""/>
-        <p:cNvGrpSpPr/>
-        <p:nvPr/>
-      </p:nvGrpSpPr>
-      <p:grpSpPr>
-        <a:xfrm>
-          <a:off x="0" y="0"/>
-          <a:ext cx="0" cy="0"/>
-          <a:chOff x="0" y="0"/>
-          <a:chExt cx="0" cy="0"/>
-        </a:xfrm>
-      </p:grpSpPr>
-      <p:pic>
-        <p:nvPicPr>
-          <p:cNvPr id="9218" name="Picture 2"/>
-          <p:cNvPicPr>
-            <a:picLocks noChangeAspect="1" noChangeArrowheads="1"/>
-          </p:cNvPicPr>
-          <p:nvPr/>
-        </p:nvPicPr>
-        <p:blipFill>
-          <a:blip r:embed="rId2">
-            <a:extLst>
-              <a:ext uri="{28A0092B-C50C-407E-A947-70E740481C1C}">
-                <a14:useLocalDpi xmlns:a14="http://schemas.microsoft.com/office/drawing/2010/main" val="0"/>
-              </a:ext>
-            </a:extLst>
-          </a:blip>
-          <a:srcRect/>
-          <a:stretch>
-            <a:fillRect/>
-          </a:stretch>
-        </p:blipFill>
-        <p:spPr bwMode="auto">
-          <a:xfrm>
-            <a:off x="4724400" y="1600200"/>
-            <a:ext cx="3902534" cy="3168650"/>
-          </a:xfrm>
-          <a:prstGeom prst="rect">
-            <a:avLst/>
-          </a:prstGeom>
-          <a:noFill/>
-          <a:ln w="9525">
-            <a:solidFill>
-              <a:schemeClr val="tx1"/>
-            </a:solidFill>
-            <a:miter lim="800000"/>
-            <a:headEnd/>
-            <a:tailEnd/>
-          </a:ln>
-          <a:effectLst/>
-          <a:extLst>
-            <a:ext uri="{909E8E84-426E-40DD-AFC4-6F175D3DCCD1}">
-              <a14:hiddenFill xmlns:a14="http://schemas.microsoft.com/office/drawing/2010/main">
-                <a:solidFill>
-                  <a:schemeClr val="accent1"/>
-                </a:solidFill>
-              </a14:hiddenFill>
-            </a:ext>
-            <a:ext uri="{AF507438-7753-43E0-B8FC-AC1667EBCBE1}">
-              <a14:hiddenEffects xmlns:a14="http://schemas.microsoft.com/office/drawing/2010/main">
-                <a:effectLst>
-                  <a:outerShdw dist="35921" dir="2700000" algn="ctr" rotWithShape="0">
-                    <a:schemeClr val="bg2"/>
-                  </a:outerShdw>
-                </a:effectLst>
-              </a14:hiddenEffects>
-            </a:ext>
-          </a:extLst>
-        </p:spPr>
-      </p:pic>
-      <p:pic>
-        <p:nvPicPr>
-          <p:cNvPr id="9219" name="Picture 3"/>
-          <p:cNvPicPr>
-            <a:picLocks noChangeAspect="1" noChangeArrowheads="1"/>
-          </p:cNvPicPr>
-          <p:nvPr/>
-        </p:nvPicPr>
-        <p:blipFill>
-          <a:blip r:embed="rId3">
-            <a:extLst>
-              <a:ext uri="{28A0092B-C50C-407E-A947-70E740481C1C}">
-                <a14:useLocalDpi xmlns:a14="http://schemas.microsoft.com/office/drawing/2010/main" val="0"/>
-              </a:ext>
-            </a:extLst>
-          </a:blip>
-          <a:srcRect/>
-          <a:stretch>
-            <a:fillRect/>
-          </a:stretch>
-        </p:blipFill>
-        <p:spPr bwMode="auto">
-          <a:xfrm>
-            <a:off x="304800" y="1600200"/>
-            <a:ext cx="4125286" cy="3286125"/>
-          </a:xfrm>
-          <a:prstGeom prst="rect">
-            <a:avLst/>
-          </a:prstGeom>
-          <a:noFill/>
-          <a:ln>
-            <a:noFill/>
-          </a:ln>
-          <a:effectLst/>
-          <a:extLst>
-            <a:ext uri="{909E8E84-426E-40DD-AFC4-6F175D3DCCD1}">
-              <a14:hiddenFill xmlns:a14="http://schemas.microsoft.com/office/drawing/2010/main">
-                <a:solidFill>
-                  <a:schemeClr val="accent1"/>
-                </a:solidFill>
-              </a14:hiddenFill>
-            </a:ext>
-            <a:ext uri="{91240B29-F687-4F45-9708-019B960494DF}">
-              <a14:hiddenLine xmlns:a14="http://schemas.microsoft.com/office/drawing/2010/main" w="9525">
-                <a:solidFill>
-                  <a:schemeClr val="tx1"/>
-                </a:solidFill>
-                <a:miter lim="800000"/>
-                <a:headEnd/>
-                <a:tailEnd/>
-              </a14:hiddenLine>
-            </a:ext>
-            <a:ext uri="{AF507438-7753-43E0-B8FC-AC1667EBCBE1}">
-              <a14:hiddenEffects xmlns:a14="http://schemas.microsoft.com/office/drawing/2010/main">
-                <a:effectLst>
-                  <a:outerShdw dist="35921" dir="2700000" algn="ctr" rotWithShape="0">
-                    <a:schemeClr val="bg2"/>
-                  </a:outerShdw>
-                </a:effectLst>
-              </a14:hiddenEffects>
-            </a:ext>
-          </a:extLst>
-        </p:spPr>
-      </p:pic>
-      <p:sp>
-        <p:nvSpPr>
-          <p:cNvPr id="6" name="Rectangle 5"/>
-          <p:cNvSpPr/>
-          <p:nvPr/>
-        </p:nvSpPr>
-        <p:spPr>
-          <a:xfrm>
-            <a:off x="1447800" y="3505200"/>
-            <a:ext cx="1143000" cy="1066800"/>
-          </a:xfrm>
-          <a:prstGeom prst="rect">
-            <a:avLst/>
-          </a:prstGeom>
-          <a:noFill/>
-          <a:ln>
-            <a:solidFill>
-              <a:schemeClr val="tx1"/>
-            </a:solidFill>
-            <a:prstDash val="dash"/>
-          </a:ln>
-        </p:spPr>
-        <p:style>
-          <a:lnRef idx="2">
-            <a:schemeClr val="accent1">
-              <a:shade val="50000"/>
-            </a:schemeClr>
-          </a:lnRef>
-          <a:fillRef idx="1">
-            <a:schemeClr val="accent1"/>
-          </a:fillRef>
-          <a:effectRef idx="0">
-            <a:schemeClr val="accent1"/>
-          </a:effectRef>
-          <a:fontRef idx="minor">
-            <a:schemeClr val="lt1"/>
-          </a:fontRef>
-        </p:style>
-        <p:txBody>
-          <a:bodyPr rtlCol="0" anchor="ctr"/>
-          <a:lstStyle/>
-          <a:p>
-            <a:pPr algn="ctr"/>
-            <a:endParaRPr lang="en-US"/>
-          </a:p>
-        </p:txBody>
-      </p:sp>
-    </p:spTree>
-    <p:extLst>
-      <p:ext uri="{BB962C8B-B14F-4D97-AF65-F5344CB8AC3E}">
-        <p14:creationId xmlns:p14="http://schemas.microsoft.com/office/powerpoint/2010/main" val="1337374101"/>
       </p:ext>
     </p:extLst>
   </p:cSld>
@@ -4670,17 +4605,64 @@
         </p:blipFill>
         <p:spPr>
           <a:xfrm>
-            <a:off x="441052" y="324464"/>
-            <a:ext cx="3550844" cy="2895600"/>
+            <a:off x="152401" y="762000"/>
+            <a:ext cx="4267200" cy="3417160"/>
           </a:xfrm>
           <a:prstGeom prst="rect">
             <a:avLst/>
           </a:prstGeom>
         </p:spPr>
       </p:pic>
+      <p:sp>
+        <p:nvSpPr>
+          <p:cNvPr id="6" name="Rectangle 5"/>
+          <p:cNvSpPr/>
+          <p:nvPr/>
+        </p:nvSpPr>
+        <p:spPr>
+          <a:xfrm>
+            <a:off x="1600200" y="2209800"/>
+            <a:ext cx="914400" cy="762000"/>
+          </a:xfrm>
+          <a:prstGeom prst="rect">
+            <a:avLst/>
+          </a:prstGeom>
+          <a:noFill/>
+          <a:ln>
+            <a:solidFill>
+              <a:schemeClr val="tx1"/>
+            </a:solidFill>
+            <a:prstDash val="dash"/>
+          </a:ln>
+        </p:spPr>
+        <p:style>
+          <a:lnRef idx="2">
+            <a:schemeClr val="accent1">
+              <a:shade val="50000"/>
+            </a:schemeClr>
+          </a:lnRef>
+          <a:fillRef idx="1">
+            <a:schemeClr val="accent1"/>
+          </a:fillRef>
+          <a:effectRef idx="0">
+            <a:schemeClr val="accent1"/>
+          </a:effectRef>
+          <a:fontRef idx="minor">
+            <a:schemeClr val="lt1"/>
+          </a:fontRef>
+        </p:style>
+        <p:txBody>
+          <a:bodyPr rtlCol="0" anchor="ctr"/>
+          <a:lstStyle/>
+          <a:p>
+            <a:pPr algn="ctr"/>
+            <a:endParaRPr lang="en-GB"/>
+          </a:p>
+        </p:txBody>
+      </p:sp>
       <p:pic>
         <p:nvPicPr>
-          <p:cNvPr id="3" name="Image 2"/>
+          <p:cNvPr id="7" name="Image 6"/>
           <p:cNvPicPr>
             <a:picLocks noChangeAspect="1"/>
           </p:cNvPicPr>
@@ -4694,17 +4676,672 @@
         </p:blipFill>
         <p:spPr>
           <a:xfrm>
-            <a:off x="3896032" y="324464"/>
-            <a:ext cx="3577576" cy="2848898"/>
-          </a:xfrm>
-          <a:prstGeom prst="rect">
-            <a:avLst/>
-          </a:prstGeom>
+            <a:off x="4648200" y="1220069"/>
+            <a:ext cx="2843213" cy="2501021"/>
+          </a:xfrm>
+          <a:prstGeom prst="rect">
+            <a:avLst/>
+          </a:prstGeom>
+          <a:ln w="63500">
+            <a:solidFill>
+              <a:schemeClr val="tx1"/>
+            </a:solidFill>
+            <a:prstDash val="dash"/>
+          </a:ln>
+        </p:spPr>
+      </p:pic>
+    </p:spTree>
+    <p:extLst>
+      <p:ext uri="{BB962C8B-B14F-4D97-AF65-F5344CB8AC3E}">
+        <p14:creationId xmlns:p14="http://schemas.microsoft.com/office/powerpoint/2010/main" val="548944189"/>
+      </p:ext>
+    </p:extLst>
+  </p:cSld>
+  <p:clrMapOvr>
+    <a:masterClrMapping/>
+  </p:clrMapOvr>
+  <p:timing>
+    <p:tnLst>
+      <p:par>
+        <p:cTn id="1" dur="indefinite" restart="never" nodeType="tmRoot"/>
+      </p:par>
+    </p:tnLst>
+  </p:timing>
+</p:sld>
+</file>
+
+<file path=ppt/slides/slide17.xml><?xml version="1.0" encoding="utf-8"?>
+<p:sld xmlns:a="http://schemas.openxmlformats.org/drawingml/2006/main" xmlns:r="http://schemas.openxmlformats.org/officeDocument/2006/relationships" xmlns:p="http://schemas.openxmlformats.org/presentationml/2006/main">
+  <p:cSld>
+    <p:spTree>
+      <p:nvGrpSpPr>
+        <p:cNvPr id="1" name=""/>
+        <p:cNvGrpSpPr/>
+        <p:nvPr/>
+      </p:nvGrpSpPr>
+      <p:grpSpPr>
+        <a:xfrm>
+          <a:off x="0" y="0"/>
+          <a:ext cx="0" cy="0"/>
+          <a:chOff x="0" y="0"/>
+          <a:chExt cx="0" cy="0"/>
+        </a:xfrm>
+      </p:grpSpPr>
+      <p:pic>
+        <p:nvPicPr>
+          <p:cNvPr id="3" name="Image 2"/>
+          <p:cNvPicPr>
+            <a:picLocks noChangeAspect="1"/>
+          </p:cNvPicPr>
+          <p:nvPr/>
+        </p:nvPicPr>
+        <p:blipFill>
+          <a:blip r:embed="rId2"/>
+          <a:stretch>
+            <a:fillRect/>
+          </a:stretch>
+        </p:blipFill>
+        <p:spPr>
+          <a:xfrm>
+            <a:off x="228600" y="762000"/>
+            <a:ext cx="4186434" cy="3429000"/>
+          </a:xfrm>
+          <a:prstGeom prst="rect">
+            <a:avLst/>
+          </a:prstGeom>
+        </p:spPr>
+      </p:pic>
+      <p:sp>
+        <p:nvSpPr>
+          <p:cNvPr id="6" name="Rectangle 5"/>
+          <p:cNvSpPr/>
+          <p:nvPr/>
+        </p:nvSpPr>
+        <p:spPr>
+          <a:xfrm>
+            <a:off x="1447800" y="2875936"/>
+            <a:ext cx="1066800" cy="990600"/>
+          </a:xfrm>
+          <a:prstGeom prst="rect">
+            <a:avLst/>
+          </a:prstGeom>
+          <a:noFill/>
+          <a:ln>
+            <a:solidFill>
+              <a:schemeClr val="tx1"/>
+            </a:solidFill>
+            <a:prstDash val="dash"/>
+          </a:ln>
+        </p:spPr>
+        <p:style>
+          <a:lnRef idx="2">
+            <a:schemeClr val="accent1">
+              <a:shade val="50000"/>
+            </a:schemeClr>
+          </a:lnRef>
+          <a:fillRef idx="1">
+            <a:schemeClr val="accent1"/>
+          </a:fillRef>
+          <a:effectRef idx="0">
+            <a:schemeClr val="accent1"/>
+          </a:effectRef>
+          <a:fontRef idx="minor">
+            <a:schemeClr val="lt1"/>
+          </a:fontRef>
+        </p:style>
+        <p:txBody>
+          <a:bodyPr rtlCol="0" anchor="ctr"/>
+          <a:lstStyle/>
+          <a:p>
+            <a:pPr algn="ctr"/>
+            <a:endParaRPr lang="en-GB"/>
+          </a:p>
+        </p:txBody>
+      </p:sp>
+      <p:pic>
+        <p:nvPicPr>
+          <p:cNvPr id="2" name="Image 1"/>
+          <p:cNvPicPr>
+            <a:picLocks noChangeAspect="1"/>
+          </p:cNvPicPr>
+          <p:nvPr/>
+        </p:nvPicPr>
+        <p:blipFill rotWithShape="1">
+          <a:blip r:embed="rId3"/>
+          <a:srcRect t="2191"/>
+          <a:stretch/>
+        </p:blipFill>
+        <p:spPr>
+          <a:xfrm>
+            <a:off x="4572000" y="838200"/>
+            <a:ext cx="4184172" cy="3276600"/>
+          </a:xfrm>
+          <a:prstGeom prst="rect">
+            <a:avLst/>
+          </a:prstGeom>
+          <a:ln w="38100">
+            <a:solidFill>
+              <a:schemeClr val="tx1"/>
+            </a:solidFill>
+            <a:prstDash val="dash"/>
+          </a:ln>
+        </p:spPr>
+      </p:pic>
+    </p:spTree>
+    <p:extLst>
+      <p:ext uri="{BB962C8B-B14F-4D97-AF65-F5344CB8AC3E}">
+        <p14:creationId xmlns:p14="http://schemas.microsoft.com/office/powerpoint/2010/main" val="45345204"/>
+      </p:ext>
+    </p:extLst>
+  </p:cSld>
+  <p:clrMapOvr>
+    <a:masterClrMapping/>
+  </p:clrMapOvr>
+  <p:timing>
+    <p:tnLst>
+      <p:par>
+        <p:cTn id="1" dur="indefinite" restart="never" nodeType="tmRoot"/>
+      </p:par>
+    </p:tnLst>
+  </p:timing>
+</p:sld>
+</file>
+
+<file path=ppt/slides/slide18.xml><?xml version="1.0" encoding="utf-8"?>
+<p:sld xmlns:a="http://schemas.openxmlformats.org/drawingml/2006/main" xmlns:r="http://schemas.openxmlformats.org/officeDocument/2006/relationships" xmlns:p="http://schemas.openxmlformats.org/presentationml/2006/main">
+  <p:cSld>
+    <p:spTree>
+      <p:nvGrpSpPr>
+        <p:cNvPr id="1" name=""/>
+        <p:cNvGrpSpPr/>
+        <p:nvPr/>
+      </p:nvGrpSpPr>
+      <p:grpSpPr>
+        <a:xfrm>
+          <a:off x="0" y="0"/>
+          <a:ext cx="0" cy="0"/>
+          <a:chOff x="0" y="0"/>
+          <a:chExt cx="0" cy="0"/>
+        </a:xfrm>
+      </p:grpSpPr>
+      <p:pic>
+        <p:nvPicPr>
+          <p:cNvPr id="9218" name="Picture 2"/>
+          <p:cNvPicPr>
+            <a:picLocks noChangeAspect="1" noChangeArrowheads="1"/>
+          </p:cNvPicPr>
+          <p:nvPr/>
+        </p:nvPicPr>
+        <p:blipFill>
+          <a:blip r:embed="rId2">
+            <a:extLst>
+              <a:ext uri="{28A0092B-C50C-407E-A947-70E740481C1C}">
+                <a14:useLocalDpi xmlns:a14="http://schemas.microsoft.com/office/drawing/2010/main" val="0"/>
+              </a:ext>
+            </a:extLst>
+          </a:blip>
+          <a:srcRect/>
+          <a:stretch>
+            <a:fillRect/>
+          </a:stretch>
+        </p:blipFill>
+        <p:spPr bwMode="auto">
+          <a:xfrm>
+            <a:off x="4724400" y="1600200"/>
+            <a:ext cx="3902534" cy="3168650"/>
+          </a:xfrm>
+          <a:prstGeom prst="rect">
+            <a:avLst/>
+          </a:prstGeom>
+          <a:noFill/>
+          <a:ln w="9525">
+            <a:solidFill>
+              <a:schemeClr val="tx1"/>
+            </a:solidFill>
+            <a:miter lim="800000"/>
+            <a:headEnd/>
+            <a:tailEnd/>
+          </a:ln>
+          <a:effectLst/>
+          <a:extLst>
+            <a:ext uri="{909E8E84-426E-40DD-AFC4-6F175D3DCCD1}">
+              <a14:hiddenFill xmlns:a14="http://schemas.microsoft.com/office/drawing/2010/main">
+                <a:solidFill>
+                  <a:schemeClr val="accent1"/>
+                </a:solidFill>
+              </a14:hiddenFill>
+            </a:ext>
+            <a:ext uri="{AF507438-7753-43E0-B8FC-AC1667EBCBE1}">
+              <a14:hiddenEffects xmlns:a14="http://schemas.microsoft.com/office/drawing/2010/main">
+                <a:effectLst>
+                  <a:outerShdw dist="35921" dir="2700000" algn="ctr" rotWithShape="0">
+                    <a:schemeClr val="bg2"/>
+                  </a:outerShdw>
+                </a:effectLst>
+              </a14:hiddenEffects>
+            </a:ext>
+          </a:extLst>
         </p:spPr>
       </p:pic>
       <p:pic>
         <p:nvPicPr>
-          <p:cNvPr id="4" name="Image 3"/>
+          <p:cNvPr id="9219" name="Picture 3"/>
+          <p:cNvPicPr>
+            <a:picLocks noChangeAspect="1" noChangeArrowheads="1"/>
+          </p:cNvPicPr>
+          <p:nvPr/>
+        </p:nvPicPr>
+        <p:blipFill>
+          <a:blip r:embed="rId3">
+            <a:extLst>
+              <a:ext uri="{28A0092B-C50C-407E-A947-70E740481C1C}">
+                <a14:useLocalDpi xmlns:a14="http://schemas.microsoft.com/office/drawing/2010/main" val="0"/>
+              </a:ext>
+            </a:extLst>
+          </a:blip>
+          <a:srcRect/>
+          <a:stretch>
+            <a:fillRect/>
+          </a:stretch>
+        </p:blipFill>
+        <p:spPr bwMode="auto">
+          <a:xfrm>
+            <a:off x="304800" y="1600200"/>
+            <a:ext cx="4125286" cy="3286125"/>
+          </a:xfrm>
+          <a:prstGeom prst="rect">
+            <a:avLst/>
+          </a:prstGeom>
+          <a:noFill/>
+          <a:ln>
+            <a:noFill/>
+          </a:ln>
+          <a:effectLst/>
+          <a:extLst>
+            <a:ext uri="{909E8E84-426E-40DD-AFC4-6F175D3DCCD1}">
+              <a14:hiddenFill xmlns:a14="http://schemas.microsoft.com/office/drawing/2010/main">
+                <a:solidFill>
+                  <a:schemeClr val="accent1"/>
+                </a:solidFill>
+              </a14:hiddenFill>
+            </a:ext>
+            <a:ext uri="{91240B29-F687-4F45-9708-019B960494DF}">
+              <a14:hiddenLine xmlns:a14="http://schemas.microsoft.com/office/drawing/2010/main" w="9525">
+                <a:solidFill>
+                  <a:schemeClr val="tx1"/>
+                </a:solidFill>
+                <a:miter lim="800000"/>
+                <a:headEnd/>
+                <a:tailEnd/>
+              </a14:hiddenLine>
+            </a:ext>
+            <a:ext uri="{AF507438-7753-43E0-B8FC-AC1667EBCBE1}">
+              <a14:hiddenEffects xmlns:a14="http://schemas.microsoft.com/office/drawing/2010/main">
+                <a:effectLst>
+                  <a:outerShdw dist="35921" dir="2700000" algn="ctr" rotWithShape="0">
+                    <a:schemeClr val="bg2"/>
+                  </a:outerShdw>
+                </a:effectLst>
+              </a14:hiddenEffects>
+            </a:ext>
+          </a:extLst>
+        </p:spPr>
+      </p:pic>
+      <p:sp>
+        <p:nvSpPr>
+          <p:cNvPr id="6" name="Rectangle 5"/>
+          <p:cNvSpPr/>
+          <p:nvPr/>
+        </p:nvSpPr>
+        <p:spPr>
+          <a:xfrm>
+            <a:off x="1447800" y="3505200"/>
+            <a:ext cx="1143000" cy="1066800"/>
+          </a:xfrm>
+          <a:prstGeom prst="rect">
+            <a:avLst/>
+          </a:prstGeom>
+          <a:noFill/>
+          <a:ln>
+            <a:solidFill>
+              <a:schemeClr val="tx1"/>
+            </a:solidFill>
+            <a:prstDash val="dash"/>
+          </a:ln>
+        </p:spPr>
+        <p:style>
+          <a:lnRef idx="2">
+            <a:schemeClr val="accent1">
+              <a:shade val="50000"/>
+            </a:schemeClr>
+          </a:lnRef>
+          <a:fillRef idx="1">
+            <a:schemeClr val="accent1"/>
+          </a:fillRef>
+          <a:effectRef idx="0">
+            <a:schemeClr val="accent1"/>
+          </a:effectRef>
+          <a:fontRef idx="minor">
+            <a:schemeClr val="lt1"/>
+          </a:fontRef>
+        </p:style>
+        <p:txBody>
+          <a:bodyPr rtlCol="0" anchor="ctr"/>
+          <a:lstStyle/>
+          <a:p>
+            <a:pPr algn="ctr"/>
+            <a:endParaRPr lang="en-US"/>
+          </a:p>
+        </p:txBody>
+      </p:sp>
+    </p:spTree>
+    <p:extLst>
+      <p:ext uri="{BB962C8B-B14F-4D97-AF65-F5344CB8AC3E}">
+        <p14:creationId xmlns:p14="http://schemas.microsoft.com/office/powerpoint/2010/main" val="1337374101"/>
+      </p:ext>
+    </p:extLst>
+  </p:cSld>
+  <p:clrMapOvr>
+    <a:masterClrMapping/>
+  </p:clrMapOvr>
+  <p:timing>
+    <p:tnLst>
+      <p:par>
+        <p:cTn id="1" dur="indefinite" restart="never" nodeType="tmRoot"/>
+      </p:par>
+    </p:tnLst>
+  </p:timing>
+</p:sld>
+</file>
+
+<file path=ppt/slides/slide19.xml><?xml version="1.0" encoding="utf-8"?>
+<p:sld xmlns:a="http://schemas.openxmlformats.org/drawingml/2006/main" xmlns:r="http://schemas.openxmlformats.org/officeDocument/2006/relationships" xmlns:p="http://schemas.openxmlformats.org/presentationml/2006/main">
+  <p:cSld>
+    <p:spTree>
+      <p:nvGrpSpPr>
+        <p:cNvPr id="1" name=""/>
+        <p:cNvGrpSpPr/>
+        <p:nvPr/>
+      </p:nvGrpSpPr>
+      <p:grpSpPr>
+        <a:xfrm>
+          <a:off x="0" y="0"/>
+          <a:ext cx="0" cy="0"/>
+          <a:chOff x="0" y="0"/>
+          <a:chExt cx="0" cy="0"/>
+        </a:xfrm>
+      </p:grpSpPr>
+      <p:sp>
+        <p:nvSpPr>
+          <p:cNvPr id="4" name="TextBox 3"/>
+          <p:cNvSpPr txBox="1"/>
+          <p:nvPr/>
+        </p:nvSpPr>
+        <p:spPr>
+          <a:xfrm>
+            <a:off x="-14658" y="2157840"/>
+            <a:ext cx="2528128" cy="369332"/>
+          </a:xfrm>
+          <a:prstGeom prst="rect">
+            <a:avLst/>
+          </a:prstGeom>
+          <a:noFill/>
+        </p:spPr>
+        <p:txBody>
+          <a:bodyPr wrap="none" rtlCol="0">
+            <a:spAutoFit/>
+          </a:bodyPr>
+          <a:lstStyle/>
+          <a:p>
+            <a:r>
+              <a:rPr lang="en-US" dirty="0" smtClean="0"/>
+              <a:t>default: </a:t>
+            </a:r>
+            <a:r>
+              <a:rPr lang="en-US" dirty="0" smtClean="0">
+                <a:latin typeface="Symbol" panose="05050102010706020507" pitchFamily="18" charset="2"/>
+              </a:rPr>
+              <a:t>l</a:t>
+            </a:r>
+            <a:r>
+              <a:rPr lang="en-US" dirty="0" smtClean="0"/>
+              <a:t> </a:t>
+            </a:r>
+            <a:r>
+              <a:rPr lang="en-US" dirty="0" smtClean="0"/>
+              <a:t>= 0.01, </a:t>
+            </a:r>
+            <a:r>
+              <a:rPr lang="en-US" dirty="0">
+                <a:latin typeface="Symbol" panose="05050102010706020507" pitchFamily="18" charset="2"/>
+              </a:rPr>
+              <a:t>m</a:t>
+            </a:r>
+            <a:r>
+              <a:rPr lang="en-US" dirty="0" smtClean="0"/>
+              <a:t> </a:t>
+            </a:r>
+            <a:r>
+              <a:rPr lang="en-US" dirty="0" smtClean="0"/>
+              <a:t>= 0.1</a:t>
+            </a:r>
+            <a:endParaRPr lang="en-US" dirty="0"/>
+          </a:p>
+        </p:txBody>
+      </p:sp>
+      <p:sp>
+        <p:nvSpPr>
+          <p:cNvPr id="5" name="TextBox 7"/>
+          <p:cNvSpPr txBox="1"/>
+          <p:nvPr/>
+        </p:nvSpPr>
+        <p:spPr>
+          <a:xfrm>
+            <a:off x="3276600" y="2157840"/>
+            <a:ext cx="1406154" cy="369332"/>
+          </a:xfrm>
+          <a:prstGeom prst="rect">
+            <a:avLst/>
+          </a:prstGeom>
+          <a:noFill/>
+        </p:spPr>
+        <p:txBody>
+          <a:bodyPr wrap="none" rtlCol="0">
+            <a:spAutoFit/>
+          </a:bodyPr>
+          <a:lstStyle/>
+          <a:p>
+            <a:r>
+              <a:rPr lang="en-US" dirty="0">
+                <a:latin typeface="Symbol" panose="05050102010706020507" pitchFamily="18" charset="2"/>
+              </a:rPr>
+              <a:t>l</a:t>
+            </a:r>
+            <a:r>
+              <a:rPr lang="en-US" dirty="0" smtClean="0"/>
+              <a:t> </a:t>
+            </a:r>
+            <a:r>
+              <a:rPr lang="en-US" dirty="0" smtClean="0"/>
+              <a:t>= 0.1, </a:t>
+            </a:r>
+            <a:r>
+              <a:rPr lang="en-US" dirty="0">
+                <a:latin typeface="Symbol" panose="05050102010706020507" pitchFamily="18" charset="2"/>
+              </a:rPr>
+              <a:t>m</a:t>
+            </a:r>
+            <a:r>
+              <a:rPr lang="en-US" dirty="0" smtClean="0"/>
+              <a:t> </a:t>
+            </a:r>
+            <a:r>
+              <a:rPr lang="en-US" dirty="0" smtClean="0"/>
+              <a:t>= 1</a:t>
+            </a:r>
+            <a:endParaRPr lang="en-US" dirty="0"/>
+          </a:p>
+        </p:txBody>
+      </p:sp>
+      <p:sp>
+        <p:nvSpPr>
+          <p:cNvPr id="6" name="TextBox 8"/>
+          <p:cNvSpPr txBox="1"/>
+          <p:nvPr/>
+        </p:nvSpPr>
+        <p:spPr>
+          <a:xfrm>
+            <a:off x="228600" y="4578634"/>
+            <a:ext cx="2000869" cy="369332"/>
+          </a:xfrm>
+          <a:prstGeom prst="rect">
+            <a:avLst/>
+          </a:prstGeom>
+          <a:noFill/>
+        </p:spPr>
+        <p:txBody>
+          <a:bodyPr wrap="none" rtlCol="0">
+            <a:spAutoFit/>
+          </a:bodyPr>
+          <a:lstStyle/>
+          <a:p>
+            <a:r>
+              <a:rPr lang="en-US" dirty="0">
+                <a:latin typeface="Symbol" panose="05050102010706020507" pitchFamily="18" charset="2"/>
+              </a:rPr>
+              <a:t>l</a:t>
+            </a:r>
+            <a:r>
+              <a:rPr lang="en-US" dirty="0" smtClean="0"/>
+              <a:t> </a:t>
+            </a:r>
+            <a:r>
+              <a:rPr lang="en-US" dirty="0" smtClean="0"/>
+              <a:t>= 0.001, </a:t>
+            </a:r>
+            <a:r>
+              <a:rPr lang="en-US" dirty="0">
+                <a:latin typeface="Symbol" panose="05050102010706020507" pitchFamily="18" charset="2"/>
+              </a:rPr>
+              <a:t>m</a:t>
+            </a:r>
+            <a:r>
+              <a:rPr lang="en-US" dirty="0" smtClean="0"/>
+              <a:t> </a:t>
+            </a:r>
+            <a:r>
+              <a:rPr lang="en-US" dirty="0" smtClean="0"/>
+              <a:t>= 0.01</a:t>
+            </a:r>
+            <a:endParaRPr lang="en-US" dirty="0"/>
+          </a:p>
+        </p:txBody>
+      </p:sp>
+      <p:sp>
+        <p:nvSpPr>
+          <p:cNvPr id="7" name="TextBox 11"/>
+          <p:cNvSpPr txBox="1"/>
+          <p:nvPr/>
+        </p:nvSpPr>
+        <p:spPr>
+          <a:xfrm>
+            <a:off x="2770867" y="4598328"/>
+            <a:ext cx="2234907" cy="369332"/>
+          </a:xfrm>
+          <a:prstGeom prst="rect">
+            <a:avLst/>
+          </a:prstGeom>
+          <a:noFill/>
+        </p:spPr>
+        <p:txBody>
+          <a:bodyPr wrap="none" rtlCol="0">
+            <a:spAutoFit/>
+          </a:bodyPr>
+          <a:lstStyle/>
+          <a:p>
+            <a:r>
+              <a:rPr lang="en-US" dirty="0">
+                <a:latin typeface="Symbol" panose="05050102010706020507" pitchFamily="18" charset="2"/>
+              </a:rPr>
+              <a:t>l</a:t>
+            </a:r>
+            <a:r>
+              <a:rPr lang="en-US" dirty="0" smtClean="0"/>
+              <a:t> </a:t>
+            </a:r>
+            <a:r>
+              <a:rPr lang="en-US" dirty="0" smtClean="0"/>
+              <a:t>= 0.0001, </a:t>
+            </a:r>
+            <a:r>
+              <a:rPr lang="en-US" dirty="0">
+                <a:latin typeface="Symbol" panose="05050102010706020507" pitchFamily="18" charset="2"/>
+              </a:rPr>
+              <a:t>m</a:t>
+            </a:r>
+            <a:r>
+              <a:rPr lang="en-US" dirty="0" smtClean="0"/>
+              <a:t> </a:t>
+            </a:r>
+            <a:r>
+              <a:rPr lang="en-US" dirty="0" smtClean="0"/>
+              <a:t>= 0.001</a:t>
+            </a:r>
+            <a:endParaRPr lang="en-US" dirty="0"/>
+          </a:p>
+        </p:txBody>
+      </p:sp>
+      <p:pic>
+        <p:nvPicPr>
+          <p:cNvPr id="8" name="Image 7"/>
+          <p:cNvPicPr>
+            <a:picLocks noChangeAspect="1"/>
+          </p:cNvPicPr>
+          <p:nvPr/>
+        </p:nvPicPr>
+        <p:blipFill>
+          <a:blip r:embed="rId2"/>
+          <a:stretch>
+            <a:fillRect/>
+          </a:stretch>
+        </p:blipFill>
+        <p:spPr>
+          <a:xfrm>
+            <a:off x="4801" y="143303"/>
+            <a:ext cx="2508669" cy="2014537"/>
+          </a:xfrm>
+          <a:prstGeom prst="rect">
+            <a:avLst/>
+          </a:prstGeom>
+        </p:spPr>
+      </p:pic>
+      <p:pic>
+        <p:nvPicPr>
+          <p:cNvPr id="9" name="Image 8"/>
+          <p:cNvPicPr>
+            <a:picLocks noChangeAspect="1"/>
+          </p:cNvPicPr>
+          <p:nvPr/>
+        </p:nvPicPr>
+        <p:blipFill>
+          <a:blip r:embed="rId3"/>
+          <a:stretch>
+            <a:fillRect/>
+          </a:stretch>
+        </p:blipFill>
+        <p:spPr>
+          <a:xfrm>
+            <a:off x="2667000" y="165308"/>
+            <a:ext cx="2549067" cy="1992532"/>
+          </a:xfrm>
+          <a:prstGeom prst="rect">
+            <a:avLst/>
+          </a:prstGeom>
+        </p:spPr>
+      </p:pic>
+      <p:pic>
+        <p:nvPicPr>
+          <p:cNvPr id="10" name="Image 9"/>
           <p:cNvPicPr>
             <a:picLocks noChangeAspect="1"/>
           </p:cNvPicPr>
@@ -4718,8 +5355,8 @@
         </p:blipFill>
         <p:spPr>
           <a:xfrm>
-            <a:off x="3988346" y="3173360"/>
-            <a:ext cx="3535756" cy="2922112"/>
+            <a:off x="66252" y="2580527"/>
+            <a:ext cx="2477283" cy="1961182"/>
           </a:xfrm>
           <a:prstGeom prst="rect">
             <a:avLst/>
@@ -4728,7 +5365,7 @@
       </p:pic>
       <p:pic>
         <p:nvPicPr>
-          <p:cNvPr id="7" name="Image 6"/>
+          <p:cNvPr id="11" name="Image 10"/>
           <p:cNvPicPr>
             <a:picLocks noChangeAspect="1"/>
           </p:cNvPicPr>
@@ -4742,8 +5379,8 @@
         </p:blipFill>
         <p:spPr>
           <a:xfrm>
-            <a:off x="462222" y="3200400"/>
-            <a:ext cx="3529674" cy="2925144"/>
+            <a:off x="2667000" y="2580527"/>
+            <a:ext cx="2549067" cy="1972451"/>
           </a:xfrm>
           <a:prstGeom prst="rect">
             <a:avLst/>
@@ -4753,7 +5390,7 @@
     </p:spTree>
     <p:extLst>
       <p:ext uri="{BB962C8B-B14F-4D97-AF65-F5344CB8AC3E}">
-        <p14:creationId xmlns:p14="http://schemas.microsoft.com/office/powerpoint/2010/main" val="1129510667"/>
+        <p14:creationId xmlns:p14="http://schemas.microsoft.com/office/powerpoint/2010/main" val="981091991"/>
       </p:ext>
     </p:extLst>
   </p:cSld>
@@ -4919,6 +5556,392 @@
     <p:extLst>
       <p:ext uri="{BB962C8B-B14F-4D97-AF65-F5344CB8AC3E}">
         <p14:creationId xmlns:p14="http://schemas.microsoft.com/office/powerpoint/2010/main" val="1811690116"/>
+      </p:ext>
+    </p:extLst>
+  </p:cSld>
+  <p:clrMapOvr>
+    <a:masterClrMapping/>
+  </p:clrMapOvr>
+  <p:timing>
+    <p:tnLst>
+      <p:par>
+        <p:cTn id="1" dur="indefinite" restart="never" nodeType="tmRoot"/>
+      </p:par>
+    </p:tnLst>
+  </p:timing>
+</p:sld>
+</file>
+
+<file path=ppt/slides/slide20.xml><?xml version="1.0" encoding="utf-8"?>
+<p:sld xmlns:a="http://schemas.openxmlformats.org/drawingml/2006/main" xmlns:r="http://schemas.openxmlformats.org/officeDocument/2006/relationships" xmlns:p="http://schemas.openxmlformats.org/presentationml/2006/main">
+  <p:cSld>
+    <p:spTree>
+      <p:nvGrpSpPr>
+        <p:cNvPr id="1" name=""/>
+        <p:cNvGrpSpPr/>
+        <p:nvPr/>
+      </p:nvGrpSpPr>
+      <p:grpSpPr>
+        <a:xfrm>
+          <a:off x="0" y="0"/>
+          <a:ext cx="0" cy="0"/>
+          <a:chOff x="0" y="0"/>
+          <a:chExt cx="0" cy="0"/>
+        </a:xfrm>
+      </p:grpSpPr>
+      <p:pic>
+        <p:nvPicPr>
+          <p:cNvPr id="5" name="Image 4"/>
+          <p:cNvPicPr>
+            <a:picLocks noChangeAspect="1"/>
+          </p:cNvPicPr>
+          <p:nvPr/>
+        </p:nvPicPr>
+        <p:blipFill>
+          <a:blip r:embed="rId2"/>
+          <a:stretch>
+            <a:fillRect/>
+          </a:stretch>
+        </p:blipFill>
+        <p:spPr>
+          <a:xfrm>
+            <a:off x="2204115" y="3588771"/>
+            <a:ext cx="3248025" cy="2583429"/>
+          </a:xfrm>
+          <a:prstGeom prst="rect">
+            <a:avLst/>
+          </a:prstGeom>
+        </p:spPr>
+      </p:pic>
+      <p:pic>
+        <p:nvPicPr>
+          <p:cNvPr id="6" name="Image 5"/>
+          <p:cNvPicPr>
+            <a:picLocks noChangeAspect="1"/>
+          </p:cNvPicPr>
+          <p:nvPr/>
+        </p:nvPicPr>
+        <p:blipFill>
+          <a:blip r:embed="rId3"/>
+          <a:stretch>
+            <a:fillRect/>
+          </a:stretch>
+        </p:blipFill>
+        <p:spPr>
+          <a:xfrm>
+            <a:off x="5520660" y="447368"/>
+            <a:ext cx="3242340" cy="2581955"/>
+          </a:xfrm>
+          <a:prstGeom prst="rect">
+            <a:avLst/>
+          </a:prstGeom>
+        </p:spPr>
+      </p:pic>
+      <p:pic>
+        <p:nvPicPr>
+          <p:cNvPr id="7" name="Image 6"/>
+          <p:cNvPicPr>
+            <a:picLocks noChangeAspect="1"/>
+          </p:cNvPicPr>
+          <p:nvPr/>
+        </p:nvPicPr>
+        <p:blipFill>
+          <a:blip r:embed="rId4"/>
+          <a:stretch>
+            <a:fillRect/>
+          </a:stretch>
+        </p:blipFill>
+        <p:spPr>
+          <a:xfrm>
+            <a:off x="2204115" y="447368"/>
+            <a:ext cx="3246172" cy="2581955"/>
+          </a:xfrm>
+          <a:prstGeom prst="rect">
+            <a:avLst/>
+          </a:prstGeom>
+        </p:spPr>
+      </p:pic>
+      <p:pic>
+        <p:nvPicPr>
+          <p:cNvPr id="8" name="Image 7"/>
+          <p:cNvPicPr>
+            <a:picLocks noChangeAspect="1"/>
+          </p:cNvPicPr>
+          <p:nvPr/>
+        </p:nvPicPr>
+        <p:blipFill>
+          <a:blip r:embed="rId5"/>
+          <a:stretch>
+            <a:fillRect/>
+          </a:stretch>
+        </p:blipFill>
+        <p:spPr>
+          <a:xfrm>
+            <a:off x="5552615" y="3588771"/>
+            <a:ext cx="3210385" cy="2570866"/>
+          </a:xfrm>
+          <a:prstGeom prst="rect">
+            <a:avLst/>
+          </a:prstGeom>
+        </p:spPr>
+      </p:pic>
+      <p:sp>
+        <p:nvSpPr>
+          <p:cNvPr id="9" name="ZoneTexte 8"/>
+          <p:cNvSpPr txBox="1"/>
+          <p:nvPr/>
+        </p:nvSpPr>
+        <p:spPr>
+          <a:xfrm>
+            <a:off x="2667000" y="3029323"/>
+            <a:ext cx="2452787" cy="369332"/>
+          </a:xfrm>
+          <a:prstGeom prst="rect">
+            <a:avLst/>
+          </a:prstGeom>
+          <a:noFill/>
+        </p:spPr>
+        <p:txBody>
+          <a:bodyPr wrap="none" rtlCol="0">
+            <a:spAutoFit/>
+          </a:bodyPr>
+          <a:lstStyle/>
+          <a:p>
+            <a:r>
+              <a:rPr lang="en-GB" dirty="0" smtClean="0"/>
+              <a:t>Epoch 1: Principal Curve</a:t>
+            </a:r>
+            <a:endParaRPr lang="en-GB" dirty="0"/>
+          </a:p>
+        </p:txBody>
+      </p:sp>
+      <p:sp>
+        <p:nvSpPr>
+          <p:cNvPr id="10" name="ZoneTexte 9"/>
+          <p:cNvSpPr txBox="1"/>
+          <p:nvPr/>
+        </p:nvSpPr>
+        <p:spPr>
+          <a:xfrm>
+            <a:off x="2073066" y="6159637"/>
+            <a:ext cx="3718134" cy="369332"/>
+          </a:xfrm>
+          <a:prstGeom prst="rect">
+            <a:avLst/>
+          </a:prstGeom>
+          <a:noFill/>
+        </p:spPr>
+        <p:txBody>
+          <a:bodyPr wrap="none" rtlCol="0">
+            <a:spAutoFit/>
+          </a:bodyPr>
+          <a:lstStyle/>
+          <a:p>
+            <a:r>
+              <a:rPr lang="en-GB" dirty="0" smtClean="0"/>
+              <a:t>Epoch 3: Robust Local Principal Graph</a:t>
+            </a:r>
+            <a:endParaRPr lang="en-GB" dirty="0"/>
+          </a:p>
+        </p:txBody>
+      </p:sp>
+      <p:sp>
+        <p:nvSpPr>
+          <p:cNvPr id="11" name="ZoneTexte 10"/>
+          <p:cNvSpPr txBox="1"/>
+          <p:nvPr/>
+        </p:nvSpPr>
+        <p:spPr>
+          <a:xfrm>
+            <a:off x="5638800" y="3029323"/>
+            <a:ext cx="3142270" cy="369332"/>
+          </a:xfrm>
+          <a:prstGeom prst="rect">
+            <a:avLst/>
+          </a:prstGeom>
+          <a:noFill/>
+        </p:spPr>
+        <p:txBody>
+          <a:bodyPr wrap="none" rtlCol="0">
+            <a:spAutoFit/>
+          </a:bodyPr>
+          <a:lstStyle/>
+          <a:p>
+            <a:r>
+              <a:rPr lang="en-GB" dirty="0" smtClean="0"/>
+              <a:t>Epoch 2: Global Principal Graph</a:t>
+            </a:r>
+            <a:endParaRPr lang="en-GB" dirty="0"/>
+          </a:p>
+        </p:txBody>
+      </p:sp>
+      <p:sp>
+        <p:nvSpPr>
+          <p:cNvPr id="13" name="ZoneTexte 12"/>
+          <p:cNvSpPr txBox="1"/>
+          <p:nvPr/>
+        </p:nvSpPr>
+        <p:spPr>
+          <a:xfrm>
+            <a:off x="5867400" y="6159637"/>
+            <a:ext cx="2802434" cy="369332"/>
+          </a:xfrm>
+          <a:prstGeom prst="rect">
+            <a:avLst/>
+          </a:prstGeom>
+          <a:noFill/>
+        </p:spPr>
+        <p:txBody>
+          <a:bodyPr wrap="none" rtlCol="0">
+            <a:spAutoFit/>
+          </a:bodyPr>
+          <a:lstStyle/>
+          <a:p>
+            <a:r>
+              <a:rPr lang="en-GB" dirty="0" smtClean="0"/>
+              <a:t>Resulting Metro Map layout</a:t>
+            </a:r>
+            <a:endParaRPr lang="en-GB" dirty="0"/>
+          </a:p>
+        </p:txBody>
+      </p:sp>
+    </p:spTree>
+    <p:extLst>
+      <p:ext uri="{BB962C8B-B14F-4D97-AF65-F5344CB8AC3E}">
+        <p14:creationId xmlns:p14="http://schemas.microsoft.com/office/powerpoint/2010/main" val="241097133"/>
+      </p:ext>
+    </p:extLst>
+  </p:cSld>
+  <p:clrMapOvr>
+    <a:masterClrMapping/>
+  </p:clrMapOvr>
+  <p:timing>
+    <p:tnLst>
+      <p:par>
+        <p:cTn id="1" dur="indefinite" restart="never" nodeType="tmRoot"/>
+      </p:par>
+    </p:tnLst>
+  </p:timing>
+</p:sld>
+</file>
+
+<file path=ppt/slides/slide21.xml><?xml version="1.0" encoding="utf-8"?>
+<p:sld xmlns:a="http://schemas.openxmlformats.org/drawingml/2006/main" xmlns:r="http://schemas.openxmlformats.org/officeDocument/2006/relationships" xmlns:p="http://schemas.openxmlformats.org/presentationml/2006/main">
+  <p:cSld>
+    <p:spTree>
+      <p:nvGrpSpPr>
+        <p:cNvPr id="1" name=""/>
+        <p:cNvGrpSpPr/>
+        <p:nvPr/>
+      </p:nvGrpSpPr>
+      <p:grpSpPr>
+        <a:xfrm>
+          <a:off x="0" y="0"/>
+          <a:ext cx="0" cy="0"/>
+          <a:chOff x="0" y="0"/>
+          <a:chExt cx="0" cy="0"/>
+        </a:xfrm>
+      </p:grpSpPr>
+      <p:pic>
+        <p:nvPicPr>
+          <p:cNvPr id="5" name="Image 4"/>
+          <p:cNvPicPr>
+            <a:picLocks noChangeAspect="1"/>
+          </p:cNvPicPr>
+          <p:nvPr/>
+        </p:nvPicPr>
+        <p:blipFill>
+          <a:blip r:embed="rId2"/>
+          <a:stretch>
+            <a:fillRect/>
+          </a:stretch>
+        </p:blipFill>
+        <p:spPr>
+          <a:xfrm>
+            <a:off x="441052" y="324464"/>
+            <a:ext cx="3550844" cy="2895600"/>
+          </a:xfrm>
+          <a:prstGeom prst="rect">
+            <a:avLst/>
+          </a:prstGeom>
+        </p:spPr>
+      </p:pic>
+      <p:pic>
+        <p:nvPicPr>
+          <p:cNvPr id="3" name="Image 2"/>
+          <p:cNvPicPr>
+            <a:picLocks noChangeAspect="1"/>
+          </p:cNvPicPr>
+          <p:nvPr/>
+        </p:nvPicPr>
+        <p:blipFill>
+          <a:blip r:embed="rId3"/>
+          <a:stretch>
+            <a:fillRect/>
+          </a:stretch>
+        </p:blipFill>
+        <p:spPr>
+          <a:xfrm>
+            <a:off x="3896032" y="324464"/>
+            <a:ext cx="3577576" cy="2848898"/>
+          </a:xfrm>
+          <a:prstGeom prst="rect">
+            <a:avLst/>
+          </a:prstGeom>
+        </p:spPr>
+      </p:pic>
+      <p:pic>
+        <p:nvPicPr>
+          <p:cNvPr id="4" name="Image 3"/>
+          <p:cNvPicPr>
+            <a:picLocks noChangeAspect="1"/>
+          </p:cNvPicPr>
+          <p:nvPr/>
+        </p:nvPicPr>
+        <p:blipFill>
+          <a:blip r:embed="rId4"/>
+          <a:stretch>
+            <a:fillRect/>
+          </a:stretch>
+        </p:blipFill>
+        <p:spPr>
+          <a:xfrm>
+            <a:off x="3988346" y="3173360"/>
+            <a:ext cx="3535756" cy="2922112"/>
+          </a:xfrm>
+          <a:prstGeom prst="rect">
+            <a:avLst/>
+          </a:prstGeom>
+        </p:spPr>
+      </p:pic>
+      <p:pic>
+        <p:nvPicPr>
+          <p:cNvPr id="7" name="Image 6"/>
+          <p:cNvPicPr>
+            <a:picLocks noChangeAspect="1"/>
+          </p:cNvPicPr>
+          <p:nvPr/>
+        </p:nvPicPr>
+        <p:blipFill>
+          <a:blip r:embed="rId5"/>
+          <a:stretch>
+            <a:fillRect/>
+          </a:stretch>
+        </p:blipFill>
+        <p:spPr>
+          <a:xfrm>
+            <a:off x="462222" y="3200400"/>
+            <a:ext cx="3529674" cy="2925144"/>
+          </a:xfrm>
+          <a:prstGeom prst="rect">
+            <a:avLst/>
+          </a:prstGeom>
+        </p:spPr>
+      </p:pic>
+    </p:spTree>
+    <p:extLst>
+      <p:ext uri="{BB962C8B-B14F-4D97-AF65-F5344CB8AC3E}">
+        <p14:creationId xmlns:p14="http://schemas.microsoft.com/office/powerpoint/2010/main" val="1129510667"/>
       </p:ext>
     </p:extLst>
   </p:cSld>

--- a/FiguresWiki/Examples.pptx
+++ b/FiguresWiki/Examples.pptx
@@ -26,6 +26,7 @@
     <p:sldId id="272" r:id="rId20"/>
     <p:sldId id="273" r:id="rId21"/>
     <p:sldId id="271" r:id="rId22"/>
+    <p:sldId id="277" r:id="rId23"/>
   </p:sldIdLst>
   <p:sldSz cx="9144000" cy="6858000" type="screen4x3"/>
   <p:notesSz cx="6858000" cy="9144000"/>
@@ -324,7 +325,7 @@
           <a:p>
             <a:fld id="{4AF8D1E4-79D5-419A-84F5-5184F8D0060F}" type="datetimeFigureOut">
               <a:rPr lang="en-US" smtClean="0"/>
-              <a:t>11/6/2017</a:t>
+              <a:t>2/27/2018</a:t>
             </a:fld>
             <a:endParaRPr lang="en-US" dirty="0"/>
           </a:p>
@@ -494,7 +495,7 @@
           <a:p>
             <a:fld id="{4AF8D1E4-79D5-419A-84F5-5184F8D0060F}" type="datetimeFigureOut">
               <a:rPr lang="en-US" smtClean="0"/>
-              <a:t>11/6/2017</a:t>
+              <a:t>2/27/2018</a:t>
             </a:fld>
             <a:endParaRPr lang="en-US" dirty="0"/>
           </a:p>
@@ -674,7 +675,7 @@
           <a:p>
             <a:fld id="{4AF8D1E4-79D5-419A-84F5-5184F8D0060F}" type="datetimeFigureOut">
               <a:rPr lang="en-US" smtClean="0"/>
-              <a:t>11/6/2017</a:t>
+              <a:t>2/27/2018</a:t>
             </a:fld>
             <a:endParaRPr lang="en-US" dirty="0"/>
           </a:p>
@@ -844,7 +845,7 @@
           <a:p>
             <a:fld id="{4AF8D1E4-79D5-419A-84F5-5184F8D0060F}" type="datetimeFigureOut">
               <a:rPr lang="en-US" smtClean="0"/>
-              <a:t>11/6/2017</a:t>
+              <a:t>2/27/2018</a:t>
             </a:fld>
             <a:endParaRPr lang="en-US" dirty="0"/>
           </a:p>
@@ -1090,7 +1091,7 @@
           <a:p>
             <a:fld id="{4AF8D1E4-79D5-419A-84F5-5184F8D0060F}" type="datetimeFigureOut">
               <a:rPr lang="en-US" smtClean="0"/>
-              <a:t>11/6/2017</a:t>
+              <a:t>2/27/2018</a:t>
             </a:fld>
             <a:endParaRPr lang="en-US" dirty="0"/>
           </a:p>
@@ -1378,7 +1379,7 @@
           <a:p>
             <a:fld id="{4AF8D1E4-79D5-419A-84F5-5184F8D0060F}" type="datetimeFigureOut">
               <a:rPr lang="en-US" smtClean="0"/>
-              <a:t>11/6/2017</a:t>
+              <a:t>2/27/2018</a:t>
             </a:fld>
             <a:endParaRPr lang="en-US" dirty="0"/>
           </a:p>
@@ -1800,7 +1801,7 @@
           <a:p>
             <a:fld id="{4AF8D1E4-79D5-419A-84F5-5184F8D0060F}" type="datetimeFigureOut">
               <a:rPr lang="en-US" smtClean="0"/>
-              <a:t>11/6/2017</a:t>
+              <a:t>2/27/2018</a:t>
             </a:fld>
             <a:endParaRPr lang="en-US" dirty="0"/>
           </a:p>
@@ -1918,7 +1919,7 @@
           <a:p>
             <a:fld id="{4AF8D1E4-79D5-419A-84F5-5184F8D0060F}" type="datetimeFigureOut">
               <a:rPr lang="en-US" smtClean="0"/>
-              <a:t>11/6/2017</a:t>
+              <a:t>2/27/2018</a:t>
             </a:fld>
             <a:endParaRPr lang="en-US" dirty="0"/>
           </a:p>
@@ -2013,7 +2014,7 @@
           <a:p>
             <a:fld id="{4AF8D1E4-79D5-419A-84F5-5184F8D0060F}" type="datetimeFigureOut">
               <a:rPr lang="en-US" smtClean="0"/>
-              <a:t>11/6/2017</a:t>
+              <a:t>2/27/2018</a:t>
             </a:fld>
             <a:endParaRPr lang="en-US" dirty="0"/>
           </a:p>
@@ -2290,7 +2291,7 @@
           <a:p>
             <a:fld id="{4AF8D1E4-79D5-419A-84F5-5184F8D0060F}" type="datetimeFigureOut">
               <a:rPr lang="en-US" smtClean="0"/>
-              <a:t>11/6/2017</a:t>
+              <a:t>2/27/2018</a:t>
             </a:fld>
             <a:endParaRPr lang="en-US" dirty="0"/>
           </a:p>
@@ -2543,7 +2544,7 @@
           <a:p>
             <a:fld id="{4AF8D1E4-79D5-419A-84F5-5184F8D0060F}" type="datetimeFigureOut">
               <a:rPr lang="en-US" smtClean="0"/>
-              <a:t>11/6/2017</a:t>
+              <a:t>2/27/2018</a:t>
             </a:fld>
             <a:endParaRPr lang="en-US" dirty="0"/>
           </a:p>
@@ -2756,7 +2757,7 @@
           <a:p>
             <a:fld id="{4AF8D1E4-79D5-419A-84F5-5184F8D0060F}" type="datetimeFigureOut">
               <a:rPr lang="en-US" smtClean="0"/>
-              <a:t>11/6/2017</a:t>
+              <a:t>2/27/2018</a:t>
             </a:fld>
             <a:endParaRPr lang="en-US" dirty="0"/>
           </a:p>
@@ -5105,11 +5106,7 @@
             </a:r>
             <a:r>
               <a:rPr lang="en-US" dirty="0" smtClean="0"/>
-              <a:t> </a:t>
-            </a:r>
-            <a:r>
-              <a:rPr lang="en-US" dirty="0" smtClean="0"/>
-              <a:t>= 0.01, </a:t>
+              <a:t> = 0.01, </a:t>
             </a:r>
             <a:r>
               <a:rPr lang="en-US" dirty="0">
@@ -5119,11 +5116,7 @@
             </a:r>
             <a:r>
               <a:rPr lang="en-US" dirty="0" smtClean="0"/>
-              <a:t> </a:t>
-            </a:r>
-            <a:r>
-              <a:rPr lang="en-US" dirty="0" smtClean="0"/>
-              <a:t>= 0.1</a:t>
+              <a:t> = 0.1</a:t>
             </a:r>
             <a:endParaRPr lang="en-US" dirty="0"/>
           </a:p>
@@ -5159,11 +5152,7 @@
             </a:r>
             <a:r>
               <a:rPr lang="en-US" dirty="0" smtClean="0"/>
-              <a:t> </a:t>
-            </a:r>
-            <a:r>
-              <a:rPr lang="en-US" dirty="0" smtClean="0"/>
-              <a:t>= 0.1, </a:t>
+              <a:t> = 0.1, </a:t>
             </a:r>
             <a:r>
               <a:rPr lang="en-US" dirty="0">
@@ -5173,11 +5162,7 @@
             </a:r>
             <a:r>
               <a:rPr lang="en-US" dirty="0" smtClean="0"/>
-              <a:t> </a:t>
-            </a:r>
-            <a:r>
-              <a:rPr lang="en-US" dirty="0" smtClean="0"/>
-              <a:t>= 1</a:t>
+              <a:t> = 1</a:t>
             </a:r>
             <a:endParaRPr lang="en-US" dirty="0"/>
           </a:p>
@@ -5213,11 +5198,7 @@
             </a:r>
             <a:r>
               <a:rPr lang="en-US" dirty="0" smtClean="0"/>
-              <a:t> </a:t>
-            </a:r>
-            <a:r>
-              <a:rPr lang="en-US" dirty="0" smtClean="0"/>
-              <a:t>= 0.001, </a:t>
+              <a:t> = 0.001, </a:t>
             </a:r>
             <a:r>
               <a:rPr lang="en-US" dirty="0">
@@ -5227,11 +5208,7 @@
             </a:r>
             <a:r>
               <a:rPr lang="en-US" dirty="0" smtClean="0"/>
-              <a:t> </a:t>
-            </a:r>
-            <a:r>
-              <a:rPr lang="en-US" dirty="0" smtClean="0"/>
-              <a:t>= 0.01</a:t>
+              <a:t> = 0.01</a:t>
             </a:r>
             <a:endParaRPr lang="en-US" dirty="0"/>
           </a:p>
@@ -5267,11 +5244,7 @@
             </a:r>
             <a:r>
               <a:rPr lang="en-US" dirty="0" smtClean="0"/>
-              <a:t> </a:t>
-            </a:r>
-            <a:r>
-              <a:rPr lang="en-US" dirty="0" smtClean="0"/>
-              <a:t>= 0.0001, </a:t>
+              <a:t> = 0.0001, </a:t>
             </a:r>
             <a:r>
               <a:rPr lang="en-US" dirty="0">
@@ -5281,11 +5254,7 @@
             </a:r>
             <a:r>
               <a:rPr lang="en-US" dirty="0" smtClean="0"/>
-              <a:t> </a:t>
-            </a:r>
-            <a:r>
-              <a:rPr lang="en-US" dirty="0" smtClean="0"/>
-              <a:t>= 0.001</a:t>
+              <a:t> = 0.001</a:t>
             </a:r>
             <a:endParaRPr lang="en-US" dirty="0"/>
           </a:p>
@@ -5955,6 +5924,431 @@
       </p:par>
     </p:tnLst>
   </p:timing>
+</p:sld>
+</file>
+
+<file path=ppt/slides/slide22.xml><?xml version="1.0" encoding="utf-8"?>
+<p:sld xmlns:a="http://schemas.openxmlformats.org/drawingml/2006/main" xmlns:r="http://schemas.openxmlformats.org/officeDocument/2006/relationships" xmlns:p="http://schemas.openxmlformats.org/presentationml/2006/main">
+  <p:cSld>
+    <p:spTree>
+      <p:nvGrpSpPr>
+        <p:cNvPr id="1" name=""/>
+        <p:cNvGrpSpPr/>
+        <p:nvPr/>
+      </p:nvGrpSpPr>
+      <p:grpSpPr>
+        <a:xfrm>
+          <a:off x="0" y="0"/>
+          <a:ext cx="0" cy="0"/>
+          <a:chOff x="0" y="0"/>
+          <a:chExt cx="0" cy="0"/>
+        </a:xfrm>
+      </p:grpSpPr>
+      <p:pic>
+        <p:nvPicPr>
+          <p:cNvPr id="14" name="Image 13"/>
+          <p:cNvPicPr>
+            <a:picLocks noChangeAspect="1"/>
+          </p:cNvPicPr>
+          <p:nvPr/>
+        </p:nvPicPr>
+        <p:blipFill>
+          <a:blip r:embed="rId2"/>
+          <a:stretch>
+            <a:fillRect/>
+          </a:stretch>
+        </p:blipFill>
+        <p:spPr>
+          <a:xfrm>
+            <a:off x="488889" y="3291487"/>
+            <a:ext cx="3567278" cy="2800934"/>
+          </a:xfrm>
+          <a:prstGeom prst="rect">
+            <a:avLst/>
+          </a:prstGeom>
+        </p:spPr>
+      </p:pic>
+      <p:pic>
+        <p:nvPicPr>
+          <p:cNvPr id="4" name="Image 3"/>
+          <p:cNvPicPr>
+            <a:picLocks noChangeAspect="1"/>
+          </p:cNvPicPr>
+          <p:nvPr/>
+        </p:nvPicPr>
+        <p:blipFill>
+          <a:blip r:embed="rId3"/>
+          <a:stretch>
+            <a:fillRect/>
+          </a:stretch>
+        </p:blipFill>
+        <p:spPr>
+          <a:xfrm>
+            <a:off x="488889" y="134593"/>
+            <a:ext cx="3722810" cy="2946516"/>
+          </a:xfrm>
+          <a:prstGeom prst="rect">
+            <a:avLst/>
+          </a:prstGeom>
+        </p:spPr>
+      </p:pic>
+      <p:sp>
+        <p:nvSpPr>
+          <p:cNvPr id="5" name="ZoneTexte 4"/>
+          <p:cNvSpPr txBox="1"/>
+          <p:nvPr/>
+        </p:nvSpPr>
+        <p:spPr>
+          <a:xfrm>
+            <a:off x="4317919" y="303322"/>
+            <a:ext cx="3660554" cy="1754326"/>
+          </a:xfrm>
+          <a:prstGeom prst="rect">
+            <a:avLst/>
+          </a:prstGeom>
+          <a:noFill/>
+        </p:spPr>
+        <p:txBody>
+          <a:bodyPr wrap="none" rtlCol="0">
+            <a:spAutoFit/>
+          </a:bodyPr>
+          <a:lstStyle/>
+          <a:p>
+            <a:r>
+              <a:rPr lang="en-GB" dirty="0" smtClean="0"/>
+              <a:t>The tree contains three branching </a:t>
+            </a:r>
+          </a:p>
+          <a:p>
+            <a:r>
+              <a:rPr lang="en-GB" dirty="0" smtClean="0"/>
+              <a:t>points, two of which appear because</a:t>
+            </a:r>
+          </a:p>
+          <a:p>
+            <a:r>
+              <a:rPr lang="en-GB" dirty="0" smtClean="0"/>
+              <a:t>of the “thick turn” feature (increased</a:t>
+            </a:r>
+          </a:p>
+          <a:p>
+            <a:r>
+              <a:rPr lang="en-GB" dirty="0" smtClean="0"/>
+              <a:t>variance in the area of the maximal </a:t>
+            </a:r>
+          </a:p>
+          <a:p>
+            <a:r>
+              <a:rPr lang="en-GB" dirty="0"/>
+              <a:t>c</a:t>
+            </a:r>
+            <a:r>
+              <a:rPr lang="en-GB" dirty="0" smtClean="0"/>
+              <a:t>urvature of a hypothetical principal </a:t>
+            </a:r>
+          </a:p>
+          <a:p>
+            <a:r>
+              <a:rPr lang="en-GB" dirty="0" smtClean="0"/>
+              <a:t>curve)</a:t>
+            </a:r>
+          </a:p>
+        </p:txBody>
+      </p:sp>
+      <p:pic>
+        <p:nvPicPr>
+          <p:cNvPr id="6" name="Image 5"/>
+          <p:cNvPicPr>
+            <a:picLocks noChangeAspect="1"/>
+          </p:cNvPicPr>
+          <p:nvPr/>
+        </p:nvPicPr>
+        <p:blipFill>
+          <a:blip r:embed="rId4"/>
+          <a:stretch>
+            <a:fillRect/>
+          </a:stretch>
+        </p:blipFill>
+        <p:spPr>
+          <a:xfrm>
+            <a:off x="3664369" y="2197780"/>
+            <a:ext cx="1730289" cy="1352550"/>
+          </a:xfrm>
+          <a:prstGeom prst="rect">
+            <a:avLst/>
+          </a:prstGeom>
+          <a:ln>
+            <a:solidFill>
+              <a:schemeClr val="tx1"/>
+            </a:solidFill>
+          </a:ln>
+        </p:spPr>
+      </p:pic>
+      <p:sp>
+        <p:nvSpPr>
+          <p:cNvPr id="7" name="Rectangle 6"/>
+          <p:cNvSpPr/>
+          <p:nvPr/>
+        </p:nvSpPr>
+        <p:spPr>
+          <a:xfrm>
+            <a:off x="2425386" y="1218337"/>
+            <a:ext cx="1143000" cy="1143000"/>
+          </a:xfrm>
+          <a:prstGeom prst="rect">
+            <a:avLst/>
+          </a:prstGeom>
+          <a:noFill/>
+          <a:ln>
+            <a:solidFill>
+              <a:schemeClr val="tx1"/>
+            </a:solidFill>
+          </a:ln>
+        </p:spPr>
+        <p:style>
+          <a:lnRef idx="2">
+            <a:schemeClr val="accent1">
+              <a:shade val="50000"/>
+            </a:schemeClr>
+          </a:lnRef>
+          <a:fillRef idx="1">
+            <a:schemeClr val="accent1"/>
+          </a:fillRef>
+          <a:effectRef idx="0">
+            <a:schemeClr val="accent1"/>
+          </a:effectRef>
+          <a:fontRef idx="minor">
+            <a:schemeClr val="lt1"/>
+          </a:fontRef>
+        </p:style>
+        <p:txBody>
+          <a:bodyPr rtlCol="0" anchor="ctr"/>
+          <a:lstStyle/>
+          <a:p>
+            <a:pPr algn="ctr"/>
+            <a:endParaRPr lang="en-GB"/>
+          </a:p>
+        </p:txBody>
+      </p:sp>
+      <p:cxnSp>
+        <p:nvCxnSpPr>
+          <p:cNvPr id="9" name="Connecteur droit 8"/>
+          <p:cNvCxnSpPr/>
+          <p:nvPr/>
+        </p:nvCxnSpPr>
+        <p:spPr>
+          <a:xfrm>
+            <a:off x="3568386" y="1218337"/>
+            <a:ext cx="1826272" cy="979443"/>
+          </a:xfrm>
+          <a:prstGeom prst="line">
+            <a:avLst/>
+          </a:prstGeom>
+          <a:ln>
+            <a:solidFill>
+              <a:schemeClr val="tx1"/>
+            </a:solidFill>
+          </a:ln>
+        </p:spPr>
+        <p:style>
+          <a:lnRef idx="1">
+            <a:schemeClr val="accent1"/>
+          </a:lnRef>
+          <a:fillRef idx="0">
+            <a:schemeClr val="accent1"/>
+          </a:fillRef>
+          <a:effectRef idx="0">
+            <a:schemeClr val="accent1"/>
+          </a:effectRef>
+          <a:fontRef idx="minor">
+            <a:schemeClr val="tx1"/>
+          </a:fontRef>
+        </p:style>
+      </p:cxnSp>
+      <p:cxnSp>
+        <p:nvCxnSpPr>
+          <p:cNvPr id="10" name="Connecteur droit 9"/>
+          <p:cNvCxnSpPr/>
+          <p:nvPr/>
+        </p:nvCxnSpPr>
+        <p:spPr>
+          <a:xfrm>
+            <a:off x="2425386" y="2401163"/>
+            <a:ext cx="1234793" cy="1143000"/>
+          </a:xfrm>
+          <a:prstGeom prst="line">
+            <a:avLst/>
+          </a:prstGeom>
+          <a:ln>
+            <a:solidFill>
+              <a:schemeClr val="tx1"/>
+            </a:solidFill>
+          </a:ln>
+        </p:spPr>
+        <p:style>
+          <a:lnRef idx="1">
+            <a:schemeClr val="accent1"/>
+          </a:lnRef>
+          <a:fillRef idx="0">
+            <a:schemeClr val="accent1"/>
+          </a:fillRef>
+          <a:effectRef idx="0">
+            <a:schemeClr val="accent1"/>
+          </a:effectRef>
+          <a:fontRef idx="minor">
+            <a:schemeClr val="tx1"/>
+          </a:fontRef>
+        </p:style>
+      </p:cxnSp>
+      <p:sp>
+        <p:nvSpPr>
+          <p:cNvPr id="12" name="ZoneTexte 11"/>
+          <p:cNvSpPr txBox="1"/>
+          <p:nvPr/>
+        </p:nvSpPr>
+        <p:spPr>
+          <a:xfrm>
+            <a:off x="762000" y="188649"/>
+            <a:ext cx="1043876" cy="584775"/>
+          </a:xfrm>
+          <a:prstGeom prst="rect">
+            <a:avLst/>
+          </a:prstGeom>
+          <a:noFill/>
+        </p:spPr>
+        <p:txBody>
+          <a:bodyPr wrap="none" rtlCol="0">
+            <a:spAutoFit/>
+          </a:bodyPr>
+          <a:lstStyle/>
+          <a:p>
+            <a:r>
+              <a:rPr lang="en-GB" sz="3200" dirty="0" smtClean="0">
+                <a:latin typeface="Symbol" panose="05050102010706020507" pitchFamily="18" charset="2"/>
+              </a:rPr>
+              <a:t>a</a:t>
+            </a:r>
+            <a:r>
+              <a:rPr lang="en-GB" sz="3200" dirty="0" smtClean="0"/>
+              <a:t> = 0</a:t>
+            </a:r>
+            <a:endParaRPr lang="en-GB" sz="3200" dirty="0"/>
+          </a:p>
+        </p:txBody>
+      </p:sp>
+      <p:sp>
+        <p:nvSpPr>
+          <p:cNvPr id="13" name="ZoneTexte 12"/>
+          <p:cNvSpPr txBox="1"/>
+          <p:nvPr/>
+        </p:nvSpPr>
+        <p:spPr>
+          <a:xfrm>
+            <a:off x="4329278" y="3690462"/>
+            <a:ext cx="3556295" cy="2031325"/>
+          </a:xfrm>
+          <a:prstGeom prst="rect">
+            <a:avLst/>
+          </a:prstGeom>
+          <a:noFill/>
+        </p:spPr>
+        <p:txBody>
+          <a:bodyPr wrap="none" rtlCol="0">
+            <a:spAutoFit/>
+          </a:bodyPr>
+          <a:lstStyle/>
+          <a:p>
+            <a:r>
+              <a:rPr lang="en-GB" dirty="0" smtClean="0"/>
+              <a:t>The tree contains only one essential</a:t>
+            </a:r>
+          </a:p>
+          <a:p>
+            <a:r>
+              <a:rPr lang="en-GB" dirty="0"/>
+              <a:t>b</a:t>
+            </a:r>
+            <a:r>
+              <a:rPr lang="en-GB" dirty="0" smtClean="0"/>
+              <a:t>ranching point, because</a:t>
+            </a:r>
+          </a:p>
+          <a:p>
+            <a:r>
+              <a:rPr lang="en-GB" dirty="0"/>
+              <a:t>b</a:t>
+            </a:r>
+            <a:r>
+              <a:rPr lang="en-GB" dirty="0" smtClean="0"/>
+              <a:t>ranching control penalty supresses</a:t>
+            </a:r>
+          </a:p>
+          <a:p>
+            <a:r>
+              <a:rPr lang="en-GB" dirty="0" smtClean="0"/>
+              <a:t>appearance of suboptimal small </a:t>
+            </a:r>
+          </a:p>
+          <a:p>
+            <a:r>
+              <a:rPr lang="en-GB" dirty="0" smtClean="0"/>
+              <a:t>branches in the “thick turn” area</a:t>
+            </a:r>
+          </a:p>
+          <a:p>
+            <a:r>
+              <a:rPr lang="en-GB" dirty="0" smtClean="0"/>
+              <a:t>of the data distribution</a:t>
+            </a:r>
+          </a:p>
+          <a:p>
+            <a:endParaRPr lang="en-GB" dirty="0" smtClean="0"/>
+          </a:p>
+        </p:txBody>
+      </p:sp>
+      <p:sp>
+        <p:nvSpPr>
+          <p:cNvPr id="19" name="ZoneTexte 18"/>
+          <p:cNvSpPr txBox="1"/>
+          <p:nvPr/>
+        </p:nvSpPr>
+        <p:spPr>
+          <a:xfrm>
+            <a:off x="762000" y="3291487"/>
+            <a:ext cx="1673856" cy="584775"/>
+          </a:xfrm>
+          <a:prstGeom prst="rect">
+            <a:avLst/>
+          </a:prstGeom>
+          <a:noFill/>
+        </p:spPr>
+        <p:txBody>
+          <a:bodyPr wrap="none" rtlCol="0">
+            <a:spAutoFit/>
+          </a:bodyPr>
+          <a:lstStyle/>
+          <a:p>
+            <a:pPr marL="457200" indent="-457200">
+              <a:buFont typeface="Symbol" panose="05050102010706020507" pitchFamily="18" charset="2"/>
+              <a:buChar char="a"/>
+            </a:pPr>
+            <a:r>
+              <a:rPr lang="en-GB" sz="3200" dirty="0" smtClean="0"/>
+              <a:t>= 0.01</a:t>
+            </a:r>
+          </a:p>
+        </p:txBody>
+      </p:sp>
+    </p:spTree>
+    <p:extLst>
+      <p:ext uri="{BB962C8B-B14F-4D97-AF65-F5344CB8AC3E}">
+        <p14:creationId xmlns:p14="http://schemas.microsoft.com/office/powerpoint/2010/main" val="1070100654"/>
+      </p:ext>
+    </p:extLst>
+  </p:cSld>
+  <p:clrMapOvr>
+    <a:masterClrMapping/>
+  </p:clrMapOvr>
 </p:sld>
 </file>
 

--- a/FiguresWiki/Examples.pptx
+++ b/FiguresWiki/Examples.pptx
@@ -27,6 +27,8 @@
     <p:sldId id="273" r:id="rId21"/>
     <p:sldId id="271" r:id="rId22"/>
     <p:sldId id="277" r:id="rId23"/>
+    <p:sldId id="278" r:id="rId24"/>
+    <p:sldId id="279" r:id="rId25"/>
   </p:sldIdLst>
   <p:sldSz cx="9144000" cy="6858000" type="screen4x3"/>
   <p:notesSz cx="6858000" cy="9144000"/>
@@ -6349,6 +6351,806 @@
   <p:clrMapOvr>
     <a:masterClrMapping/>
   </p:clrMapOvr>
+  <p:timing>
+    <p:tnLst>
+      <p:par>
+        <p:cTn id="1" dur="indefinite" restart="never" nodeType="tmRoot"/>
+      </p:par>
+    </p:tnLst>
+  </p:timing>
+</p:sld>
+</file>
+
+<file path=ppt/slides/slide23.xml><?xml version="1.0" encoding="utf-8"?>
+<p:sld xmlns:a="http://schemas.openxmlformats.org/drawingml/2006/main" xmlns:r="http://schemas.openxmlformats.org/officeDocument/2006/relationships" xmlns:p="http://schemas.openxmlformats.org/presentationml/2006/main">
+  <p:cSld>
+    <p:spTree>
+      <p:nvGrpSpPr>
+        <p:cNvPr id="1" name=""/>
+        <p:cNvGrpSpPr/>
+        <p:nvPr/>
+      </p:nvGrpSpPr>
+      <p:grpSpPr>
+        <a:xfrm>
+          <a:off x="0" y="0"/>
+          <a:ext cx="0" cy="0"/>
+          <a:chOff x="0" y="0"/>
+          <a:chExt cx="0" cy="0"/>
+        </a:xfrm>
+      </p:grpSpPr>
+      <p:sp>
+        <p:nvSpPr>
+          <p:cNvPr id="4" name="Ellipse 3"/>
+          <p:cNvSpPr/>
+          <p:nvPr/>
+        </p:nvSpPr>
+        <p:spPr>
+          <a:xfrm>
+            <a:off x="4235450" y="3105150"/>
+            <a:ext cx="171450" cy="190500"/>
+          </a:xfrm>
+          <a:prstGeom prst="ellipse">
+            <a:avLst/>
+          </a:prstGeom>
+          <a:solidFill>
+            <a:schemeClr val="tx1"/>
+          </a:solidFill>
+        </p:spPr>
+        <p:style>
+          <a:lnRef idx="2">
+            <a:schemeClr val="accent1">
+              <a:shade val="50000"/>
+            </a:schemeClr>
+          </a:lnRef>
+          <a:fillRef idx="1">
+            <a:schemeClr val="accent1"/>
+          </a:fillRef>
+          <a:effectRef idx="0">
+            <a:schemeClr val="accent1"/>
+          </a:effectRef>
+          <a:fontRef idx="minor">
+            <a:schemeClr val="lt1"/>
+          </a:fontRef>
+        </p:style>
+        <p:txBody>
+          <a:bodyPr rot="0" spcFirstLastPara="0" vert="horz" wrap="square" lIns="91440" tIns="45720" rIns="91440" bIns="45720" numCol="1" spcCol="0" rtlCol="0" fromWordArt="0" anchor="ctr" anchorCtr="0" forceAA="0" compatLnSpc="1">
+            <a:prstTxWarp prst="textNoShape">
+              <a:avLst/>
+            </a:prstTxWarp>
+            <a:noAutofit/>
+          </a:bodyPr>
+          <a:lstStyle/>
+          <a:p>
+            <a:endParaRPr lang="en-GB"/>
+          </a:p>
+        </p:txBody>
+      </p:sp>
+      <p:sp>
+        <p:nvSpPr>
+          <p:cNvPr id="5" name="Ellipse 4"/>
+          <p:cNvSpPr/>
+          <p:nvPr/>
+        </p:nvSpPr>
+        <p:spPr>
+          <a:xfrm>
+            <a:off x="3987800" y="3314700"/>
+            <a:ext cx="171450" cy="190500"/>
+          </a:xfrm>
+          <a:prstGeom prst="ellipse">
+            <a:avLst/>
+          </a:prstGeom>
+          <a:solidFill>
+            <a:schemeClr val="tx1"/>
+          </a:solidFill>
+        </p:spPr>
+        <p:style>
+          <a:lnRef idx="2">
+            <a:schemeClr val="accent1">
+              <a:shade val="50000"/>
+            </a:schemeClr>
+          </a:lnRef>
+          <a:fillRef idx="1">
+            <a:schemeClr val="accent1"/>
+          </a:fillRef>
+          <a:effectRef idx="0">
+            <a:schemeClr val="accent1"/>
+          </a:effectRef>
+          <a:fontRef idx="minor">
+            <a:schemeClr val="lt1"/>
+          </a:fontRef>
+        </p:style>
+        <p:txBody>
+          <a:bodyPr rot="0" spcFirstLastPara="0" vert="horz" wrap="square" lIns="91440" tIns="45720" rIns="91440" bIns="45720" numCol="1" spcCol="0" rtlCol="0" fromWordArt="0" anchor="ctr" anchorCtr="0" forceAA="0" compatLnSpc="1">
+            <a:prstTxWarp prst="textNoShape">
+              <a:avLst/>
+            </a:prstTxWarp>
+            <a:noAutofit/>
+          </a:bodyPr>
+          <a:lstStyle/>
+          <a:p>
+            <a:endParaRPr lang="en-GB"/>
+          </a:p>
+        </p:txBody>
+      </p:sp>
+      <p:sp>
+        <p:nvSpPr>
+          <p:cNvPr id="6" name="Ellipse 5"/>
+          <p:cNvSpPr/>
+          <p:nvPr/>
+        </p:nvSpPr>
+        <p:spPr>
+          <a:xfrm>
+            <a:off x="4546600" y="3073400"/>
+            <a:ext cx="171450" cy="190500"/>
+          </a:xfrm>
+          <a:prstGeom prst="ellipse">
+            <a:avLst/>
+          </a:prstGeom>
+          <a:solidFill>
+            <a:schemeClr val="tx1"/>
+          </a:solidFill>
+        </p:spPr>
+        <p:style>
+          <a:lnRef idx="2">
+            <a:schemeClr val="accent1">
+              <a:shade val="50000"/>
+            </a:schemeClr>
+          </a:lnRef>
+          <a:fillRef idx="1">
+            <a:schemeClr val="accent1"/>
+          </a:fillRef>
+          <a:effectRef idx="0">
+            <a:schemeClr val="accent1"/>
+          </a:effectRef>
+          <a:fontRef idx="minor">
+            <a:schemeClr val="lt1"/>
+          </a:fontRef>
+        </p:style>
+        <p:txBody>
+          <a:bodyPr rot="0" spcFirstLastPara="0" vert="horz" wrap="square" lIns="91440" tIns="45720" rIns="91440" bIns="45720" numCol="1" spcCol="0" rtlCol="0" fromWordArt="0" anchor="ctr" anchorCtr="0" forceAA="0" compatLnSpc="1">
+            <a:prstTxWarp prst="textNoShape">
+              <a:avLst/>
+            </a:prstTxWarp>
+            <a:noAutofit/>
+          </a:bodyPr>
+          <a:lstStyle/>
+          <a:p>
+            <a:endParaRPr lang="en-GB"/>
+          </a:p>
+        </p:txBody>
+      </p:sp>
+      <p:sp>
+        <p:nvSpPr>
+          <p:cNvPr id="7" name="Ellipse 6"/>
+          <p:cNvSpPr/>
+          <p:nvPr/>
+        </p:nvSpPr>
+        <p:spPr>
+          <a:xfrm>
+            <a:off x="3810000" y="3568700"/>
+            <a:ext cx="171450" cy="190500"/>
+          </a:xfrm>
+          <a:prstGeom prst="ellipse">
+            <a:avLst/>
+          </a:prstGeom>
+          <a:solidFill>
+            <a:schemeClr val="tx1"/>
+          </a:solidFill>
+        </p:spPr>
+        <p:style>
+          <a:lnRef idx="2">
+            <a:schemeClr val="accent1">
+              <a:shade val="50000"/>
+            </a:schemeClr>
+          </a:lnRef>
+          <a:fillRef idx="1">
+            <a:schemeClr val="accent1"/>
+          </a:fillRef>
+          <a:effectRef idx="0">
+            <a:schemeClr val="accent1"/>
+          </a:effectRef>
+          <a:fontRef idx="minor">
+            <a:schemeClr val="lt1"/>
+          </a:fontRef>
+        </p:style>
+        <p:txBody>
+          <a:bodyPr rot="0" spcFirstLastPara="0" vert="horz" wrap="square" lIns="91440" tIns="45720" rIns="91440" bIns="45720" numCol="1" spcCol="0" rtlCol="0" fromWordArt="0" anchor="ctr" anchorCtr="0" forceAA="0" compatLnSpc="1">
+            <a:prstTxWarp prst="textNoShape">
+              <a:avLst/>
+            </a:prstTxWarp>
+            <a:noAutofit/>
+          </a:bodyPr>
+          <a:lstStyle/>
+          <a:p>
+            <a:endParaRPr lang="en-GB"/>
+          </a:p>
+        </p:txBody>
+      </p:sp>
+      <p:sp>
+        <p:nvSpPr>
+          <p:cNvPr id="8" name="Ellipse 7"/>
+          <p:cNvSpPr/>
+          <p:nvPr/>
+        </p:nvSpPr>
+        <p:spPr>
+          <a:xfrm>
+            <a:off x="5162550" y="3397250"/>
+            <a:ext cx="171450" cy="190500"/>
+          </a:xfrm>
+          <a:prstGeom prst="ellipse">
+            <a:avLst/>
+          </a:prstGeom>
+          <a:solidFill>
+            <a:schemeClr val="tx1"/>
+          </a:solidFill>
+        </p:spPr>
+        <p:style>
+          <a:lnRef idx="2">
+            <a:schemeClr val="accent1">
+              <a:shade val="50000"/>
+            </a:schemeClr>
+          </a:lnRef>
+          <a:fillRef idx="1">
+            <a:schemeClr val="accent1"/>
+          </a:fillRef>
+          <a:effectRef idx="0">
+            <a:schemeClr val="accent1"/>
+          </a:effectRef>
+          <a:fontRef idx="minor">
+            <a:schemeClr val="lt1"/>
+          </a:fontRef>
+        </p:style>
+        <p:txBody>
+          <a:bodyPr rot="0" spcFirstLastPara="0" vert="horz" wrap="square" lIns="91440" tIns="45720" rIns="91440" bIns="45720" numCol="1" spcCol="0" rtlCol="0" fromWordArt="0" anchor="ctr" anchorCtr="0" forceAA="0" compatLnSpc="1">
+            <a:prstTxWarp prst="textNoShape">
+              <a:avLst/>
+            </a:prstTxWarp>
+            <a:noAutofit/>
+          </a:bodyPr>
+          <a:lstStyle/>
+          <a:p>
+            <a:endParaRPr lang="en-GB"/>
+          </a:p>
+        </p:txBody>
+      </p:sp>
+      <p:sp>
+        <p:nvSpPr>
+          <p:cNvPr id="9" name="Ellipse 8"/>
+          <p:cNvSpPr/>
+          <p:nvPr/>
+        </p:nvSpPr>
+        <p:spPr>
+          <a:xfrm>
+            <a:off x="4883150" y="3175000"/>
+            <a:ext cx="171450" cy="190500"/>
+          </a:xfrm>
+          <a:prstGeom prst="ellipse">
+            <a:avLst/>
+          </a:prstGeom>
+          <a:solidFill>
+            <a:schemeClr val="tx1"/>
+          </a:solidFill>
+        </p:spPr>
+        <p:style>
+          <a:lnRef idx="2">
+            <a:schemeClr val="accent1">
+              <a:shade val="50000"/>
+            </a:schemeClr>
+          </a:lnRef>
+          <a:fillRef idx="1">
+            <a:schemeClr val="accent1"/>
+          </a:fillRef>
+          <a:effectRef idx="0">
+            <a:schemeClr val="accent1"/>
+          </a:effectRef>
+          <a:fontRef idx="minor">
+            <a:schemeClr val="lt1"/>
+          </a:fontRef>
+        </p:style>
+        <p:txBody>
+          <a:bodyPr rot="0" spcFirstLastPara="0" vert="horz" wrap="square" lIns="91440" tIns="45720" rIns="91440" bIns="45720" numCol="1" spcCol="0" rtlCol="0" fromWordArt="0" anchor="ctr" anchorCtr="0" forceAA="0" compatLnSpc="1">
+            <a:prstTxWarp prst="textNoShape">
+              <a:avLst/>
+            </a:prstTxWarp>
+            <a:noAutofit/>
+          </a:bodyPr>
+          <a:lstStyle/>
+          <a:p>
+            <a:endParaRPr lang="en-GB"/>
+          </a:p>
+        </p:txBody>
+      </p:sp>
+      <p:sp>
+        <p:nvSpPr>
+          <p:cNvPr id="10" name="Ellipse 9"/>
+          <p:cNvSpPr/>
+          <p:nvPr/>
+        </p:nvSpPr>
+        <p:spPr>
+          <a:xfrm>
+            <a:off x="4470400" y="3378200"/>
+            <a:ext cx="171450" cy="190500"/>
+          </a:xfrm>
+          <a:prstGeom prst="ellipse">
+            <a:avLst/>
+          </a:prstGeom>
+          <a:solidFill>
+            <a:srgbClr val="FF0000"/>
+          </a:solidFill>
+        </p:spPr>
+        <p:style>
+          <a:lnRef idx="2">
+            <a:schemeClr val="accent1">
+              <a:shade val="50000"/>
+            </a:schemeClr>
+          </a:lnRef>
+          <a:fillRef idx="1">
+            <a:schemeClr val="accent1"/>
+          </a:fillRef>
+          <a:effectRef idx="0">
+            <a:schemeClr val="accent1"/>
+          </a:effectRef>
+          <a:fontRef idx="minor">
+            <a:schemeClr val="lt1"/>
+          </a:fontRef>
+        </p:style>
+        <p:txBody>
+          <a:bodyPr rot="0" spcFirstLastPara="0" vert="horz" wrap="square" lIns="91440" tIns="45720" rIns="91440" bIns="45720" numCol="1" spcCol="0" rtlCol="0" fromWordArt="0" anchor="ctr" anchorCtr="0" forceAA="0" compatLnSpc="1">
+            <a:prstTxWarp prst="textNoShape">
+              <a:avLst/>
+            </a:prstTxWarp>
+            <a:noAutofit/>
+          </a:bodyPr>
+          <a:lstStyle/>
+          <a:p>
+            <a:endParaRPr lang="en-GB"/>
+          </a:p>
+        </p:txBody>
+      </p:sp>
+      <p:sp>
+        <p:nvSpPr>
+          <p:cNvPr id="11" name="Ellipse 10"/>
+          <p:cNvSpPr/>
+          <p:nvPr/>
+        </p:nvSpPr>
+        <p:spPr>
+          <a:xfrm>
+            <a:off x="5035550" y="3460750"/>
+            <a:ext cx="171450" cy="190500"/>
+          </a:xfrm>
+          <a:prstGeom prst="ellipse">
+            <a:avLst/>
+          </a:prstGeom>
+          <a:solidFill>
+            <a:srgbClr val="FF0000"/>
+          </a:solidFill>
+        </p:spPr>
+        <p:style>
+          <a:lnRef idx="2">
+            <a:schemeClr val="accent1">
+              <a:shade val="50000"/>
+            </a:schemeClr>
+          </a:lnRef>
+          <a:fillRef idx="1">
+            <a:schemeClr val="accent1"/>
+          </a:fillRef>
+          <a:effectRef idx="0">
+            <a:schemeClr val="accent1"/>
+          </a:effectRef>
+          <a:fontRef idx="minor">
+            <a:schemeClr val="lt1"/>
+          </a:fontRef>
+        </p:style>
+        <p:txBody>
+          <a:bodyPr rot="0" spcFirstLastPara="0" vert="horz" wrap="square" lIns="91440" tIns="45720" rIns="91440" bIns="45720" numCol="1" spcCol="0" rtlCol="0" fromWordArt="0" anchor="ctr" anchorCtr="0" forceAA="0" compatLnSpc="1">
+            <a:prstTxWarp prst="textNoShape">
+              <a:avLst/>
+            </a:prstTxWarp>
+            <a:noAutofit/>
+          </a:bodyPr>
+          <a:lstStyle/>
+          <a:p>
+            <a:endParaRPr lang="en-GB"/>
+          </a:p>
+        </p:txBody>
+      </p:sp>
+      <p:sp>
+        <p:nvSpPr>
+          <p:cNvPr id="12" name="Ellipse 11"/>
+          <p:cNvSpPr/>
+          <p:nvPr/>
+        </p:nvSpPr>
+        <p:spPr>
+          <a:xfrm>
+            <a:off x="3981450" y="3594100"/>
+            <a:ext cx="171450" cy="190500"/>
+          </a:xfrm>
+          <a:prstGeom prst="ellipse">
+            <a:avLst/>
+          </a:prstGeom>
+          <a:solidFill>
+            <a:srgbClr val="FF0000"/>
+          </a:solidFill>
+        </p:spPr>
+        <p:style>
+          <a:lnRef idx="2">
+            <a:schemeClr val="accent1">
+              <a:shade val="50000"/>
+            </a:schemeClr>
+          </a:lnRef>
+          <a:fillRef idx="1">
+            <a:schemeClr val="accent1"/>
+          </a:fillRef>
+          <a:effectRef idx="0">
+            <a:schemeClr val="accent1"/>
+          </a:effectRef>
+          <a:fontRef idx="minor">
+            <a:schemeClr val="lt1"/>
+          </a:fontRef>
+        </p:style>
+        <p:txBody>
+          <a:bodyPr rot="0" spcFirstLastPara="0" vert="horz" wrap="square" lIns="91440" tIns="45720" rIns="91440" bIns="45720" numCol="1" spcCol="0" rtlCol="0" fromWordArt="0" anchor="ctr" anchorCtr="0" forceAA="0" compatLnSpc="1">
+            <a:prstTxWarp prst="textNoShape">
+              <a:avLst/>
+            </a:prstTxWarp>
+            <a:noAutofit/>
+          </a:bodyPr>
+          <a:lstStyle/>
+          <a:p>
+            <a:endParaRPr lang="en-GB"/>
+          </a:p>
+        </p:txBody>
+      </p:sp>
+      <p:sp>
+        <p:nvSpPr>
+          <p:cNvPr id="13" name="Ellipse 12"/>
+          <p:cNvSpPr/>
+          <p:nvPr/>
+        </p:nvSpPr>
+        <p:spPr>
+          <a:xfrm>
+            <a:off x="4362450" y="3143250"/>
+            <a:ext cx="171450" cy="190500"/>
+          </a:xfrm>
+          <a:prstGeom prst="ellipse">
+            <a:avLst/>
+          </a:prstGeom>
+          <a:solidFill>
+            <a:srgbClr val="FF0000"/>
+          </a:solidFill>
+        </p:spPr>
+        <p:style>
+          <a:lnRef idx="2">
+            <a:schemeClr val="accent1">
+              <a:shade val="50000"/>
+            </a:schemeClr>
+          </a:lnRef>
+          <a:fillRef idx="1">
+            <a:schemeClr val="accent1"/>
+          </a:fillRef>
+          <a:effectRef idx="0">
+            <a:schemeClr val="accent1"/>
+          </a:effectRef>
+          <a:fontRef idx="minor">
+            <a:schemeClr val="lt1"/>
+          </a:fontRef>
+        </p:style>
+        <p:txBody>
+          <a:bodyPr rot="0" spcFirstLastPara="0" vert="horz" wrap="square" lIns="91440" tIns="45720" rIns="91440" bIns="45720" numCol="1" spcCol="0" rtlCol="0" fromWordArt="0" anchor="ctr" anchorCtr="0" forceAA="0" compatLnSpc="1">
+            <a:prstTxWarp prst="textNoShape">
+              <a:avLst/>
+            </a:prstTxWarp>
+            <a:noAutofit/>
+          </a:bodyPr>
+          <a:lstStyle/>
+          <a:p>
+            <a:endParaRPr lang="en-GB"/>
+          </a:p>
+        </p:txBody>
+      </p:sp>
+      <p:cxnSp>
+        <p:nvCxnSpPr>
+          <p:cNvPr id="14" name="Connecteur droit 13"/>
+          <p:cNvCxnSpPr/>
+          <p:nvPr/>
+        </p:nvCxnSpPr>
+        <p:spPr>
+          <a:xfrm flipV="1">
+            <a:off x="4133850" y="3505200"/>
+            <a:ext cx="374650" cy="184150"/>
+          </a:xfrm>
+          <a:prstGeom prst="line">
+            <a:avLst/>
+          </a:prstGeom>
+          <a:ln w="25400">
+            <a:solidFill>
+              <a:srgbClr val="FF0000"/>
+            </a:solidFill>
+          </a:ln>
+        </p:spPr>
+        <p:style>
+          <a:lnRef idx="1">
+            <a:schemeClr val="accent1"/>
+          </a:lnRef>
+          <a:fillRef idx="0">
+            <a:schemeClr val="accent1"/>
+          </a:fillRef>
+          <a:effectRef idx="0">
+            <a:schemeClr val="accent1"/>
+          </a:effectRef>
+          <a:fontRef idx="minor">
+            <a:schemeClr val="tx1"/>
+          </a:fontRef>
+        </p:style>
+      </p:cxnSp>
+      <p:cxnSp>
+        <p:nvCxnSpPr>
+          <p:cNvPr id="15" name="Connecteur droit 14"/>
+          <p:cNvCxnSpPr/>
+          <p:nvPr/>
+        </p:nvCxnSpPr>
+        <p:spPr>
+          <a:xfrm>
+            <a:off x="4464050" y="3321050"/>
+            <a:ext cx="76200" cy="120650"/>
+          </a:xfrm>
+          <a:prstGeom prst="line">
+            <a:avLst/>
+          </a:prstGeom>
+          <a:ln w="25400">
+            <a:solidFill>
+              <a:srgbClr val="FF0000"/>
+            </a:solidFill>
+          </a:ln>
+        </p:spPr>
+        <p:style>
+          <a:lnRef idx="1">
+            <a:schemeClr val="accent1"/>
+          </a:lnRef>
+          <a:fillRef idx="0">
+            <a:schemeClr val="accent1"/>
+          </a:fillRef>
+          <a:effectRef idx="0">
+            <a:schemeClr val="accent1"/>
+          </a:effectRef>
+          <a:fontRef idx="minor">
+            <a:schemeClr val="tx1"/>
+          </a:fontRef>
+        </p:style>
+      </p:cxnSp>
+      <p:cxnSp>
+        <p:nvCxnSpPr>
+          <p:cNvPr id="16" name="Connecteur droit 15"/>
+          <p:cNvCxnSpPr/>
+          <p:nvPr/>
+        </p:nvCxnSpPr>
+        <p:spPr>
+          <a:xfrm flipH="1" flipV="1">
+            <a:off x="4514850" y="3479800"/>
+            <a:ext cx="603250" cy="57150"/>
+          </a:xfrm>
+          <a:prstGeom prst="line">
+            <a:avLst/>
+          </a:prstGeom>
+          <a:ln w="25400">
+            <a:solidFill>
+              <a:srgbClr val="FF0000"/>
+            </a:solidFill>
+          </a:ln>
+        </p:spPr>
+        <p:style>
+          <a:lnRef idx="1">
+            <a:schemeClr val="accent1"/>
+          </a:lnRef>
+          <a:fillRef idx="0">
+            <a:schemeClr val="accent1"/>
+          </a:fillRef>
+          <a:effectRef idx="0">
+            <a:schemeClr val="accent1"/>
+          </a:effectRef>
+          <a:fontRef idx="minor">
+            <a:schemeClr val="tx1"/>
+          </a:fontRef>
+        </p:style>
+      </p:cxnSp>
+    </p:spTree>
+    <p:extLst>
+      <p:ext uri="{BB962C8B-B14F-4D97-AF65-F5344CB8AC3E}">
+        <p14:creationId xmlns:p14="http://schemas.microsoft.com/office/powerpoint/2010/main" val="3912221041"/>
+      </p:ext>
+    </p:extLst>
+  </p:cSld>
+  <p:clrMapOvr>
+    <a:masterClrMapping/>
+  </p:clrMapOvr>
+  <p:timing>
+    <p:tnLst>
+      <p:par>
+        <p:cTn id="1" dur="indefinite" restart="never" nodeType="tmRoot"/>
+      </p:par>
+    </p:tnLst>
+  </p:timing>
+</p:sld>
+</file>
+
+<file path=ppt/slides/slide24.xml><?xml version="1.0" encoding="utf-8"?>
+<p:sld xmlns:a="http://schemas.openxmlformats.org/drawingml/2006/main" xmlns:r="http://schemas.openxmlformats.org/officeDocument/2006/relationships" xmlns:p="http://schemas.openxmlformats.org/presentationml/2006/main">
+  <p:cSld>
+    <p:spTree>
+      <p:nvGrpSpPr>
+        <p:cNvPr id="1" name=""/>
+        <p:cNvGrpSpPr/>
+        <p:nvPr/>
+      </p:nvGrpSpPr>
+      <p:grpSpPr>
+        <a:xfrm>
+          <a:off x="0" y="0"/>
+          <a:ext cx="0" cy="0"/>
+          <a:chOff x="0" y="0"/>
+          <a:chExt cx="0" cy="0"/>
+        </a:xfrm>
+      </p:grpSpPr>
+      <p:pic>
+        <p:nvPicPr>
+          <p:cNvPr id="5" name="Image 4"/>
+          <p:cNvPicPr>
+            <a:picLocks noChangeAspect="1"/>
+          </p:cNvPicPr>
+          <p:nvPr/>
+        </p:nvPicPr>
+        <p:blipFill>
+          <a:blip r:embed="rId2"/>
+          <a:stretch>
+            <a:fillRect/>
+          </a:stretch>
+        </p:blipFill>
+        <p:spPr>
+          <a:xfrm>
+            <a:off x="76200" y="24581"/>
+            <a:ext cx="4432219" cy="3590200"/>
+          </a:xfrm>
+          <a:prstGeom prst="rect">
+            <a:avLst/>
+          </a:prstGeom>
+        </p:spPr>
+      </p:pic>
+      <p:pic>
+        <p:nvPicPr>
+          <p:cNvPr id="6" name="Image 5"/>
+          <p:cNvPicPr>
+            <a:picLocks noChangeAspect="1"/>
+          </p:cNvPicPr>
+          <p:nvPr/>
+        </p:nvPicPr>
+        <p:blipFill>
+          <a:blip r:embed="rId3"/>
+          <a:stretch>
+            <a:fillRect/>
+          </a:stretch>
+        </p:blipFill>
+        <p:spPr>
+          <a:xfrm>
+            <a:off x="2819400" y="24581"/>
+            <a:ext cx="4432219" cy="3590200"/>
+          </a:xfrm>
+          <a:prstGeom prst="rect">
+            <a:avLst/>
+          </a:prstGeom>
+        </p:spPr>
+      </p:pic>
+      <p:pic>
+        <p:nvPicPr>
+          <p:cNvPr id="7" name="Image 6"/>
+          <p:cNvPicPr>
+            <a:picLocks noChangeAspect="1"/>
+          </p:cNvPicPr>
+          <p:nvPr/>
+        </p:nvPicPr>
+        <p:blipFill>
+          <a:blip r:embed="rId4"/>
+          <a:stretch>
+            <a:fillRect/>
+          </a:stretch>
+        </p:blipFill>
+        <p:spPr>
+          <a:xfrm>
+            <a:off x="5562600" y="24581"/>
+            <a:ext cx="4432219" cy="3590200"/>
+          </a:xfrm>
+          <a:prstGeom prst="rect">
+            <a:avLst/>
+          </a:prstGeom>
+        </p:spPr>
+      </p:pic>
+      <p:pic>
+        <p:nvPicPr>
+          <p:cNvPr id="8" name="Image 7"/>
+          <p:cNvPicPr>
+            <a:picLocks noChangeAspect="1"/>
+          </p:cNvPicPr>
+          <p:nvPr/>
+        </p:nvPicPr>
+        <p:blipFill>
+          <a:blip r:embed="rId5"/>
+          <a:stretch>
+            <a:fillRect/>
+          </a:stretch>
+        </p:blipFill>
+        <p:spPr>
+          <a:xfrm>
+            <a:off x="95865" y="2438400"/>
+            <a:ext cx="4432219" cy="3590200"/>
+          </a:xfrm>
+          <a:prstGeom prst="rect">
+            <a:avLst/>
+          </a:prstGeom>
+        </p:spPr>
+      </p:pic>
+      <p:pic>
+        <p:nvPicPr>
+          <p:cNvPr id="9" name="Image 8"/>
+          <p:cNvPicPr>
+            <a:picLocks noChangeAspect="1"/>
+          </p:cNvPicPr>
+          <p:nvPr/>
+        </p:nvPicPr>
+        <p:blipFill>
+          <a:blip r:embed="rId6"/>
+          <a:stretch>
+            <a:fillRect/>
+          </a:stretch>
+        </p:blipFill>
+        <p:spPr>
+          <a:xfrm>
+            <a:off x="2863646" y="2438400"/>
+            <a:ext cx="4432219" cy="3590200"/>
+          </a:xfrm>
+          <a:prstGeom prst="rect">
+            <a:avLst/>
+          </a:prstGeom>
+        </p:spPr>
+      </p:pic>
+      <p:pic>
+        <p:nvPicPr>
+          <p:cNvPr id="10" name="Image 9"/>
+          <p:cNvPicPr>
+            <a:picLocks noChangeAspect="1"/>
+          </p:cNvPicPr>
+          <p:nvPr/>
+        </p:nvPicPr>
+        <p:blipFill>
+          <a:blip r:embed="rId7"/>
+          <a:stretch>
+            <a:fillRect/>
+          </a:stretch>
+        </p:blipFill>
+        <p:spPr>
+          <a:xfrm>
+            <a:off x="5582265" y="2438400"/>
+            <a:ext cx="4432219" cy="3590200"/>
+          </a:xfrm>
+          <a:prstGeom prst="rect">
+            <a:avLst/>
+          </a:prstGeom>
+        </p:spPr>
+      </p:pic>
+    </p:spTree>
+    <p:extLst>
+      <p:ext uri="{BB962C8B-B14F-4D97-AF65-F5344CB8AC3E}">
+        <p14:creationId xmlns:p14="http://schemas.microsoft.com/office/powerpoint/2010/main" val="2107424446"/>
+      </p:ext>
+    </p:extLst>
+  </p:cSld>
+  <p:clrMapOvr>
+    <a:masterClrMapping/>
+  </p:clrMapOvr>
+  <p:timing>
+    <p:tnLst>
+      <p:par>
+        <p:cTn id="1" dur="indefinite" restart="never" nodeType="tmRoot"/>
+      </p:par>
+    </p:tnLst>
+  </p:timing>
 </p:sld>
 </file>
 

--- a/FiguresWiki/Examples.pptx
+++ b/FiguresWiki/Examples.pptx
@@ -29,6 +29,7 @@
     <p:sldId id="277" r:id="rId23"/>
     <p:sldId id="278" r:id="rId24"/>
     <p:sldId id="279" r:id="rId25"/>
+    <p:sldId id="280" r:id="rId26"/>
   </p:sldIdLst>
   <p:sldSz cx="9144000" cy="6858000" type="screen4x3"/>
   <p:notesSz cx="6858000" cy="9144000"/>
@@ -327,7 +328,7 @@
           <a:p>
             <a:fld id="{4AF8D1E4-79D5-419A-84F5-5184F8D0060F}" type="datetimeFigureOut">
               <a:rPr lang="en-US" smtClean="0"/>
-              <a:t>2/27/2018</a:t>
+              <a:t>2/28/2018</a:t>
             </a:fld>
             <a:endParaRPr lang="en-US" dirty="0"/>
           </a:p>
@@ -497,7 +498,7 @@
           <a:p>
             <a:fld id="{4AF8D1E4-79D5-419A-84F5-5184F8D0060F}" type="datetimeFigureOut">
               <a:rPr lang="en-US" smtClean="0"/>
-              <a:t>2/27/2018</a:t>
+              <a:t>2/28/2018</a:t>
             </a:fld>
             <a:endParaRPr lang="en-US" dirty="0"/>
           </a:p>
@@ -677,7 +678,7 @@
           <a:p>
             <a:fld id="{4AF8D1E4-79D5-419A-84F5-5184F8D0060F}" type="datetimeFigureOut">
               <a:rPr lang="en-US" smtClean="0"/>
-              <a:t>2/27/2018</a:t>
+              <a:t>2/28/2018</a:t>
             </a:fld>
             <a:endParaRPr lang="en-US" dirty="0"/>
           </a:p>
@@ -847,7 +848,7 @@
           <a:p>
             <a:fld id="{4AF8D1E4-79D5-419A-84F5-5184F8D0060F}" type="datetimeFigureOut">
               <a:rPr lang="en-US" smtClean="0"/>
-              <a:t>2/27/2018</a:t>
+              <a:t>2/28/2018</a:t>
             </a:fld>
             <a:endParaRPr lang="en-US" dirty="0"/>
           </a:p>
@@ -1093,7 +1094,7 @@
           <a:p>
             <a:fld id="{4AF8D1E4-79D5-419A-84F5-5184F8D0060F}" type="datetimeFigureOut">
               <a:rPr lang="en-US" smtClean="0"/>
-              <a:t>2/27/2018</a:t>
+              <a:t>2/28/2018</a:t>
             </a:fld>
             <a:endParaRPr lang="en-US" dirty="0"/>
           </a:p>
@@ -1381,7 +1382,7 @@
           <a:p>
             <a:fld id="{4AF8D1E4-79D5-419A-84F5-5184F8D0060F}" type="datetimeFigureOut">
               <a:rPr lang="en-US" smtClean="0"/>
-              <a:t>2/27/2018</a:t>
+              <a:t>2/28/2018</a:t>
             </a:fld>
             <a:endParaRPr lang="en-US" dirty="0"/>
           </a:p>
@@ -1803,7 +1804,7 @@
           <a:p>
             <a:fld id="{4AF8D1E4-79D5-419A-84F5-5184F8D0060F}" type="datetimeFigureOut">
               <a:rPr lang="en-US" smtClean="0"/>
-              <a:t>2/27/2018</a:t>
+              <a:t>2/28/2018</a:t>
             </a:fld>
             <a:endParaRPr lang="en-US" dirty="0"/>
           </a:p>
@@ -1921,7 +1922,7 @@
           <a:p>
             <a:fld id="{4AF8D1E4-79D5-419A-84F5-5184F8D0060F}" type="datetimeFigureOut">
               <a:rPr lang="en-US" smtClean="0"/>
-              <a:t>2/27/2018</a:t>
+              <a:t>2/28/2018</a:t>
             </a:fld>
             <a:endParaRPr lang="en-US" dirty="0"/>
           </a:p>
@@ -2016,7 +2017,7 @@
           <a:p>
             <a:fld id="{4AF8D1E4-79D5-419A-84F5-5184F8D0060F}" type="datetimeFigureOut">
               <a:rPr lang="en-US" smtClean="0"/>
-              <a:t>2/27/2018</a:t>
+              <a:t>2/28/2018</a:t>
             </a:fld>
             <a:endParaRPr lang="en-US" dirty="0"/>
           </a:p>
@@ -2293,7 +2294,7 @@
           <a:p>
             <a:fld id="{4AF8D1E4-79D5-419A-84F5-5184F8D0060F}" type="datetimeFigureOut">
               <a:rPr lang="en-US" smtClean="0"/>
-              <a:t>2/27/2018</a:t>
+              <a:t>2/28/2018</a:t>
             </a:fld>
             <a:endParaRPr lang="en-US" dirty="0"/>
           </a:p>
@@ -2546,7 +2547,7 @@
           <a:p>
             <a:fld id="{4AF8D1E4-79D5-419A-84F5-5184F8D0060F}" type="datetimeFigureOut">
               <a:rPr lang="en-US" smtClean="0"/>
-              <a:t>2/27/2018</a:t>
+              <a:t>2/28/2018</a:t>
             </a:fld>
             <a:endParaRPr lang="en-US" dirty="0"/>
           </a:p>
@@ -2759,7 +2760,7 @@
           <a:p>
             <a:fld id="{4AF8D1E4-79D5-419A-84F5-5184F8D0060F}" type="datetimeFigureOut">
               <a:rPr lang="en-US" smtClean="0"/>
-              <a:t>2/27/2018</a:t>
+              <a:t>2/28/2018</a:t>
             </a:fld>
             <a:endParaRPr lang="en-US" dirty="0"/>
           </a:p>
@@ -7151,6 +7152,204 @@
       </p:par>
     </p:tnLst>
   </p:timing>
+</p:sld>
+</file>
+
+<file path=ppt/slides/slide25.xml><?xml version="1.0" encoding="utf-8"?>
+<p:sld xmlns:a="http://schemas.openxmlformats.org/drawingml/2006/main" xmlns:r="http://schemas.openxmlformats.org/officeDocument/2006/relationships" xmlns:p="http://schemas.openxmlformats.org/presentationml/2006/main">
+  <p:cSld>
+    <p:spTree>
+      <p:nvGrpSpPr>
+        <p:cNvPr id="1" name=""/>
+        <p:cNvGrpSpPr/>
+        <p:nvPr/>
+      </p:nvGrpSpPr>
+      <p:grpSpPr>
+        <a:xfrm>
+          <a:off x="0" y="0"/>
+          <a:ext cx="0" cy="0"/>
+          <a:chOff x="0" y="0"/>
+          <a:chExt cx="0" cy="0"/>
+        </a:xfrm>
+      </p:grpSpPr>
+      <p:pic>
+        <p:nvPicPr>
+          <p:cNvPr id="4" name="Image 3"/>
+          <p:cNvPicPr>
+            <a:picLocks noChangeAspect="1"/>
+          </p:cNvPicPr>
+          <p:nvPr/>
+        </p:nvPicPr>
+        <p:blipFill>
+          <a:blip r:embed="rId2"/>
+          <a:stretch>
+            <a:fillRect/>
+          </a:stretch>
+        </p:blipFill>
+        <p:spPr>
+          <a:xfrm>
+            <a:off x="76200" y="-76200"/>
+            <a:ext cx="4432219" cy="3590200"/>
+          </a:xfrm>
+          <a:prstGeom prst="rect">
+            <a:avLst/>
+          </a:prstGeom>
+        </p:spPr>
+      </p:pic>
+      <p:pic>
+        <p:nvPicPr>
+          <p:cNvPr id="5" name="Image 4"/>
+          <p:cNvPicPr>
+            <a:picLocks noChangeAspect="1"/>
+          </p:cNvPicPr>
+          <p:nvPr/>
+        </p:nvPicPr>
+        <p:blipFill>
+          <a:blip r:embed="rId3"/>
+          <a:stretch>
+            <a:fillRect/>
+          </a:stretch>
+        </p:blipFill>
+        <p:spPr>
+          <a:xfrm>
+            <a:off x="2895600" y="-68826"/>
+            <a:ext cx="4432219" cy="3590200"/>
+          </a:xfrm>
+          <a:prstGeom prst="rect">
+            <a:avLst/>
+          </a:prstGeom>
+        </p:spPr>
+      </p:pic>
+      <p:pic>
+        <p:nvPicPr>
+          <p:cNvPr id="6" name="Image 5"/>
+          <p:cNvPicPr>
+            <a:picLocks noChangeAspect="1"/>
+          </p:cNvPicPr>
+          <p:nvPr/>
+        </p:nvPicPr>
+        <p:blipFill>
+          <a:blip r:embed="rId4"/>
+          <a:stretch>
+            <a:fillRect/>
+          </a:stretch>
+        </p:blipFill>
+        <p:spPr>
+          <a:xfrm>
+            <a:off x="5715000" y="-61452"/>
+            <a:ext cx="4432219" cy="3590200"/>
+          </a:xfrm>
+          <a:prstGeom prst="rect">
+            <a:avLst/>
+          </a:prstGeom>
+        </p:spPr>
+      </p:pic>
+      <p:pic>
+        <p:nvPicPr>
+          <p:cNvPr id="7" name="Image 6"/>
+          <p:cNvPicPr>
+            <a:picLocks noChangeAspect="1"/>
+          </p:cNvPicPr>
+          <p:nvPr/>
+        </p:nvPicPr>
+        <p:blipFill>
+          <a:blip r:embed="rId5"/>
+          <a:stretch>
+            <a:fillRect/>
+          </a:stretch>
+        </p:blipFill>
+        <p:spPr>
+          <a:xfrm>
+            <a:off x="76200" y="2438400"/>
+            <a:ext cx="4432219" cy="3590200"/>
+          </a:xfrm>
+          <a:prstGeom prst="rect">
+            <a:avLst/>
+          </a:prstGeom>
+        </p:spPr>
+      </p:pic>
+      <p:pic>
+        <p:nvPicPr>
+          <p:cNvPr id="8" name="Image 7"/>
+          <p:cNvPicPr>
+            <a:picLocks noChangeAspect="1"/>
+          </p:cNvPicPr>
+          <p:nvPr/>
+        </p:nvPicPr>
+        <p:blipFill>
+          <a:blip r:embed="rId6"/>
+          <a:stretch>
+            <a:fillRect/>
+          </a:stretch>
+        </p:blipFill>
+        <p:spPr>
+          <a:xfrm>
+            <a:off x="2895600" y="2438400"/>
+            <a:ext cx="4432219" cy="3590200"/>
+          </a:xfrm>
+          <a:prstGeom prst="rect">
+            <a:avLst/>
+          </a:prstGeom>
+        </p:spPr>
+      </p:pic>
+      <p:pic>
+        <p:nvPicPr>
+          <p:cNvPr id="9" name="Image 8"/>
+          <p:cNvPicPr>
+            <a:picLocks noChangeAspect="1"/>
+          </p:cNvPicPr>
+          <p:nvPr/>
+        </p:nvPicPr>
+        <p:blipFill>
+          <a:blip r:embed="rId7"/>
+          <a:stretch>
+            <a:fillRect/>
+          </a:stretch>
+        </p:blipFill>
+        <p:spPr>
+          <a:xfrm>
+            <a:off x="5715000" y="2438400"/>
+            <a:ext cx="4432219" cy="3590200"/>
+          </a:xfrm>
+          <a:prstGeom prst="rect">
+            <a:avLst/>
+          </a:prstGeom>
+        </p:spPr>
+      </p:pic>
+      <p:pic>
+        <p:nvPicPr>
+          <p:cNvPr id="11" name="Image 10"/>
+          <p:cNvPicPr>
+            <a:picLocks noChangeAspect="1"/>
+          </p:cNvPicPr>
+          <p:nvPr/>
+        </p:nvPicPr>
+        <p:blipFill>
+          <a:blip r:embed="rId8"/>
+          <a:stretch>
+            <a:fillRect/>
+          </a:stretch>
+        </p:blipFill>
+        <p:spPr>
+          <a:xfrm>
+            <a:off x="83574" y="4791800"/>
+            <a:ext cx="4432219" cy="3590200"/>
+          </a:xfrm>
+          <a:prstGeom prst="rect">
+            <a:avLst/>
+          </a:prstGeom>
+        </p:spPr>
+      </p:pic>
+    </p:spTree>
+    <p:extLst>
+      <p:ext uri="{BB962C8B-B14F-4D97-AF65-F5344CB8AC3E}">
+        <p14:creationId xmlns:p14="http://schemas.microsoft.com/office/powerpoint/2010/main" val="3086863695"/>
+      </p:ext>
+    </p:extLst>
+  </p:cSld>
+  <p:clrMapOvr>
+    <a:masterClrMapping/>
+  </p:clrMapOvr>
 </p:sld>
 </file>
 
